--- a/ kinect-virtual-world --username c.c.williams55@gmail.com/Final Presentation/Angry_Prims_Final_Presentation.pptx
+++ b/ kinect-virtual-world --username c.c.williams55@gmail.com/Final Presentation/Angry_Prims_Final_Presentation.pptx
@@ -2,10 +2,10 @@
 <file path=ppt/presentation.xml><?xml version="1.0" encoding="utf-8"?>
 <p:presentation xmlns:a="http://schemas.openxmlformats.org/drawingml/2006/main" xmlns:r="http://schemas.openxmlformats.org/officeDocument/2006/relationships" xmlns:p="http://schemas.openxmlformats.org/presentationml/2006/main" removePersonalInfoOnSave="1" saveSubsetFonts="1">
   <p:sldMasterIdLst>
-    <p:sldMasterId id="2147483948" r:id="rId1"/>
+    <p:sldMasterId id="2147484164" r:id="rId1"/>
   </p:sldMasterIdLst>
   <p:notesMasterIdLst>
-    <p:notesMasterId r:id="rId14"/>
+    <p:notesMasterId r:id="rId16"/>
   </p:notesMasterIdLst>
   <p:sldIdLst>
     <p:sldId id="259" r:id="rId2"/>
@@ -19,7 +19,9 @@
     <p:sldId id="274" r:id="rId10"/>
     <p:sldId id="275" r:id="rId11"/>
     <p:sldId id="276" r:id="rId12"/>
-    <p:sldId id="269" r:id="rId13"/>
+    <p:sldId id="278" r:id="rId13"/>
+    <p:sldId id="277" r:id="rId14"/>
+    <p:sldId id="269" r:id="rId15"/>
   </p:sldIdLst>
   <p:sldSz cx="9144000" cy="6858000" type="screen4x3"/>
   <p:notesSz cx="6858000" cy="9144000"/>
@@ -120,7 +122,7 @@
   </p:defaultTextStyle>
   <p:extLst>
     <p:ext uri="{521415D9-36F7-43E2-AB2F-B90AF26B5E84}">
-      <p14:sectionLst xmlns:p14="http://schemas.microsoft.com/office/powerpoint/2010/main" xmlns="">
+      <p14:sectionLst xmlns="" xmlns:p14="http://schemas.microsoft.com/office/powerpoint/2010/main">
         <p14:section name="Default Section" id="{992832F5-EA01-48E5-B403-87E193F50680}">
           <p14:sldIdLst>
             <p14:sldId id="259"/>
@@ -1453,28 +1455,18 @@
                 <a:satOff val="0"/>
                 <a:lumOff val="0"/>
                 <a:alphaOff val="0"/>
-                <a:tint val="70000"/>
-                <a:satMod val="130000"/>
+                <a:tint val="1000"/>
+                <a:satMod val="255000"/>
               </a:schemeClr>
             </a:gs>
-            <a:gs pos="43000">
+            <a:gs pos="55000">
               <a:schemeClr val="dk2">
                 <a:hueOff val="0"/>
                 <a:satOff val="0"/>
                 <a:lumOff val="0"/>
                 <a:alphaOff val="0"/>
-                <a:tint val="44000"/>
-                <a:satMod val="165000"/>
-              </a:schemeClr>
-            </a:gs>
-            <a:gs pos="93000">
-              <a:schemeClr val="dk2">
-                <a:hueOff val="0"/>
-                <a:satOff val="0"/>
-                <a:lumOff val="0"/>
-                <a:alphaOff val="0"/>
-                <a:tint val="15000"/>
-                <a:satMod val="165000"/>
+                <a:tint val="12000"/>
+                <a:satMod val="255000"/>
               </a:schemeClr>
             </a:gs>
             <a:gs pos="100000">
@@ -1483,29 +1475,23 @@
                 <a:satOff val="0"/>
                 <a:lumOff val="0"/>
                 <a:alphaOff val="0"/>
-                <a:tint val="5000"/>
+                <a:tint val="45000"/>
                 <a:satMod val="250000"/>
               </a:schemeClr>
             </a:gs>
           </a:gsLst>
           <a:path path="circle">
-            <a:fillToRect l="50000" t="130000" r="50000" b="-30000"/>
+            <a:fillToRect l="-40000" t="-90000" r="140000" b="190000"/>
           </a:path>
         </a:gradFill>
         <a:ln>
           <a:noFill/>
         </a:ln>
         <a:effectLst>
-          <a:outerShdw blurRad="57150" dist="38100" dir="5400000" algn="ctr" rotWithShape="0">
-            <a:schemeClr val="dk2">
-              <a:hueOff val="0"/>
-              <a:satOff val="0"/>
-              <a:lumOff val="0"/>
-              <a:alphaOff val="0"/>
-              <a:shade val="9000"/>
-              <a:satMod val="105000"/>
-              <a:alpha val="48000"/>
-            </a:schemeClr>
+          <a:outerShdw blurRad="51500" dist="25400" dir="5400000" rotWithShape="0">
+            <a:srgbClr val="000000">
+              <a:alpha val="40000"/>
+            </a:srgbClr>
           </a:outerShdw>
         </a:effectLst>
         <a:scene3d>
@@ -1584,30 +1570,19 @@
                 <a:satOff val="0"/>
                 <a:lumOff val="0"/>
                 <a:alphaOff val="0"/>
-                <a:tint val="70000"/>
-                <a:satMod val="130000"/>
+                <a:tint val="1000"/>
+                <a:satMod val="255000"/>
               </a:schemeClr>
             </a:gs>
-            <a:gs pos="43000">
+            <a:gs pos="55000">
               <a:schemeClr val="dk2">
                 <a:tint val="60000"/>
                 <a:hueOff val="0"/>
                 <a:satOff val="0"/>
                 <a:lumOff val="0"/>
                 <a:alphaOff val="0"/>
-                <a:tint val="44000"/>
-                <a:satMod val="165000"/>
-              </a:schemeClr>
-            </a:gs>
-            <a:gs pos="93000">
-              <a:schemeClr val="dk2">
-                <a:tint val="60000"/>
-                <a:hueOff val="0"/>
-                <a:satOff val="0"/>
-                <a:lumOff val="0"/>
-                <a:alphaOff val="0"/>
-                <a:tint val="15000"/>
-                <a:satMod val="165000"/>
+                <a:tint val="12000"/>
+                <a:satMod val="255000"/>
               </a:schemeClr>
             </a:gs>
             <a:gs pos="100000">
@@ -1617,30 +1592,23 @@
                 <a:satOff val="0"/>
                 <a:lumOff val="0"/>
                 <a:alphaOff val="0"/>
-                <a:tint val="5000"/>
+                <a:tint val="45000"/>
                 <a:satMod val="250000"/>
               </a:schemeClr>
             </a:gs>
           </a:gsLst>
           <a:path path="circle">
-            <a:fillToRect l="50000" t="130000" r="50000" b="-30000"/>
+            <a:fillToRect l="-40000" t="-90000" r="140000" b="190000"/>
           </a:path>
         </a:gradFill>
         <a:ln>
           <a:noFill/>
         </a:ln>
         <a:effectLst>
-          <a:outerShdw blurRad="57150" dist="38100" dir="5400000" algn="ctr" rotWithShape="0">
-            <a:schemeClr val="dk2">
-              <a:tint val="60000"/>
-              <a:hueOff val="0"/>
-              <a:satOff val="0"/>
-              <a:lumOff val="0"/>
-              <a:alphaOff val="0"/>
-              <a:shade val="9000"/>
-              <a:satMod val="105000"/>
-              <a:alpha val="48000"/>
-            </a:schemeClr>
+          <a:outerShdw blurRad="51500" dist="25400" dir="5400000" rotWithShape="0">
+            <a:srgbClr val="000000">
+              <a:alpha val="40000"/>
+            </a:srgbClr>
           </a:outerShdw>
         </a:effectLst>
       </dsp:spPr>
@@ -1664,7 +1632,7 @@
         </a:bodyPr>
         <a:lstStyle/>
         <a:p>
-          <a:pPr lvl="0" algn="ctr" defTabSz="844550">
+          <a:pPr lvl="0" algn="ctr" defTabSz="889000">
             <a:lnSpc>
               <a:spcPct val="90000"/>
             </a:lnSpc>
@@ -1675,7 +1643,7 @@
               <a:spcPct val="35000"/>
             </a:spcAft>
           </a:pPr>
-          <a:endParaRPr lang="en-US" sz="1900" kern="1200"/>
+          <a:endParaRPr lang="en-US" sz="2000" kern="1200"/>
         </a:p>
       </dsp:txBody>
       <dsp:txXfrm rot="16179437">
@@ -1704,28 +1672,18 @@
                 <a:satOff val="0"/>
                 <a:lumOff val="0"/>
                 <a:alphaOff val="0"/>
-                <a:tint val="70000"/>
-                <a:satMod val="130000"/>
+                <a:tint val="1000"/>
+                <a:satMod val="255000"/>
               </a:schemeClr>
             </a:gs>
-            <a:gs pos="43000">
+            <a:gs pos="55000">
               <a:schemeClr val="dk2">
                 <a:hueOff val="0"/>
                 <a:satOff val="0"/>
                 <a:lumOff val="0"/>
                 <a:alphaOff val="0"/>
-                <a:tint val="44000"/>
-                <a:satMod val="165000"/>
-              </a:schemeClr>
-            </a:gs>
-            <a:gs pos="93000">
-              <a:schemeClr val="dk2">
-                <a:hueOff val="0"/>
-                <a:satOff val="0"/>
-                <a:lumOff val="0"/>
-                <a:alphaOff val="0"/>
-                <a:tint val="15000"/>
-                <a:satMod val="165000"/>
+                <a:tint val="12000"/>
+                <a:satMod val="255000"/>
               </a:schemeClr>
             </a:gs>
             <a:gs pos="100000">
@@ -1734,29 +1692,23 @@
                 <a:satOff val="0"/>
                 <a:lumOff val="0"/>
                 <a:alphaOff val="0"/>
-                <a:tint val="5000"/>
+                <a:tint val="45000"/>
                 <a:satMod val="250000"/>
               </a:schemeClr>
             </a:gs>
           </a:gsLst>
           <a:path path="circle">
-            <a:fillToRect l="50000" t="130000" r="50000" b="-30000"/>
+            <a:fillToRect l="-40000" t="-90000" r="140000" b="190000"/>
           </a:path>
         </a:gradFill>
         <a:ln>
           <a:noFill/>
         </a:ln>
         <a:effectLst>
-          <a:outerShdw blurRad="57150" dist="38100" dir="5400000" algn="ctr" rotWithShape="0">
-            <a:schemeClr val="dk2">
-              <a:hueOff val="0"/>
-              <a:satOff val="0"/>
-              <a:lumOff val="0"/>
-              <a:alphaOff val="0"/>
-              <a:shade val="9000"/>
-              <a:satMod val="105000"/>
-              <a:alpha val="48000"/>
-            </a:schemeClr>
+          <a:outerShdw blurRad="51500" dist="25400" dir="5400000" rotWithShape="0">
+            <a:srgbClr val="000000">
+              <a:alpha val="40000"/>
+            </a:srgbClr>
           </a:outerShdw>
         </a:effectLst>
         <a:scene3d>
@@ -1835,30 +1787,19 @@
                 <a:satOff val="0"/>
                 <a:lumOff val="0"/>
                 <a:alphaOff val="0"/>
-                <a:tint val="70000"/>
-                <a:satMod val="130000"/>
+                <a:tint val="1000"/>
+                <a:satMod val="255000"/>
               </a:schemeClr>
             </a:gs>
-            <a:gs pos="43000">
+            <a:gs pos="55000">
               <a:schemeClr val="dk2">
                 <a:tint val="60000"/>
                 <a:hueOff val="0"/>
                 <a:satOff val="0"/>
                 <a:lumOff val="0"/>
                 <a:alphaOff val="0"/>
-                <a:tint val="44000"/>
-                <a:satMod val="165000"/>
-              </a:schemeClr>
-            </a:gs>
-            <a:gs pos="93000">
-              <a:schemeClr val="dk2">
-                <a:tint val="60000"/>
-                <a:hueOff val="0"/>
-                <a:satOff val="0"/>
-                <a:lumOff val="0"/>
-                <a:alphaOff val="0"/>
-                <a:tint val="15000"/>
-                <a:satMod val="165000"/>
+                <a:tint val="12000"/>
+                <a:satMod val="255000"/>
               </a:schemeClr>
             </a:gs>
             <a:gs pos="100000">
@@ -1868,30 +1809,23 @@
                 <a:satOff val="0"/>
                 <a:lumOff val="0"/>
                 <a:alphaOff val="0"/>
-                <a:tint val="5000"/>
+                <a:tint val="45000"/>
                 <a:satMod val="250000"/>
               </a:schemeClr>
             </a:gs>
           </a:gsLst>
           <a:path path="circle">
-            <a:fillToRect l="50000" t="130000" r="50000" b="-30000"/>
+            <a:fillToRect l="-40000" t="-90000" r="140000" b="190000"/>
           </a:path>
         </a:gradFill>
         <a:ln>
           <a:noFill/>
         </a:ln>
         <a:effectLst>
-          <a:outerShdw blurRad="57150" dist="38100" dir="5400000" algn="ctr" rotWithShape="0">
-            <a:schemeClr val="dk2">
-              <a:tint val="60000"/>
-              <a:hueOff val="0"/>
-              <a:satOff val="0"/>
-              <a:lumOff val="0"/>
-              <a:alphaOff val="0"/>
-              <a:shade val="9000"/>
-              <a:satMod val="105000"/>
-              <a:alpha val="48000"/>
-            </a:schemeClr>
+          <a:outerShdw blurRad="51500" dist="25400" dir="5400000" rotWithShape="0">
+            <a:srgbClr val="000000">
+              <a:alpha val="40000"/>
+            </a:srgbClr>
           </a:outerShdw>
         </a:effectLst>
       </dsp:spPr>
@@ -1915,7 +1849,7 @@
         </a:bodyPr>
         <a:lstStyle/>
         <a:p>
-          <a:pPr lvl="0" algn="ctr" defTabSz="844550">
+          <a:pPr lvl="0" algn="ctr" defTabSz="889000">
             <a:lnSpc>
               <a:spcPct val="90000"/>
             </a:lnSpc>
@@ -1926,7 +1860,7 @@
               <a:spcPct val="35000"/>
             </a:spcAft>
           </a:pPr>
-          <a:endParaRPr lang="en-US" sz="1900" kern="1200"/>
+          <a:endParaRPr lang="en-US" sz="2000" kern="1200"/>
         </a:p>
       </dsp:txBody>
       <dsp:txXfrm rot="20508725">
@@ -1955,28 +1889,18 @@
                 <a:satOff val="0"/>
                 <a:lumOff val="0"/>
                 <a:alphaOff val="0"/>
-                <a:tint val="70000"/>
-                <a:satMod val="130000"/>
+                <a:tint val="1000"/>
+                <a:satMod val="255000"/>
               </a:schemeClr>
             </a:gs>
-            <a:gs pos="43000">
+            <a:gs pos="55000">
               <a:schemeClr val="dk2">
                 <a:hueOff val="0"/>
                 <a:satOff val="0"/>
                 <a:lumOff val="0"/>
                 <a:alphaOff val="0"/>
-                <a:tint val="44000"/>
-                <a:satMod val="165000"/>
-              </a:schemeClr>
-            </a:gs>
-            <a:gs pos="93000">
-              <a:schemeClr val="dk2">
-                <a:hueOff val="0"/>
-                <a:satOff val="0"/>
-                <a:lumOff val="0"/>
-                <a:alphaOff val="0"/>
-                <a:tint val="15000"/>
-                <a:satMod val="165000"/>
+                <a:tint val="12000"/>
+                <a:satMod val="255000"/>
               </a:schemeClr>
             </a:gs>
             <a:gs pos="100000">
@@ -1985,29 +1909,23 @@
                 <a:satOff val="0"/>
                 <a:lumOff val="0"/>
                 <a:alphaOff val="0"/>
-                <a:tint val="5000"/>
+                <a:tint val="45000"/>
                 <a:satMod val="250000"/>
               </a:schemeClr>
             </a:gs>
           </a:gsLst>
           <a:path path="circle">
-            <a:fillToRect l="50000" t="130000" r="50000" b="-30000"/>
+            <a:fillToRect l="-40000" t="-90000" r="140000" b="190000"/>
           </a:path>
         </a:gradFill>
         <a:ln>
           <a:noFill/>
         </a:ln>
         <a:effectLst>
-          <a:outerShdw blurRad="57150" dist="38100" dir="5400000" algn="ctr" rotWithShape="0">
-            <a:schemeClr val="dk2">
-              <a:hueOff val="0"/>
-              <a:satOff val="0"/>
-              <a:lumOff val="0"/>
-              <a:alphaOff val="0"/>
-              <a:shade val="9000"/>
-              <a:satMod val="105000"/>
-              <a:alpha val="48000"/>
-            </a:schemeClr>
+          <a:outerShdw blurRad="51500" dist="25400" dir="5400000" rotWithShape="0">
+            <a:srgbClr val="000000">
+              <a:alpha val="40000"/>
+            </a:srgbClr>
           </a:outerShdw>
         </a:effectLst>
         <a:scene3d>
@@ -2090,30 +2008,19 @@
                 <a:satOff val="0"/>
                 <a:lumOff val="0"/>
                 <a:alphaOff val="0"/>
-                <a:tint val="70000"/>
-                <a:satMod val="130000"/>
+                <a:tint val="1000"/>
+                <a:satMod val="255000"/>
               </a:schemeClr>
             </a:gs>
-            <a:gs pos="43000">
+            <a:gs pos="55000">
               <a:schemeClr val="dk2">
                 <a:tint val="60000"/>
                 <a:hueOff val="0"/>
                 <a:satOff val="0"/>
                 <a:lumOff val="0"/>
                 <a:alphaOff val="0"/>
-                <a:tint val="44000"/>
-                <a:satMod val="165000"/>
-              </a:schemeClr>
-            </a:gs>
-            <a:gs pos="93000">
-              <a:schemeClr val="dk2">
-                <a:tint val="60000"/>
-                <a:hueOff val="0"/>
-                <a:satOff val="0"/>
-                <a:lumOff val="0"/>
-                <a:alphaOff val="0"/>
-                <a:tint val="15000"/>
-                <a:satMod val="165000"/>
+                <a:tint val="12000"/>
+                <a:satMod val="255000"/>
               </a:schemeClr>
             </a:gs>
             <a:gs pos="100000">
@@ -2123,30 +2030,23 @@
                 <a:satOff val="0"/>
                 <a:lumOff val="0"/>
                 <a:alphaOff val="0"/>
-                <a:tint val="5000"/>
+                <a:tint val="45000"/>
                 <a:satMod val="250000"/>
               </a:schemeClr>
             </a:gs>
           </a:gsLst>
           <a:path path="circle">
-            <a:fillToRect l="50000" t="130000" r="50000" b="-30000"/>
+            <a:fillToRect l="-40000" t="-90000" r="140000" b="190000"/>
           </a:path>
         </a:gradFill>
         <a:ln>
           <a:noFill/>
         </a:ln>
         <a:effectLst>
-          <a:outerShdw blurRad="57150" dist="38100" dir="5400000" algn="ctr" rotWithShape="0">
-            <a:schemeClr val="dk2">
-              <a:tint val="60000"/>
-              <a:hueOff val="0"/>
-              <a:satOff val="0"/>
-              <a:lumOff val="0"/>
-              <a:alphaOff val="0"/>
-              <a:shade val="9000"/>
-              <a:satMod val="105000"/>
-              <a:alpha val="48000"/>
-            </a:schemeClr>
+          <a:outerShdw blurRad="51500" dist="25400" dir="5400000" rotWithShape="0">
+            <a:srgbClr val="000000">
+              <a:alpha val="40000"/>
+            </a:srgbClr>
           </a:outerShdw>
         </a:effectLst>
       </dsp:spPr>
@@ -2170,7 +2070,7 @@
         </a:bodyPr>
         <a:lstStyle/>
         <a:p>
-          <a:pPr lvl="0" algn="ctr" defTabSz="844550">
+          <a:pPr lvl="0" algn="ctr" defTabSz="889000">
             <a:lnSpc>
               <a:spcPct val="90000"/>
             </a:lnSpc>
@@ -2181,7 +2081,7 @@
               <a:spcPct val="35000"/>
             </a:spcAft>
           </a:pPr>
-          <a:endParaRPr lang="en-US" sz="1900" kern="1200"/>
+          <a:endParaRPr lang="en-US" sz="2000" kern="1200"/>
         </a:p>
       </dsp:txBody>
       <dsp:txXfrm rot="3240000">
@@ -2210,28 +2110,18 @@
                 <a:satOff val="0"/>
                 <a:lumOff val="0"/>
                 <a:alphaOff val="0"/>
-                <a:tint val="70000"/>
-                <a:satMod val="130000"/>
+                <a:tint val="1000"/>
+                <a:satMod val="255000"/>
               </a:schemeClr>
             </a:gs>
-            <a:gs pos="43000">
+            <a:gs pos="55000">
               <a:schemeClr val="dk2">
                 <a:hueOff val="0"/>
                 <a:satOff val="0"/>
                 <a:lumOff val="0"/>
                 <a:alphaOff val="0"/>
-                <a:tint val="44000"/>
-                <a:satMod val="165000"/>
-              </a:schemeClr>
-            </a:gs>
-            <a:gs pos="93000">
-              <a:schemeClr val="dk2">
-                <a:hueOff val="0"/>
-                <a:satOff val="0"/>
-                <a:lumOff val="0"/>
-                <a:alphaOff val="0"/>
-                <a:tint val="15000"/>
-                <a:satMod val="165000"/>
+                <a:tint val="12000"/>
+                <a:satMod val="255000"/>
               </a:schemeClr>
             </a:gs>
             <a:gs pos="100000">
@@ -2240,29 +2130,23 @@
                 <a:satOff val="0"/>
                 <a:lumOff val="0"/>
                 <a:alphaOff val="0"/>
-                <a:tint val="5000"/>
+                <a:tint val="45000"/>
                 <a:satMod val="250000"/>
               </a:schemeClr>
             </a:gs>
           </a:gsLst>
           <a:path path="circle">
-            <a:fillToRect l="50000" t="130000" r="50000" b="-30000"/>
+            <a:fillToRect l="-40000" t="-90000" r="140000" b="190000"/>
           </a:path>
         </a:gradFill>
         <a:ln>
           <a:noFill/>
         </a:ln>
         <a:effectLst>
-          <a:outerShdw blurRad="57150" dist="38100" dir="5400000" algn="ctr" rotWithShape="0">
-            <a:schemeClr val="dk2">
-              <a:hueOff val="0"/>
-              <a:satOff val="0"/>
-              <a:lumOff val="0"/>
-              <a:alphaOff val="0"/>
-              <a:shade val="9000"/>
-              <a:satMod val="105000"/>
-              <a:alpha val="48000"/>
-            </a:schemeClr>
+          <a:outerShdw blurRad="51500" dist="25400" dir="5400000" rotWithShape="0">
+            <a:srgbClr val="000000">
+              <a:alpha val="40000"/>
+            </a:srgbClr>
           </a:outerShdw>
         </a:effectLst>
         <a:scene3d>
@@ -2341,30 +2225,19 @@
                 <a:satOff val="0"/>
                 <a:lumOff val="0"/>
                 <a:alphaOff val="0"/>
-                <a:tint val="70000"/>
-                <a:satMod val="130000"/>
+                <a:tint val="1000"/>
+                <a:satMod val="255000"/>
               </a:schemeClr>
             </a:gs>
-            <a:gs pos="43000">
+            <a:gs pos="55000">
               <a:schemeClr val="dk2">
                 <a:tint val="60000"/>
                 <a:hueOff val="0"/>
                 <a:satOff val="0"/>
                 <a:lumOff val="0"/>
                 <a:alphaOff val="0"/>
-                <a:tint val="44000"/>
-                <a:satMod val="165000"/>
-              </a:schemeClr>
-            </a:gs>
-            <a:gs pos="93000">
-              <a:schemeClr val="dk2">
-                <a:tint val="60000"/>
-                <a:hueOff val="0"/>
-                <a:satOff val="0"/>
-                <a:lumOff val="0"/>
-                <a:alphaOff val="0"/>
-                <a:tint val="15000"/>
-                <a:satMod val="165000"/>
+                <a:tint val="12000"/>
+                <a:satMod val="255000"/>
               </a:schemeClr>
             </a:gs>
             <a:gs pos="100000">
@@ -2374,30 +2247,23 @@
                 <a:satOff val="0"/>
                 <a:lumOff val="0"/>
                 <a:alphaOff val="0"/>
-                <a:tint val="5000"/>
+                <a:tint val="45000"/>
                 <a:satMod val="250000"/>
               </a:schemeClr>
             </a:gs>
           </a:gsLst>
           <a:path path="circle">
-            <a:fillToRect l="50000" t="130000" r="50000" b="-30000"/>
+            <a:fillToRect l="-40000" t="-90000" r="140000" b="190000"/>
           </a:path>
         </a:gradFill>
         <a:ln>
           <a:noFill/>
         </a:ln>
         <a:effectLst>
-          <a:outerShdw blurRad="57150" dist="38100" dir="5400000" algn="ctr" rotWithShape="0">
-            <a:schemeClr val="dk2">
-              <a:tint val="60000"/>
-              <a:hueOff val="0"/>
-              <a:satOff val="0"/>
-              <a:lumOff val="0"/>
-              <a:alphaOff val="0"/>
-              <a:shade val="9000"/>
-              <a:satMod val="105000"/>
-              <a:alpha val="48000"/>
-            </a:schemeClr>
+          <a:outerShdw blurRad="51500" dist="25400" dir="5400000" rotWithShape="0">
+            <a:srgbClr val="000000">
+              <a:alpha val="40000"/>
+            </a:srgbClr>
           </a:outerShdw>
         </a:effectLst>
       </dsp:spPr>
@@ -2421,7 +2287,7 @@
         </a:bodyPr>
         <a:lstStyle/>
         <a:p>
-          <a:pPr lvl="0" algn="ctr" defTabSz="844550">
+          <a:pPr lvl="0" algn="ctr" defTabSz="889000">
             <a:lnSpc>
               <a:spcPct val="90000"/>
             </a:lnSpc>
@@ -2432,7 +2298,7 @@
               <a:spcPct val="35000"/>
             </a:spcAft>
           </a:pPr>
-          <a:endParaRPr lang="en-US" sz="1900" kern="1200"/>
+          <a:endParaRPr lang="en-US" sz="2000" kern="1200"/>
         </a:p>
       </dsp:txBody>
       <dsp:txXfrm rot="7560000">
@@ -2461,28 +2327,18 @@
                 <a:satOff val="0"/>
                 <a:lumOff val="0"/>
                 <a:alphaOff val="0"/>
-                <a:tint val="70000"/>
-                <a:satMod val="130000"/>
+                <a:tint val="1000"/>
+                <a:satMod val="255000"/>
               </a:schemeClr>
             </a:gs>
-            <a:gs pos="43000">
+            <a:gs pos="55000">
               <a:schemeClr val="dk2">
                 <a:hueOff val="0"/>
                 <a:satOff val="0"/>
                 <a:lumOff val="0"/>
                 <a:alphaOff val="0"/>
-                <a:tint val="44000"/>
-                <a:satMod val="165000"/>
-              </a:schemeClr>
-            </a:gs>
-            <a:gs pos="93000">
-              <a:schemeClr val="dk2">
-                <a:hueOff val="0"/>
-                <a:satOff val="0"/>
-                <a:lumOff val="0"/>
-                <a:alphaOff val="0"/>
-                <a:tint val="15000"/>
-                <a:satMod val="165000"/>
+                <a:tint val="12000"/>
+                <a:satMod val="255000"/>
               </a:schemeClr>
             </a:gs>
             <a:gs pos="100000">
@@ -2491,29 +2347,23 @@
                 <a:satOff val="0"/>
                 <a:lumOff val="0"/>
                 <a:alphaOff val="0"/>
-                <a:tint val="5000"/>
+                <a:tint val="45000"/>
                 <a:satMod val="250000"/>
               </a:schemeClr>
             </a:gs>
           </a:gsLst>
           <a:path path="circle">
-            <a:fillToRect l="50000" t="130000" r="50000" b="-30000"/>
+            <a:fillToRect l="-40000" t="-90000" r="140000" b="190000"/>
           </a:path>
         </a:gradFill>
         <a:ln>
           <a:noFill/>
         </a:ln>
         <a:effectLst>
-          <a:outerShdw blurRad="57150" dist="38100" dir="5400000" algn="ctr" rotWithShape="0">
-            <a:schemeClr val="dk2">
-              <a:hueOff val="0"/>
-              <a:satOff val="0"/>
-              <a:lumOff val="0"/>
-              <a:alphaOff val="0"/>
-              <a:shade val="9000"/>
-              <a:satMod val="105000"/>
-              <a:alpha val="48000"/>
-            </a:schemeClr>
+          <a:outerShdw blurRad="51500" dist="25400" dir="5400000" rotWithShape="0">
+            <a:srgbClr val="000000">
+              <a:alpha val="40000"/>
+            </a:srgbClr>
           </a:outerShdw>
         </a:effectLst>
         <a:scene3d>
@@ -2592,30 +2442,19 @@
                 <a:satOff val="0"/>
                 <a:lumOff val="0"/>
                 <a:alphaOff val="0"/>
-                <a:tint val="70000"/>
-                <a:satMod val="130000"/>
+                <a:tint val="1000"/>
+                <a:satMod val="255000"/>
               </a:schemeClr>
             </a:gs>
-            <a:gs pos="43000">
+            <a:gs pos="55000">
               <a:schemeClr val="dk2">
                 <a:tint val="60000"/>
                 <a:hueOff val="0"/>
                 <a:satOff val="0"/>
                 <a:lumOff val="0"/>
                 <a:alphaOff val="0"/>
-                <a:tint val="44000"/>
-                <a:satMod val="165000"/>
-              </a:schemeClr>
-            </a:gs>
-            <a:gs pos="93000">
-              <a:schemeClr val="dk2">
-                <a:tint val="60000"/>
-                <a:hueOff val="0"/>
-                <a:satOff val="0"/>
-                <a:lumOff val="0"/>
-                <a:alphaOff val="0"/>
-                <a:tint val="15000"/>
-                <a:satMod val="165000"/>
+                <a:tint val="12000"/>
+                <a:satMod val="255000"/>
               </a:schemeClr>
             </a:gs>
             <a:gs pos="100000">
@@ -2625,30 +2464,23 @@
                 <a:satOff val="0"/>
                 <a:lumOff val="0"/>
                 <a:alphaOff val="0"/>
-                <a:tint val="5000"/>
+                <a:tint val="45000"/>
                 <a:satMod val="250000"/>
               </a:schemeClr>
             </a:gs>
           </a:gsLst>
           <a:path path="circle">
-            <a:fillToRect l="50000" t="130000" r="50000" b="-30000"/>
+            <a:fillToRect l="-40000" t="-90000" r="140000" b="190000"/>
           </a:path>
         </a:gradFill>
         <a:ln>
           <a:noFill/>
         </a:ln>
         <a:effectLst>
-          <a:outerShdw blurRad="57150" dist="38100" dir="5400000" algn="ctr" rotWithShape="0">
-            <a:schemeClr val="dk2">
-              <a:tint val="60000"/>
-              <a:hueOff val="0"/>
-              <a:satOff val="0"/>
-              <a:lumOff val="0"/>
-              <a:alphaOff val="0"/>
-              <a:shade val="9000"/>
-              <a:satMod val="105000"/>
-              <a:alpha val="48000"/>
-            </a:schemeClr>
+          <a:outerShdw blurRad="51500" dist="25400" dir="5400000" rotWithShape="0">
+            <a:srgbClr val="000000">
+              <a:alpha val="40000"/>
+            </a:srgbClr>
           </a:outerShdw>
         </a:effectLst>
       </dsp:spPr>
@@ -2672,7 +2504,7 @@
         </a:bodyPr>
         <a:lstStyle/>
         <a:p>
-          <a:pPr lvl="0" algn="ctr" defTabSz="844550">
+          <a:pPr lvl="0" algn="ctr" defTabSz="889000">
             <a:lnSpc>
               <a:spcPct val="90000"/>
             </a:lnSpc>
@@ -2683,7 +2515,7 @@
               <a:spcPct val="35000"/>
             </a:spcAft>
           </a:pPr>
-          <a:endParaRPr lang="en-US" sz="1900" kern="1200"/>
+          <a:endParaRPr lang="en-US" sz="2000" kern="1200"/>
         </a:p>
       </dsp:txBody>
       <dsp:txXfrm rot="11880000">
@@ -2712,28 +2544,18 @@
                 <a:satOff val="0"/>
                 <a:lumOff val="0"/>
                 <a:alphaOff val="0"/>
-                <a:tint val="70000"/>
-                <a:satMod val="130000"/>
+                <a:tint val="1000"/>
+                <a:satMod val="255000"/>
               </a:schemeClr>
             </a:gs>
-            <a:gs pos="43000">
+            <a:gs pos="55000">
               <a:schemeClr val="dk2">
                 <a:hueOff val="0"/>
                 <a:satOff val="0"/>
                 <a:lumOff val="0"/>
                 <a:alphaOff val="0"/>
-                <a:tint val="44000"/>
-                <a:satMod val="165000"/>
-              </a:schemeClr>
-            </a:gs>
-            <a:gs pos="93000">
-              <a:schemeClr val="dk2">
-                <a:hueOff val="0"/>
-                <a:satOff val="0"/>
-                <a:lumOff val="0"/>
-                <a:alphaOff val="0"/>
-                <a:tint val="15000"/>
-                <a:satMod val="165000"/>
+                <a:tint val="12000"/>
+                <a:satMod val="255000"/>
               </a:schemeClr>
             </a:gs>
             <a:gs pos="100000">
@@ -2742,29 +2564,23 @@
                 <a:satOff val="0"/>
                 <a:lumOff val="0"/>
                 <a:alphaOff val="0"/>
-                <a:tint val="5000"/>
+                <a:tint val="45000"/>
                 <a:satMod val="250000"/>
               </a:schemeClr>
             </a:gs>
           </a:gsLst>
           <a:path path="circle">
-            <a:fillToRect l="50000" t="130000" r="50000" b="-30000"/>
+            <a:fillToRect l="-40000" t="-90000" r="140000" b="190000"/>
           </a:path>
         </a:gradFill>
         <a:ln>
           <a:noFill/>
         </a:ln>
         <a:effectLst>
-          <a:outerShdw blurRad="57150" dist="38100" dir="5400000" algn="ctr" rotWithShape="0">
-            <a:schemeClr val="dk2">
-              <a:hueOff val="0"/>
-              <a:satOff val="0"/>
-              <a:lumOff val="0"/>
-              <a:alphaOff val="0"/>
-              <a:shade val="9000"/>
-              <a:satMod val="105000"/>
-              <a:alpha val="48000"/>
-            </a:schemeClr>
+          <a:outerShdw blurRad="51500" dist="25400" dir="5400000" rotWithShape="0">
+            <a:srgbClr val="000000">
+              <a:alpha val="40000"/>
+            </a:srgbClr>
           </a:outerShdw>
         </a:effectLst>
         <a:scene3d>
@@ -4390,7 +4206,7 @@
     </p:spTree>
     <p:extLst>
       <p:ext uri="{BB962C8B-B14F-4D97-AF65-F5344CB8AC3E}">
-        <p14:creationId xmlns:p14="http://schemas.microsoft.com/office/powerpoint/2010/main" xmlns="" val="650118158"/>
+        <p14:creationId xmlns="" xmlns:p14="http://schemas.microsoft.com/office/powerpoint/2010/main" val="650118158"/>
       </p:ext>
     </p:extLst>
   </p:cSld>
@@ -5069,13 +4885,8 @@
 </file>
 
 <file path=ppt/slideLayouts/slideLayout1.xml><?xml version="1.0" encoding="utf-8"?>
-<p:sldLayout xmlns:a="http://schemas.openxmlformats.org/drawingml/2006/main" xmlns:r="http://schemas.openxmlformats.org/officeDocument/2006/relationships" xmlns:p="http://schemas.openxmlformats.org/presentationml/2006/main" type="title" preserve="1">
+<p:sldLayout xmlns:a="http://schemas.openxmlformats.org/drawingml/2006/main" xmlns:r="http://schemas.openxmlformats.org/officeDocument/2006/relationships" xmlns:p="http://schemas.openxmlformats.org/presentationml/2006/main" showMasterSp="0" type="title" preserve="1">
   <p:cSld name="Title Slide">
-    <p:bg>
-      <p:bgRef idx="1002">
-        <a:schemeClr val="bg2"/>
-      </p:bgRef>
-    </p:bg>
     <p:spTree>
       <p:nvGrpSpPr>
         <p:cNvPr id="1" name=""/>
@@ -5092,7 +4903,529 @@
       </p:grpSpPr>
       <p:sp>
         <p:nvSpPr>
-          <p:cNvPr id="9" name="Title 8"/>
+          <p:cNvPr id="23" name="Rectangle 22"/>
+          <p:cNvSpPr/>
+          <p:nvPr/>
+        </p:nvSpPr>
+        <p:spPr>
+          <a:xfrm flipV="1">
+            <a:off x="5410182" y="3810000"/>
+            <a:ext cx="3733819" cy="91087"/>
+          </a:xfrm>
+          <a:prstGeom prst="rect">
+            <a:avLst/>
+          </a:prstGeom>
+          <a:solidFill>
+            <a:schemeClr val="accent2">
+              <a:alpha val="100000"/>
+            </a:schemeClr>
+          </a:solidFill>
+          <a:ln w="50800" cap="rnd" cmpd="thickThin" algn="ctr">
+            <a:noFill/>
+            <a:prstDash val="solid"/>
+          </a:ln>
+          <a:effectLst/>
+        </p:spPr>
+        <p:style>
+          <a:lnRef idx="3">
+            <a:schemeClr val="lt1"/>
+          </a:lnRef>
+          <a:fillRef idx="1">
+            <a:schemeClr val="accent1"/>
+          </a:fillRef>
+          <a:effectRef idx="1">
+            <a:schemeClr val="accent1"/>
+          </a:effectRef>
+          <a:fontRef idx="minor">
+            <a:schemeClr val="lt1"/>
+          </a:fontRef>
+        </p:style>
+        <p:txBody>
+          <a:bodyPr anchor="ctr"/>
+          <a:lstStyle/>
+          <a:p>
+            <a:pPr algn="ctr" eaLnBrk="1" latinLnBrk="0" hangingPunct="1"/>
+            <a:endParaRPr kumimoji="0" lang="en-US"/>
+          </a:p>
+        </p:txBody>
+      </p:sp>
+      <p:sp>
+        <p:nvSpPr>
+          <p:cNvPr id="24" name="Rectangle 23"/>
+          <p:cNvSpPr/>
+          <p:nvPr/>
+        </p:nvSpPr>
+        <p:spPr>
+          <a:xfrm flipV="1">
+            <a:off x="5410200" y="3897010"/>
+            <a:ext cx="3733801" cy="192024"/>
+          </a:xfrm>
+          <a:prstGeom prst="rect">
+            <a:avLst/>
+          </a:prstGeom>
+          <a:solidFill>
+            <a:schemeClr val="accent2">
+              <a:alpha val="50000"/>
+            </a:schemeClr>
+          </a:solidFill>
+          <a:ln w="50800" cap="rnd" cmpd="thickThin" algn="ctr">
+            <a:noFill/>
+            <a:prstDash val="solid"/>
+          </a:ln>
+          <a:effectLst/>
+        </p:spPr>
+        <p:style>
+          <a:lnRef idx="3">
+            <a:schemeClr val="lt1"/>
+          </a:lnRef>
+          <a:fillRef idx="1">
+            <a:schemeClr val="accent1"/>
+          </a:fillRef>
+          <a:effectRef idx="1">
+            <a:schemeClr val="accent1"/>
+          </a:effectRef>
+          <a:fontRef idx="minor">
+            <a:schemeClr val="lt1"/>
+          </a:fontRef>
+        </p:style>
+        <p:txBody>
+          <a:bodyPr anchor="ctr"/>
+          <a:lstStyle/>
+          <a:p>
+            <a:pPr algn="ctr" eaLnBrk="1" latinLnBrk="0" hangingPunct="1"/>
+            <a:endParaRPr kumimoji="0" lang="en-US"/>
+          </a:p>
+        </p:txBody>
+      </p:sp>
+      <p:sp>
+        <p:nvSpPr>
+          <p:cNvPr id="25" name="Rectangle 24"/>
+          <p:cNvSpPr/>
+          <p:nvPr/>
+        </p:nvSpPr>
+        <p:spPr>
+          <a:xfrm flipV="1">
+            <a:off x="5410200" y="4115167"/>
+            <a:ext cx="3733801" cy="9144"/>
+          </a:xfrm>
+          <a:prstGeom prst="rect">
+            <a:avLst/>
+          </a:prstGeom>
+          <a:solidFill>
+            <a:schemeClr val="accent2">
+              <a:alpha val="65000"/>
+            </a:schemeClr>
+          </a:solidFill>
+          <a:ln w="50800" cap="rnd" cmpd="thickThin" algn="ctr">
+            <a:noFill/>
+            <a:prstDash val="solid"/>
+          </a:ln>
+          <a:effectLst/>
+        </p:spPr>
+        <p:style>
+          <a:lnRef idx="3">
+            <a:schemeClr val="lt1"/>
+          </a:lnRef>
+          <a:fillRef idx="1">
+            <a:schemeClr val="accent1"/>
+          </a:fillRef>
+          <a:effectRef idx="1">
+            <a:schemeClr val="accent1"/>
+          </a:effectRef>
+          <a:fontRef idx="minor">
+            <a:schemeClr val="lt1"/>
+          </a:fontRef>
+        </p:style>
+        <p:txBody>
+          <a:bodyPr anchor="ctr"/>
+          <a:lstStyle/>
+          <a:p>
+            <a:pPr algn="ctr" eaLnBrk="1" latinLnBrk="0" hangingPunct="1"/>
+            <a:endParaRPr kumimoji="0" lang="en-US"/>
+          </a:p>
+        </p:txBody>
+      </p:sp>
+      <p:sp>
+        <p:nvSpPr>
+          <p:cNvPr id="26" name="Rectangle 25"/>
+          <p:cNvSpPr/>
+          <p:nvPr/>
+        </p:nvSpPr>
+        <p:spPr>
+          <a:xfrm flipV="1">
+            <a:off x="5410200" y="4164403"/>
+            <a:ext cx="1965960" cy="18288"/>
+          </a:xfrm>
+          <a:prstGeom prst="rect">
+            <a:avLst/>
+          </a:prstGeom>
+          <a:solidFill>
+            <a:schemeClr val="accent2">
+              <a:alpha val="60000"/>
+            </a:schemeClr>
+          </a:solidFill>
+          <a:ln w="50800" cap="rnd" cmpd="thickThin" algn="ctr">
+            <a:noFill/>
+            <a:prstDash val="solid"/>
+          </a:ln>
+          <a:effectLst/>
+        </p:spPr>
+        <p:style>
+          <a:lnRef idx="3">
+            <a:schemeClr val="lt1"/>
+          </a:lnRef>
+          <a:fillRef idx="1">
+            <a:schemeClr val="accent1"/>
+          </a:fillRef>
+          <a:effectRef idx="1">
+            <a:schemeClr val="accent1"/>
+          </a:effectRef>
+          <a:fontRef idx="minor">
+            <a:schemeClr val="lt1"/>
+          </a:fontRef>
+        </p:style>
+        <p:txBody>
+          <a:bodyPr anchor="ctr"/>
+          <a:lstStyle/>
+          <a:p>
+            <a:pPr algn="ctr" eaLnBrk="1" latinLnBrk="0" hangingPunct="1"/>
+            <a:endParaRPr kumimoji="0" lang="en-US"/>
+          </a:p>
+        </p:txBody>
+      </p:sp>
+      <p:sp>
+        <p:nvSpPr>
+          <p:cNvPr id="27" name="Rectangle 26"/>
+          <p:cNvSpPr/>
+          <p:nvPr/>
+        </p:nvSpPr>
+        <p:spPr>
+          <a:xfrm flipV="1">
+            <a:off x="5410200" y="4199572"/>
+            <a:ext cx="1965960" cy="9144"/>
+          </a:xfrm>
+          <a:prstGeom prst="rect">
+            <a:avLst/>
+          </a:prstGeom>
+          <a:solidFill>
+            <a:schemeClr val="accent2">
+              <a:alpha val="65000"/>
+            </a:schemeClr>
+          </a:solidFill>
+          <a:ln w="50800" cap="rnd" cmpd="thickThin" algn="ctr">
+            <a:noFill/>
+            <a:prstDash val="solid"/>
+          </a:ln>
+          <a:effectLst/>
+        </p:spPr>
+        <p:style>
+          <a:lnRef idx="3">
+            <a:schemeClr val="lt1"/>
+          </a:lnRef>
+          <a:fillRef idx="1">
+            <a:schemeClr val="accent1"/>
+          </a:fillRef>
+          <a:effectRef idx="1">
+            <a:schemeClr val="accent1"/>
+          </a:effectRef>
+          <a:fontRef idx="minor">
+            <a:schemeClr val="lt1"/>
+          </a:fontRef>
+        </p:style>
+        <p:txBody>
+          <a:bodyPr anchor="ctr"/>
+          <a:lstStyle/>
+          <a:p>
+            <a:pPr algn="ctr" eaLnBrk="1" latinLnBrk="0" hangingPunct="1"/>
+            <a:endParaRPr kumimoji="0" lang="en-US"/>
+          </a:p>
+        </p:txBody>
+      </p:sp>
+      <p:sp useBgFill="1">
+        <p:nvSpPr>
+          <p:cNvPr id="30" name="Rounded Rectangle 29"/>
+          <p:cNvSpPr/>
+          <p:nvPr/>
+        </p:nvSpPr>
+        <p:spPr bwMode="white">
+          <a:xfrm>
+            <a:off x="5410200" y="3962400"/>
+            <a:ext cx="3063240" cy="27432"/>
+          </a:xfrm>
+          <a:prstGeom prst="roundRect">
+            <a:avLst>
+              <a:gd name="adj" fmla="val 16667"/>
+            </a:avLst>
+          </a:prstGeom>
+          <a:ln w="50800" cap="rnd" cmpd="thickThin" algn="ctr">
+            <a:noFill/>
+            <a:prstDash val="solid"/>
+          </a:ln>
+          <a:effectLst/>
+        </p:spPr>
+        <p:style>
+          <a:lnRef idx="3">
+            <a:schemeClr val="lt1"/>
+          </a:lnRef>
+          <a:fillRef idx="1">
+            <a:schemeClr val="accent1"/>
+          </a:fillRef>
+          <a:effectRef idx="1">
+            <a:schemeClr val="accent1"/>
+          </a:effectRef>
+          <a:fontRef idx="minor">
+            <a:schemeClr val="lt1"/>
+          </a:fontRef>
+        </p:style>
+        <p:txBody>
+          <a:bodyPr anchor="ctr"/>
+          <a:lstStyle/>
+          <a:p>
+            <a:pPr algn="ctr" eaLnBrk="1" latinLnBrk="0" hangingPunct="1"/>
+            <a:endParaRPr kumimoji="0" lang="en-US"/>
+          </a:p>
+        </p:txBody>
+      </p:sp>
+      <p:sp useBgFill="1">
+        <p:nvSpPr>
+          <p:cNvPr id="31" name="Rounded Rectangle 30"/>
+          <p:cNvSpPr/>
+          <p:nvPr/>
+        </p:nvSpPr>
+        <p:spPr bwMode="white">
+          <a:xfrm>
+            <a:off x="7376507" y="4060983"/>
+            <a:ext cx="1600200" cy="36576"/>
+          </a:xfrm>
+          <a:prstGeom prst="roundRect">
+            <a:avLst>
+              <a:gd name="adj" fmla="val 16667"/>
+            </a:avLst>
+          </a:prstGeom>
+          <a:ln w="50800" cap="rnd" cmpd="thickThin" algn="ctr">
+            <a:noFill/>
+            <a:prstDash val="solid"/>
+          </a:ln>
+          <a:effectLst/>
+        </p:spPr>
+        <p:style>
+          <a:lnRef idx="3">
+            <a:schemeClr val="lt1"/>
+          </a:lnRef>
+          <a:fillRef idx="1">
+            <a:schemeClr val="accent1"/>
+          </a:fillRef>
+          <a:effectRef idx="1">
+            <a:schemeClr val="accent1"/>
+          </a:effectRef>
+          <a:fontRef idx="minor">
+            <a:schemeClr val="lt1"/>
+          </a:fontRef>
+        </p:style>
+        <p:txBody>
+          <a:bodyPr anchor="ctr"/>
+          <a:lstStyle/>
+          <a:p>
+            <a:pPr algn="ctr" eaLnBrk="1" latinLnBrk="0" hangingPunct="1"/>
+            <a:endParaRPr kumimoji="0" lang="en-US"/>
+          </a:p>
+        </p:txBody>
+      </p:sp>
+      <p:sp>
+        <p:nvSpPr>
+          <p:cNvPr id="7" name="Rectangle 6"/>
+          <p:cNvSpPr/>
+          <p:nvPr/>
+        </p:nvSpPr>
+        <p:spPr>
+          <a:xfrm>
+            <a:off x="1" y="3649662"/>
+            <a:ext cx="9144000" cy="244170"/>
+          </a:xfrm>
+          <a:prstGeom prst="rect">
+            <a:avLst/>
+          </a:prstGeom>
+          <a:solidFill>
+            <a:schemeClr val="accent2">
+              <a:alpha val="50000"/>
+            </a:schemeClr>
+          </a:solidFill>
+          <a:ln w="50800" cap="rnd" cmpd="thickThin" algn="ctr">
+            <a:noFill/>
+            <a:prstDash val="solid"/>
+          </a:ln>
+          <a:effectLst/>
+        </p:spPr>
+        <p:style>
+          <a:lnRef idx="3">
+            <a:schemeClr val="lt1"/>
+          </a:lnRef>
+          <a:fillRef idx="1">
+            <a:schemeClr val="accent1"/>
+          </a:fillRef>
+          <a:effectRef idx="1">
+            <a:schemeClr val="accent1"/>
+          </a:effectRef>
+          <a:fontRef idx="minor">
+            <a:schemeClr val="lt1"/>
+          </a:fontRef>
+        </p:style>
+        <p:txBody>
+          <a:bodyPr anchor="ctr"/>
+          <a:lstStyle/>
+          <a:p>
+            <a:pPr algn="ctr" eaLnBrk="1" latinLnBrk="0" hangingPunct="1"/>
+            <a:endParaRPr kumimoji="0" lang="en-US"/>
+          </a:p>
+        </p:txBody>
+      </p:sp>
+      <p:sp>
+        <p:nvSpPr>
+          <p:cNvPr id="10" name="Rectangle 9"/>
+          <p:cNvSpPr/>
+          <p:nvPr/>
+        </p:nvSpPr>
+        <p:spPr>
+          <a:xfrm>
+            <a:off x="0" y="3675527"/>
+            <a:ext cx="9144001" cy="140677"/>
+          </a:xfrm>
+          <a:prstGeom prst="rect">
+            <a:avLst/>
+          </a:prstGeom>
+          <a:solidFill>
+            <a:schemeClr val="accent2">
+              <a:alpha val="100000"/>
+            </a:schemeClr>
+          </a:solidFill>
+          <a:ln w="50800" cap="rnd" cmpd="thickThin" algn="ctr">
+            <a:noFill/>
+            <a:prstDash val="solid"/>
+          </a:ln>
+          <a:effectLst/>
+        </p:spPr>
+        <p:style>
+          <a:lnRef idx="3">
+            <a:schemeClr val="lt1"/>
+          </a:lnRef>
+          <a:fillRef idx="1">
+            <a:schemeClr val="accent1"/>
+          </a:fillRef>
+          <a:effectRef idx="1">
+            <a:schemeClr val="accent1"/>
+          </a:effectRef>
+          <a:fontRef idx="minor">
+            <a:schemeClr val="lt1"/>
+          </a:fontRef>
+        </p:style>
+        <p:txBody>
+          <a:bodyPr anchor="ctr"/>
+          <a:lstStyle/>
+          <a:p>
+            <a:pPr algn="ctr" eaLnBrk="1" latinLnBrk="0" hangingPunct="1"/>
+            <a:endParaRPr kumimoji="0" lang="en-US"/>
+          </a:p>
+        </p:txBody>
+      </p:sp>
+      <p:sp>
+        <p:nvSpPr>
+          <p:cNvPr id="11" name="Rectangle 10"/>
+          <p:cNvSpPr/>
+          <p:nvPr/>
+        </p:nvSpPr>
+        <p:spPr>
+          <a:xfrm flipV="1">
+            <a:off x="6414051" y="3643090"/>
+            <a:ext cx="2729950" cy="248432"/>
+          </a:xfrm>
+          <a:prstGeom prst="rect">
+            <a:avLst/>
+          </a:prstGeom>
+          <a:solidFill>
+            <a:schemeClr val="accent2">
+              <a:alpha val="100000"/>
+            </a:schemeClr>
+          </a:solidFill>
+          <a:ln w="50800" cap="rnd" cmpd="thickThin" algn="ctr">
+            <a:noFill/>
+            <a:prstDash val="solid"/>
+          </a:ln>
+          <a:effectLst/>
+        </p:spPr>
+        <p:style>
+          <a:lnRef idx="3">
+            <a:schemeClr val="lt1"/>
+          </a:lnRef>
+          <a:fillRef idx="1">
+            <a:schemeClr val="accent1"/>
+          </a:fillRef>
+          <a:effectRef idx="1">
+            <a:schemeClr val="accent1"/>
+          </a:effectRef>
+          <a:fontRef idx="minor">
+            <a:schemeClr val="lt1"/>
+          </a:fontRef>
+        </p:style>
+        <p:txBody>
+          <a:bodyPr anchor="ctr"/>
+          <a:lstStyle/>
+          <a:p>
+            <a:pPr algn="ctr" eaLnBrk="1" latinLnBrk="0" hangingPunct="1"/>
+            <a:endParaRPr kumimoji="0" lang="en-US"/>
+          </a:p>
+        </p:txBody>
+      </p:sp>
+      <p:sp>
+        <p:nvSpPr>
+          <p:cNvPr id="19" name="Rectangle 18"/>
+          <p:cNvSpPr/>
+          <p:nvPr/>
+        </p:nvSpPr>
+        <p:spPr>
+          <a:xfrm>
+            <a:off x="0" y="0"/>
+            <a:ext cx="9144000" cy="3701700"/>
+          </a:xfrm>
+          <a:prstGeom prst="rect">
+            <a:avLst/>
+          </a:prstGeom>
+          <a:solidFill>
+            <a:schemeClr val="tx2">
+              <a:alpha val="100000"/>
+            </a:schemeClr>
+          </a:solidFill>
+          <a:ln w="50800" cap="rnd" cmpd="thickThin" algn="ctr">
+            <a:noFill/>
+            <a:prstDash val="solid"/>
+          </a:ln>
+          <a:effectLst/>
+        </p:spPr>
+        <p:style>
+          <a:lnRef idx="3">
+            <a:schemeClr val="lt1"/>
+          </a:lnRef>
+          <a:fillRef idx="1">
+            <a:schemeClr val="accent1"/>
+          </a:fillRef>
+          <a:effectRef idx="1">
+            <a:schemeClr val="accent1"/>
+          </a:effectRef>
+          <a:fontRef idx="minor">
+            <a:schemeClr val="lt1"/>
+          </a:fontRef>
+        </p:style>
+        <p:txBody>
+          <a:bodyPr anchor="ctr"/>
+          <a:lstStyle/>
+          <a:p>
+            <a:pPr algn="ctr" eaLnBrk="1" latinLnBrk="0" hangingPunct="1"/>
+            <a:endParaRPr kumimoji="0" lang="en-US"/>
+          </a:p>
+        </p:txBody>
+      </p:sp>
+      <p:sp>
+        <p:nvSpPr>
+          <p:cNvPr id="8" name="Title 7"/>
           <p:cNvSpPr>
             <a:spLocks noGrp="1"/>
           </p:cNvSpPr>
@@ -5102,55 +5435,18 @@
         </p:nvSpPr>
         <p:spPr>
           <a:xfrm>
-            <a:off x="533400" y="1371600"/>
-            <a:ext cx="7851648" cy="1828800"/>
+            <a:off x="457200" y="2401887"/>
+            <a:ext cx="8458200" cy="1470025"/>
           </a:xfrm>
-          <a:ln>
-            <a:noFill/>
-          </a:ln>
         </p:spPr>
         <p:txBody>
-          <a:bodyPr vert="horz" tIns="0" rIns="18288" bIns="0" anchor="b">
-            <a:normAutofit/>
-            <a:scene3d>
-              <a:camera prst="orthographicFront"/>
-              <a:lightRig rig="freezing" dir="t">
-                <a:rot lat="0" lon="0" rev="5640000"/>
-              </a:lightRig>
-            </a:scene3d>
-            <a:sp3d prstMaterial="flat">
-              <a:bevelT w="38100" h="38100"/>
-              <a:contourClr>
-                <a:schemeClr val="tx2"/>
-              </a:contourClr>
-            </a:sp3d>
-          </a:bodyPr>
+          <a:bodyPr anchor="b"/>
           <a:lstStyle>
-            <a:lvl1pPr algn="r" rtl="0">
-              <a:spcBef>
-                <a:spcPct val="0"/>
-              </a:spcBef>
-              <a:buNone/>
-              <a:defRPr sz="5600" b="1">
-                <a:ln>
-                  <a:noFill/>
-                </a:ln>
+            <a:lvl1pPr>
+              <a:defRPr sz="4400">
                 <a:solidFill>
-                  <a:schemeClr val="accent3">
-                    <a:tint val="90000"/>
-                    <a:satMod val="120000"/>
-                  </a:schemeClr>
+                  <a:schemeClr val="bg1"/>
                 </a:solidFill>
-                <a:effectLst>
-                  <a:outerShdw blurRad="38100" dist="25400" dir="5400000" algn="tl" rotWithShape="0">
-                    <a:srgbClr val="000000">
-                      <a:alpha val="43000"/>
-                    </a:srgbClr>
-                  </a:outerShdw>
-                </a:effectLst>
-                <a:latin typeface="+mj-lt"/>
-                <a:ea typeface="+mj-ea"/>
-                <a:cs typeface="+mj-cs"/>
               </a:defRPr>
             </a:lvl1pPr>
           </a:lstStyle>
@@ -5165,7 +5461,7 @@
       </p:sp>
       <p:sp>
         <p:nvSpPr>
-          <p:cNvPr id="17" name="Subtitle 16"/>
+          <p:cNvPr id="9" name="Subtitle 8"/>
           <p:cNvSpPr>
             <a:spLocks noGrp="1"/>
           </p:cNvSpPr>
@@ -5175,18 +5471,18 @@
         </p:nvSpPr>
         <p:spPr>
           <a:xfrm>
-            <a:off x="533400" y="3228536"/>
-            <a:ext cx="7854696" cy="1752600"/>
+            <a:off x="457200" y="3899938"/>
+            <a:ext cx="4953000" cy="1752600"/>
           </a:xfrm>
         </p:spPr>
         <p:txBody>
-          <a:bodyPr lIns="0" rIns="18288"/>
+          <a:bodyPr/>
           <a:lstStyle>
-            <a:lvl1pPr marL="0" marR="45720" indent="0" algn="r">
+            <a:lvl1pPr marL="64008" indent="0" algn="l">
               <a:buNone/>
-              <a:defRPr>
+              <a:defRPr sz="2400">
                 <a:solidFill>
-                  <a:schemeClr val="tx1"/>
+                  <a:schemeClr val="tx2"/>
                 </a:solidFill>
               </a:defRPr>
             </a:lvl1pPr>
@@ -5226,7 +5522,7 @@
       </p:sp>
       <p:sp>
         <p:nvSpPr>
-          <p:cNvPr id="30" name="Date Placeholder 29"/>
+          <p:cNvPr id="28" name="Date Placeholder 27"/>
           <p:cNvSpPr>
             <a:spLocks noGrp="1"/>
           </p:cNvSpPr>
@@ -5234,7 +5530,12 @@
             <p:ph type="dt" sz="half" idx="10"/>
           </p:nvPr>
         </p:nvSpPr>
-        <p:spPr/>
+        <p:spPr>
+          <a:xfrm>
+            <a:off x="6705600" y="4206240"/>
+            <a:ext cx="960120" cy="457200"/>
+          </a:xfrm>
+        </p:spPr>
         <p:txBody>
           <a:bodyPr/>
           <a:lstStyle/>
@@ -5250,7 +5551,7 @@
       </p:sp>
       <p:sp>
         <p:nvSpPr>
-          <p:cNvPr id="19" name="Footer Placeholder 18"/>
+          <p:cNvPr id="17" name="Footer Placeholder 16"/>
           <p:cNvSpPr>
             <a:spLocks noGrp="1"/>
           </p:cNvSpPr>
@@ -5258,7 +5559,12 @@
             <p:ph type="ftr" sz="quarter" idx="11"/>
           </p:nvPr>
         </p:nvSpPr>
-        <p:spPr/>
+        <p:spPr>
+          <a:xfrm>
+            <a:off x="5410200" y="4205288"/>
+            <a:ext cx="1295400" cy="457200"/>
+          </a:xfrm>
+        </p:spPr>
         <p:txBody>
           <a:bodyPr/>
           <a:lstStyle/>
@@ -5269,7 +5575,7 @@
       </p:sp>
       <p:sp>
         <p:nvSpPr>
-          <p:cNvPr id="27" name="Slide Number Placeholder 26"/>
+          <p:cNvPr id="29" name="Slide Number Placeholder 28"/>
           <p:cNvSpPr>
             <a:spLocks noGrp="1"/>
           </p:cNvSpPr>
@@ -5277,10 +5583,23 @@
             <p:ph type="sldNum" sz="quarter" idx="12"/>
           </p:nvPr>
         </p:nvSpPr>
-        <p:spPr/>
+        <p:spPr>
+          <a:xfrm>
+            <a:off x="8320088" y="1136"/>
+            <a:ext cx="747712" cy="365760"/>
+          </a:xfrm>
+        </p:spPr>
         <p:txBody>
           <a:bodyPr/>
-          <a:lstStyle/>
+          <a:lstStyle>
+            <a:lvl1pPr algn="r">
+              <a:defRPr sz="1800">
+                <a:solidFill>
+                  <a:schemeClr val="bg1"/>
+                </a:solidFill>
+              </a:defRPr>
+            </a:lvl1pPr>
+          </a:lstStyle>
           <a:p>
             <a:fld id="{515FC477-0A05-4F3E-8EE9-E015C9089D56}" type="slidenum">
               <a:rPr lang="en-US" smtClean="0"/>
@@ -5293,7 +5612,7 @@
       </p:sp>
       <p:pic>
         <p:nvPicPr>
-          <p:cNvPr id="7" name="Picture 6"/>
+          <p:cNvPr id="18" name="Picture 17"/>
           <p:cNvPicPr>
             <a:picLocks noChangeAspect="1"/>
           </p:cNvPicPr>
@@ -5303,7 +5622,7 @@
           <a:blip r:embed="rId2" cstate="email">
             <a:extLst>
               <a:ext uri="{28A0092B-C50C-407E-A947-70E740481C1C}">
-                <a14:useLocalDpi xmlns:a14="http://schemas.microsoft.com/office/drawing/2010/main" xmlns=""/>
+                <a14:useLocalDpi xmlns="" xmlns:a14="http://schemas.microsoft.com/office/drawing/2010/main"/>
               </a:ext>
             </a:extLst>
           </a:blip>
@@ -5323,7 +5642,7 @@
       </p:pic>
       <p:pic>
         <p:nvPicPr>
-          <p:cNvPr id="8" name="Picture 7"/>
+          <p:cNvPr id="20" name="Picture 19"/>
           <p:cNvPicPr>
             <a:picLocks noChangeAspect="1"/>
           </p:cNvPicPr>
@@ -5333,7 +5652,7 @@
           <a:blip r:embed="rId3" cstate="email">
             <a:extLst>
               <a:ext uri="{28A0092B-C50C-407E-A947-70E740481C1C}">
-                <a14:useLocalDpi xmlns:a14="http://schemas.microsoft.com/office/drawing/2010/main" xmlns=""/>
+                <a14:useLocalDpi xmlns="" xmlns:a14="http://schemas.microsoft.com/office/drawing/2010/main"/>
               </a:ext>
             </a:extLst>
           </a:blip>
@@ -5362,7 +5681,7 @@
       </p:pic>
       <p:pic>
         <p:nvPicPr>
-          <p:cNvPr id="10" name="Picture 9"/>
+          <p:cNvPr id="21" name="Picture 20"/>
           <p:cNvPicPr>
             <a:picLocks noChangeAspect="1"/>
           </p:cNvPicPr>
@@ -5372,7 +5691,7 @@
           <a:blip r:embed="rId4" cstate="email">
             <a:extLst>
               <a:ext uri="{28A0092B-C50C-407E-A947-70E740481C1C}">
-                <a14:useLocalDpi xmlns:a14="http://schemas.microsoft.com/office/drawing/2010/main" xmlns=""/>
+                <a14:useLocalDpi xmlns="" xmlns:a14="http://schemas.microsoft.com/office/drawing/2010/main"/>
               </a:ext>
             </a:extLst>
           </a:blip>
@@ -5401,7 +5720,7 @@
       </p:pic>
       <p:pic>
         <p:nvPicPr>
-          <p:cNvPr id="11" name="Picture 10"/>
+          <p:cNvPr id="22" name="Picture 21"/>
           <p:cNvPicPr>
             <a:picLocks noChangeAspect="1"/>
           </p:cNvPicPr>
@@ -5411,7 +5730,7 @@
           <a:blip r:embed="rId5" cstate="email">
             <a:extLst>
               <a:ext uri="{28A0092B-C50C-407E-A947-70E740481C1C}">
-                <a14:useLocalDpi xmlns:a14="http://schemas.microsoft.com/office/drawing/2010/main" xmlns=""/>
+                <a14:useLocalDpi xmlns="" xmlns:a14="http://schemas.microsoft.com/office/drawing/2010/main"/>
               </a:ext>
             </a:extLst>
           </a:blip>
@@ -5441,7 +5760,7 @@
     </p:spTree>
   </p:cSld>
   <p:clrMapOvr>
-    <a:overrideClrMapping bg1="dk1" tx1="lt1" bg2="dk2" tx2="lt2" accent1="accent1" accent2="accent2" accent3="accent3" accent4="accent4" accent5="accent5" accent6="accent6" hlink="hlink" folHlink="folHlink"/>
+    <a:masterClrMapping/>
   </p:clrMapOvr>
   <p:timing>
     <p:tnLst>
@@ -5483,7 +5802,7 @@
                                           </p:stCondLst>
                                         </p:cTn>
                                         <p:tgtEl>
-                                          <p:spTgt spid="8"/>
+                                          <p:spTgt spid="20"/>
                                         </p:tgtEl>
                                         <p:attrNameLst>
                                           <p:attrName>style.visibility</p:attrName>
@@ -5497,7 +5816,7 @@
                                       <p:cBhvr>
                                         <p:cTn id="7" dur="1000" fill="hold"/>
                                         <p:tgtEl>
-                                          <p:spTgt spid="8"/>
+                                          <p:spTgt spid="20"/>
                                         </p:tgtEl>
                                         <p:attrNameLst>
                                           <p:attrName>ppt_w</p:attrName>
@@ -5520,7 +5839,7 @@
                                       <p:cBhvr>
                                         <p:cTn id="8" dur="1000" fill="hold"/>
                                         <p:tgtEl>
-                                          <p:spTgt spid="8"/>
+                                          <p:spTgt spid="20"/>
                                         </p:tgtEl>
                                         <p:attrNameLst>
                                           <p:attrName>ppt_h</p:attrName>
@@ -5543,7 +5862,7 @@
                                       <p:cBhvr>
                                         <p:cTn id="9" dur="1000" fill="hold"/>
                                         <p:tgtEl>
-                                          <p:spTgt spid="8"/>
+                                          <p:spTgt spid="20"/>
                                         </p:tgtEl>
                                         <p:attrNameLst>
                                           <p:attrName>style.rotation</p:attrName>
@@ -5566,7 +5885,7 @@
                                       <p:cBhvr>
                                         <p:cTn id="10" dur="1000"/>
                                         <p:tgtEl>
-                                          <p:spTgt spid="8"/>
+                                          <p:spTgt spid="20"/>
                                         </p:tgtEl>
                                       </p:cBhvr>
                                     </p:animEffect>
@@ -5590,7 +5909,7 @@
                                           </p:stCondLst>
                                         </p:cTn>
                                         <p:tgtEl>
-                                          <p:spTgt spid="10"/>
+                                          <p:spTgt spid="21"/>
                                         </p:tgtEl>
                                         <p:attrNameLst>
                                           <p:attrName>style.visibility</p:attrName>
@@ -5604,7 +5923,7 @@
                                       <p:cBhvr>
                                         <p:cTn id="13" dur="1000" fill="hold"/>
                                         <p:tgtEl>
-                                          <p:spTgt spid="10"/>
+                                          <p:spTgt spid="21"/>
                                         </p:tgtEl>
                                         <p:attrNameLst>
                                           <p:attrName>ppt_w</p:attrName>
@@ -5627,7 +5946,7 @@
                                       <p:cBhvr>
                                         <p:cTn id="14" dur="1000" fill="hold"/>
                                         <p:tgtEl>
-                                          <p:spTgt spid="10"/>
+                                          <p:spTgt spid="21"/>
                                         </p:tgtEl>
                                         <p:attrNameLst>
                                           <p:attrName>ppt_h</p:attrName>
@@ -5650,7 +5969,7 @@
                                       <p:cBhvr>
                                         <p:cTn id="15" dur="1000" fill="hold"/>
                                         <p:tgtEl>
-                                          <p:spTgt spid="10"/>
+                                          <p:spTgt spid="21"/>
                                         </p:tgtEl>
                                         <p:attrNameLst>
                                           <p:attrName>style.rotation</p:attrName>
@@ -5673,7 +5992,7 @@
                                       <p:cBhvr>
                                         <p:cTn id="16" dur="1000"/>
                                         <p:tgtEl>
-                                          <p:spTgt spid="10"/>
+                                          <p:spTgt spid="21"/>
                                         </p:tgtEl>
                                       </p:cBhvr>
                                     </p:animEffect>
@@ -5697,7 +6016,7 @@
                                           </p:stCondLst>
                                         </p:cTn>
                                         <p:tgtEl>
-                                          <p:spTgt spid="11"/>
+                                          <p:spTgt spid="22"/>
                                         </p:tgtEl>
                                         <p:attrNameLst>
                                           <p:attrName>style.visibility</p:attrName>
@@ -5711,7 +6030,7 @@
                                       <p:cBhvr>
                                         <p:cTn id="19" dur="1000" fill="hold"/>
                                         <p:tgtEl>
-                                          <p:spTgt spid="11"/>
+                                          <p:spTgt spid="22"/>
                                         </p:tgtEl>
                                         <p:attrNameLst>
                                           <p:attrName>ppt_w</p:attrName>
@@ -5734,7 +6053,7 @@
                                       <p:cBhvr>
                                         <p:cTn id="20" dur="1000" fill="hold"/>
                                         <p:tgtEl>
-                                          <p:spTgt spid="11"/>
+                                          <p:spTgt spid="22"/>
                                         </p:tgtEl>
                                         <p:attrNameLst>
                                           <p:attrName>ppt_h</p:attrName>
@@ -5757,7 +6076,7 @@
                                       <p:cBhvr>
                                         <p:cTn id="21" dur="1000" fill="hold"/>
                                         <p:tgtEl>
-                                          <p:spTgt spid="11"/>
+                                          <p:spTgt spid="22"/>
                                         </p:tgtEl>
                                         <p:attrNameLst>
                                           <p:attrName>style.rotation</p:attrName>
@@ -5780,7 +6099,7 @@
                                       <p:cBhvr>
                                         <p:cTn id="22" dur="1000"/>
                                         <p:tgtEl>
-                                          <p:spTgt spid="11"/>
+                                          <p:spTgt spid="22"/>
                                         </p:tgtEl>
                                       </p:cBhvr>
                                     </p:animEffect>
@@ -5810,7 +6129,7 @@
                                           </p:stCondLst>
                                         </p:cTn>
                                         <p:tgtEl>
-                                          <p:spTgt spid="7"/>
+                                          <p:spTgt spid="18"/>
                                         </p:tgtEl>
                                         <p:attrNameLst>
                                           <p:attrName>style.visibility</p:attrName>
@@ -5824,7 +6143,7 @@
                                       <p:cBhvr>
                                         <p:cTn id="26" dur="2000"/>
                                         <p:tgtEl>
-                                          <p:spTgt spid="7"/>
+                                          <p:spTgt spid="18"/>
                                         </p:tgtEl>
                                       </p:cBhvr>
                                     </p:animEffect>
@@ -6068,8 +6387,8 @@
         </p:nvSpPr>
         <p:spPr>
           <a:xfrm>
-            <a:off x="6629400" y="914401"/>
-            <a:ext cx="2057400" cy="5211763"/>
+            <a:off x="6781800" y="1143000"/>
+            <a:ext cx="1905000" cy="5486400"/>
           </a:xfrm>
         </p:spPr>
         <p:txBody>
@@ -6096,8 +6415,8 @@
         </p:nvSpPr>
         <p:spPr>
           <a:xfrm>
-            <a:off x="457200" y="914401"/>
-            <a:ext cx="6019800" cy="5211763"/>
+            <a:off x="457200" y="1143000"/>
+            <a:ext cx="6248400" cy="5486400"/>
           </a:xfrm>
         </p:spPr>
         <p:txBody>
@@ -6406,11 +6725,6 @@
 <file path=ppt/slideLayouts/slideLayout3.xml><?xml version="1.0" encoding="utf-8"?>
 <p:sldLayout xmlns:a="http://schemas.openxmlformats.org/drawingml/2006/main" xmlns:r="http://schemas.openxmlformats.org/officeDocument/2006/relationships" xmlns:p="http://schemas.openxmlformats.org/presentationml/2006/main" type="secHead" preserve="1">
   <p:cSld name="Section Header">
-    <p:bg>
-      <p:bgRef idx="1002">
-        <a:schemeClr val="bg2"/>
-      </p:bgRef>
-    </p:bg>
     <p:spTree>
       <p:nvGrpSpPr>
         <p:cNvPr id="1" name=""/>
@@ -6437,52 +6751,36 @@
         </p:nvSpPr>
         <p:spPr>
           <a:xfrm>
-            <a:off x="530352" y="1316736"/>
-            <a:ext cx="7772400" cy="1362456"/>
+            <a:off x="722313" y="1981200"/>
+            <a:ext cx="7772400" cy="1362075"/>
           </a:xfrm>
-          <a:ln>
-            <a:noFill/>
-          </a:ln>
         </p:spPr>
         <p:txBody>
-          <a:bodyPr vert="horz" tIns="0" bIns="0" anchor="b">
+          <a:bodyPr anchor="b">
             <a:noAutofit/>
-            <a:scene3d>
-              <a:camera prst="orthographicFront"/>
-              <a:lightRig rig="freezing" dir="t">
-                <a:rot lat="0" lon="0" rev="5640000"/>
-              </a:lightRig>
-            </a:scene3d>
-            <a:sp3d prstMaterial="flat">
-              <a:bevelT w="38100" h="38100"/>
-            </a:sp3d>
           </a:bodyPr>
           <a:lstStyle>
-            <a:lvl1pPr algn="l" rtl="0">
-              <a:spcBef>
-                <a:spcPct val="0"/>
-              </a:spcBef>
+            <a:lvl1pPr algn="l">
               <a:buNone/>
-              <a:defRPr lang="en-US" sz="5600" b="1" cap="none" baseline="0" dirty="0">
-                <a:ln w="635">
-                  <a:noFill/>
+              <a:defRPr sz="4300" b="1" cap="none" baseline="0">
+                <a:ln w="12700">
+                  <a:solidFill>
+                    <a:schemeClr val="accent2">
+                      <a:shade val="90000"/>
+                      <a:satMod val="150000"/>
+                    </a:schemeClr>
+                  </a:solidFill>
                 </a:ln>
                 <a:solidFill>
-                  <a:schemeClr val="accent4">
-                    <a:tint val="90000"/>
-                    <a:satMod val="125000"/>
-                  </a:schemeClr>
+                  <a:srgbClr val="FFFFFF"/>
                 </a:solidFill>
                 <a:effectLst>
-                  <a:outerShdw blurRad="38100" dist="25400" dir="5400000" algn="tl" rotWithShape="0">
+                  <a:outerShdw blurRad="38100" dist="38100" dir="5400000" algn="tl" rotWithShape="0">
                     <a:srgbClr val="000000">
-                      <a:alpha val="43000"/>
+                      <a:alpha val="25000"/>
                     </a:srgbClr>
                   </a:outerShdw>
                 </a:effectLst>
-                <a:latin typeface="+mj-lt"/>
-                <a:ea typeface="+mj-ea"/>
-                <a:cs typeface="+mj-cs"/>
               </a:defRPr>
             </a:lvl1pPr>
           </a:lstStyle>
@@ -6507,18 +6805,18 @@
         </p:nvSpPr>
         <p:spPr>
           <a:xfrm>
-            <a:off x="530352" y="2704664"/>
+            <a:off x="722313" y="3367088"/>
             <a:ext cx="7772400" cy="1509712"/>
           </a:xfrm>
         </p:spPr>
         <p:txBody>
-          <a:bodyPr lIns="45720" rIns="45720" anchor="t"/>
+          <a:bodyPr anchor="t"/>
           <a:lstStyle>
-            <a:lvl1pPr marL="0" indent="0">
+            <a:lvl1pPr marL="45720" indent="0">
               <a:buNone/>
-              <a:defRPr sz="2200">
+              <a:defRPr sz="2100" b="0">
                 <a:solidFill>
-                  <a:schemeClr val="tx1"/>
+                  <a:schemeClr val="tx2"/>
                 </a:solidFill>
               </a:defRPr>
             </a:lvl1pPr>
@@ -6674,7 +6972,7 @@
           <a:blip r:embed="rId3" cstate="email">
             <a:extLst>
               <a:ext uri="{28A0092B-C50C-407E-A947-70E740481C1C}">
-                <a14:useLocalDpi xmlns:a14="http://schemas.microsoft.com/office/drawing/2010/main" xmlns=""/>
+                <a14:useLocalDpi xmlns="" xmlns:a14="http://schemas.microsoft.com/office/drawing/2010/main"/>
               </a:ext>
             </a:extLst>
           </a:blip>
@@ -6704,7 +7002,7 @@
     </p:spTree>
   </p:cSld>
   <p:clrMapOvr>
-    <a:overrideClrMapping bg1="dk1" tx1="lt1" bg2="dk2" tx2="lt2" accent1="accent1" accent2="accent2" accent3="accent3" accent4="accent4" accent5="accent5" accent6="accent6" hlink="hlink" folHlink="folHlink"/>
+    <a:masterClrMapping/>
   </p:clrMapOvr>
   <p:timing>
     <p:tnLst>
@@ -6938,12 +7236,7 @@
             <p:ph type="title"/>
           </p:nvPr>
         </p:nvSpPr>
-        <p:spPr>
-          <a:xfrm>
-            <a:off x="457200" y="704088"/>
-            <a:ext cx="8229600" cy="1143000"/>
-          </a:xfrm>
-        </p:spPr>
+        <p:spPr/>
         <p:txBody>
           <a:bodyPr/>
           <a:lstStyle/>
@@ -6968,21 +7261,21 @@
         </p:nvSpPr>
         <p:spPr>
           <a:xfrm>
-            <a:off x="457200" y="1920085"/>
-            <a:ext cx="4038600" cy="4434840"/>
+            <a:off x="457200" y="2249424"/>
+            <a:ext cx="4038600" cy="4525963"/>
           </a:xfrm>
         </p:spPr>
         <p:txBody>
           <a:bodyPr/>
           <a:lstStyle>
             <a:lvl1pPr>
-              <a:defRPr sz="2600"/>
+              <a:defRPr sz="2000"/>
             </a:lvl1pPr>
             <a:lvl2pPr>
-              <a:defRPr sz="2400"/>
+              <a:defRPr sz="1900"/>
             </a:lvl2pPr>
             <a:lvl3pPr>
-              <a:defRPr sz="2000"/>
+              <a:defRPr sz="1800"/>
             </a:lvl3pPr>
             <a:lvl4pPr>
               <a:defRPr sz="1800"/>
@@ -7041,21 +7334,21 @@
         </p:nvSpPr>
         <p:spPr>
           <a:xfrm>
-            <a:off x="4648200" y="1920085"/>
-            <a:ext cx="4038600" cy="4434840"/>
+            <a:off x="4648200" y="2249424"/>
+            <a:ext cx="4038600" cy="4525963"/>
           </a:xfrm>
         </p:spPr>
         <p:txBody>
           <a:bodyPr/>
           <a:lstStyle>
             <a:lvl1pPr>
-              <a:defRPr sz="2600"/>
+              <a:defRPr sz="2000"/>
             </a:lvl1pPr>
             <a:lvl2pPr>
-              <a:defRPr sz="2400"/>
+              <a:defRPr sz="1900"/>
             </a:lvl2pPr>
             <a:lvl3pPr>
-              <a:defRPr sz="2000"/>
+              <a:defRPr sz="1800"/>
             </a:lvl3pPr>
             <a:lvl4pPr>
               <a:defRPr sz="1800"/>
@@ -7216,15 +7509,15 @@
         </p:nvSpPr>
         <p:spPr>
           <a:xfrm>
-            <a:off x="457200" y="704088"/>
-            <a:ext cx="8229600" cy="1143000"/>
+            <a:off x="381000" y="1143000"/>
+            <a:ext cx="8382000" cy="1069848"/>
           </a:xfrm>
         </p:spPr>
         <p:txBody>
-          <a:bodyPr tIns="45720" anchor="b"/>
+          <a:bodyPr anchor="ctr"/>
           <a:lstStyle>
             <a:lvl1pPr>
-              <a:defRPr/>
+              <a:defRPr sz="4000" b="0" i="0" cap="none" baseline="0"/>
             </a:lvl1pPr>
           </a:lstStyle>
           <a:p>
@@ -7248,22 +7541,34 @@
         </p:nvSpPr>
         <p:spPr>
           <a:xfrm>
-            <a:off x="457200" y="1855248"/>
-            <a:ext cx="4040188" cy="659352"/>
+            <a:off x="381000" y="2244970"/>
+            <a:ext cx="4041648" cy="457200"/>
           </a:xfrm>
+          <a:solidFill>
+            <a:schemeClr val="accent2">
+              <a:satMod val="150000"/>
+              <a:alpha val="25000"/>
+            </a:schemeClr>
+          </a:solidFill>
+          <a:ln w="12700">
+            <a:solidFill>
+              <a:schemeClr val="accent2"/>
+            </a:solidFill>
+          </a:ln>
         </p:spPr>
         <p:txBody>
-          <a:bodyPr lIns="45720" tIns="0" rIns="45720" bIns="0" anchor="ctr">
+          <a:bodyPr anchor="ctr">
             <a:noAutofit/>
           </a:bodyPr>
           <a:lstStyle>
-            <a:lvl1pPr marL="0" indent="0">
+            <a:lvl1pPr marL="45720" indent="0">
               <a:buNone/>
-              <a:defRPr sz="2400" b="1" cap="none" baseline="0">
+              <a:defRPr sz="1900" b="1">
                 <a:solidFill>
-                  <a:schemeClr val="tx2"/>
+                  <a:schemeClr val="tx1">
+                    <a:tint val="95000"/>
+                  </a:schemeClr>
                 </a:solidFill>
-                <a:effectLst/>
               </a:defRPr>
             </a:lvl1pPr>
             <a:lvl2pPr>
@@ -7304,20 +7609,34 @@
         </p:nvSpPr>
         <p:spPr>
           <a:xfrm>
-            <a:off x="4645025" y="1859757"/>
-            <a:ext cx="4041775" cy="654843"/>
+            <a:off x="4721225" y="2244970"/>
+            <a:ext cx="4041775" cy="457200"/>
           </a:xfrm>
+          <a:solidFill>
+            <a:schemeClr val="accent2">
+              <a:satMod val="150000"/>
+              <a:alpha val="25000"/>
+            </a:schemeClr>
+          </a:solidFill>
+          <a:ln w="12700">
+            <a:solidFill>
+              <a:schemeClr val="accent2"/>
+            </a:solidFill>
+          </a:ln>
         </p:spPr>
         <p:txBody>
-          <a:bodyPr lIns="45720" tIns="0" rIns="45720" bIns="0" anchor="ctr"/>
+          <a:bodyPr anchor="ctr">
+            <a:noAutofit/>
+          </a:bodyPr>
           <a:lstStyle>
-            <a:lvl1pPr marL="0" indent="0">
+            <a:lvl1pPr marL="45720" indent="0">
               <a:buNone/>
-              <a:defRPr sz="2400" b="1" cap="none" baseline="0">
+              <a:defRPr sz="1900" b="1">
                 <a:solidFill>
-                  <a:schemeClr val="tx2"/>
+                  <a:schemeClr val="tx1">
+                    <a:tint val="95000"/>
+                  </a:schemeClr>
                 </a:solidFill>
-                <a:effectLst/>
               </a:defRPr>
             </a:lvl1pPr>
             <a:lvl2pPr>
@@ -7358,15 +7677,15 @@
         </p:nvSpPr>
         <p:spPr>
           <a:xfrm>
-            <a:off x="457200" y="2514600"/>
-            <a:ext cx="4040188" cy="3845720"/>
+            <a:off x="381000" y="2708519"/>
+            <a:ext cx="4041648" cy="3886200"/>
           </a:xfrm>
         </p:spPr>
         <p:txBody>
-          <a:bodyPr tIns="0"/>
+          <a:bodyPr/>
           <a:lstStyle>
             <a:lvl1pPr>
-              <a:defRPr sz="2200"/>
+              <a:defRPr sz="2000"/>
             </a:lvl1pPr>
             <a:lvl2pPr>
               <a:defRPr sz="2000"/>
@@ -7431,15 +7750,15 @@
         </p:nvSpPr>
         <p:spPr>
           <a:xfrm>
-            <a:off x="4645025" y="2514600"/>
-            <a:ext cx="4041775" cy="3845720"/>
+            <a:off x="4718304" y="2708519"/>
+            <a:ext cx="4041775" cy="3886200"/>
           </a:xfrm>
         </p:spPr>
         <p:txBody>
-          <a:bodyPr tIns="0"/>
+          <a:bodyPr/>
           <a:lstStyle>
             <a:lvl1pPr>
-              <a:defRPr sz="2200"/>
+              <a:defRPr sz="2000"/>
             </a:lvl1pPr>
             <a:lvl2pPr>
               <a:defRPr sz="2000"/>
@@ -7494,7 +7813,7 @@
       </p:sp>
       <p:sp>
         <p:nvSpPr>
-          <p:cNvPr id="7" name="Date Placeholder 6"/>
+          <p:cNvPr id="26" name="Date Placeholder 25"/>
           <p:cNvSpPr>
             <a:spLocks noGrp="1"/>
           </p:cNvSpPr>
@@ -7504,7 +7823,7 @@
         </p:nvSpPr>
         <p:spPr/>
         <p:txBody>
-          <a:bodyPr/>
+          <a:bodyPr rtlCol="0"/>
           <a:lstStyle/>
           <a:p>
             <a:fld id="{F922158D-428B-4987-8B28-745A2AFA1252}" type="datetimeFigureOut">
@@ -7518,36 +7837,17 @@
       </p:sp>
       <p:sp>
         <p:nvSpPr>
-          <p:cNvPr id="8" name="Footer Placeholder 7"/>
+          <p:cNvPr id="27" name="Slide Number Placeholder 26"/>
           <p:cNvSpPr>
             <a:spLocks noGrp="1"/>
           </p:cNvSpPr>
           <p:nvPr>
-            <p:ph type="ftr" sz="quarter" idx="11"/>
+            <p:ph type="sldNum" sz="quarter" idx="11"/>
           </p:nvPr>
         </p:nvSpPr>
         <p:spPr/>
         <p:txBody>
-          <a:bodyPr/>
-          <a:lstStyle/>
-          <a:p>
-            <a:endParaRPr lang="en-US"/>
-          </a:p>
-        </p:txBody>
-      </p:sp>
-      <p:sp>
-        <p:nvSpPr>
-          <p:cNvPr id="9" name="Slide Number Placeholder 8"/>
-          <p:cNvSpPr>
-            <a:spLocks noGrp="1"/>
-          </p:cNvSpPr>
-          <p:nvPr>
-            <p:ph type="sldNum" sz="quarter" idx="12"/>
-          </p:nvPr>
-        </p:nvSpPr>
-        <p:spPr/>
-        <p:txBody>
-          <a:bodyPr/>
+          <a:bodyPr rtlCol="0"/>
           <a:lstStyle/>
           <a:p>
             <a:fld id="{515FC477-0A05-4F3E-8EE9-E015C9089D56}" type="slidenum">
@@ -7555,6 +7855,25 @@
               <a:pPr/>
               <a:t>‹#›</a:t>
             </a:fld>
+            <a:endParaRPr lang="en-US"/>
+          </a:p>
+        </p:txBody>
+      </p:sp>
+      <p:sp>
+        <p:nvSpPr>
+          <p:cNvPr id="28" name="Footer Placeholder 27"/>
+          <p:cNvSpPr>
+            <a:spLocks noGrp="1"/>
+          </p:cNvSpPr>
+          <p:nvPr>
+            <p:ph type="ftr" sz="quarter" idx="12"/>
+          </p:nvPr>
+        </p:nvSpPr>
+        <p:spPr/>
+        <p:txBody>
+          <a:bodyPr rtlCol="0"/>
+          <a:lstStyle/>
+          <a:p>
             <a:endParaRPr lang="en-US"/>
           </a:p>
         </p:txBody>
@@ -7606,42 +7925,18 @@
         </p:nvSpPr>
         <p:spPr>
           <a:xfrm>
-            <a:off x="457200" y="704088"/>
-            <a:ext cx="8305800" cy="1143000"/>
+            <a:off x="457200" y="1143000"/>
+            <a:ext cx="8229600" cy="1069848"/>
           </a:xfrm>
         </p:spPr>
         <p:txBody>
-          <a:bodyPr vert="horz" tIns="45720" bIns="0" anchor="b">
-            <a:normAutofit/>
-            <a:scene3d>
-              <a:camera prst="orthographicFront"/>
-              <a:lightRig rig="freezing" dir="t">
-                <a:rot lat="0" lon="0" rev="5640000"/>
-              </a:lightRig>
-            </a:scene3d>
-            <a:sp3d prstMaterial="flat">
-              <a:contourClr>
-                <a:schemeClr val="tx2"/>
-              </a:contourClr>
-            </a:sp3d>
-          </a:bodyPr>
+          <a:bodyPr anchor="ctr"/>
           <a:lstStyle>
-            <a:lvl1pPr algn="l" rtl="0">
-              <a:spcBef>
-                <a:spcPct val="0"/>
-              </a:spcBef>
-              <a:buNone/>
-              <a:defRPr sz="5000" b="0">
-                <a:ln>
-                  <a:noFill/>
-                </a:ln>
+            <a:lvl1pPr>
+              <a:defRPr sz="4000">
                 <a:solidFill>
                   <a:schemeClr val="tx2"/>
                 </a:solidFill>
-                <a:effectLst/>
-                <a:latin typeface="+mj-lt"/>
-                <a:ea typeface="+mj-ea"/>
-                <a:cs typeface="+mj-cs"/>
               </a:defRPr>
             </a:lvl1pPr>
           </a:lstStyle>
@@ -7664,7 +7959,12 @@
             <p:ph type="dt" sz="half" idx="10"/>
           </p:nvPr>
         </p:nvSpPr>
-        <p:spPr/>
+        <p:spPr>
+          <a:xfrm>
+            <a:off x="6583680" y="612648"/>
+            <a:ext cx="957264" cy="457200"/>
+          </a:xfrm>
+        </p:spPr>
         <p:txBody>
           <a:bodyPr/>
           <a:lstStyle/>
@@ -7688,7 +7988,12 @@
             <p:ph type="ftr" sz="quarter" idx="11"/>
           </p:nvPr>
         </p:nvSpPr>
-        <p:spPr/>
+        <p:spPr>
+          <a:xfrm>
+            <a:off x="5257800" y="612648"/>
+            <a:ext cx="1325880" cy="457200"/>
+          </a:xfrm>
+        </p:spPr>
         <p:txBody>
           <a:bodyPr/>
           <a:lstStyle/>
@@ -7707,7 +8012,12 @@
             <p:ph type="sldNum" sz="quarter" idx="12"/>
           </p:nvPr>
         </p:nvSpPr>
-        <p:spPr/>
+        <p:spPr>
+          <a:xfrm>
+            <a:off x="8174736" y="2272"/>
+            <a:ext cx="762000" cy="365760"/>
+          </a:xfrm>
+        </p:spPr>
         <p:txBody>
           <a:bodyPr/>
           <a:lstStyle/>
@@ -7870,32 +8180,16 @@
         </p:nvSpPr>
         <p:spPr>
           <a:xfrm>
-            <a:off x="685800" y="514352"/>
-            <a:ext cx="2743200" cy="1162050"/>
+            <a:off x="5353496" y="1101970"/>
+            <a:ext cx="3383280" cy="877824"/>
           </a:xfrm>
         </p:spPr>
         <p:txBody>
-          <a:bodyPr lIns="0" anchor="b">
-            <a:noAutofit/>
-          </a:bodyPr>
+          <a:bodyPr anchor="b"/>
           <a:lstStyle>
-            <a:lvl1pPr algn="l" rtl="0">
-              <a:spcBef>
-                <a:spcPct val="0"/>
-              </a:spcBef>
+            <a:lvl1pPr algn="l">
               <a:buNone/>
-              <a:defRPr sz="2600" b="0">
-                <a:ln>
-                  <a:noFill/>
-                </a:ln>
-                <a:solidFill>
-                  <a:schemeClr val="tx2"/>
-                </a:solidFill>
-                <a:effectLst/>
-                <a:latin typeface="+mj-lt"/>
-                <a:ea typeface="+mj-ea"/>
-                <a:cs typeface="+mj-cs"/>
-              </a:defRPr>
+              <a:defRPr sz="1800" b="1"/>
             </a:lvl1pPr>
           </a:lstStyle>
           <a:p>
@@ -7919,30 +8213,30 @@
         </p:nvSpPr>
         <p:spPr>
           <a:xfrm>
-            <a:off x="685800" y="1676400"/>
-            <a:ext cx="2743200" cy="4572000"/>
+            <a:off x="5353496" y="2010727"/>
+            <a:ext cx="3383280" cy="4617720"/>
           </a:xfrm>
         </p:spPr>
         <p:txBody>
-          <a:bodyPr lIns="18288" rIns="18288"/>
+          <a:bodyPr/>
           <a:lstStyle>
-            <a:lvl1pPr marL="0" indent="0" algn="l">
+            <a:lvl1pPr marL="9144" indent="0">
               <a:buNone/>
               <a:defRPr sz="1400"/>
             </a:lvl1pPr>
-            <a:lvl2pPr indent="0" algn="l">
+            <a:lvl2pPr>
               <a:buNone/>
               <a:defRPr sz="1200"/>
             </a:lvl2pPr>
-            <a:lvl3pPr indent="0" algn="l">
+            <a:lvl3pPr>
               <a:buNone/>
               <a:defRPr sz="1000"/>
             </a:lvl3pPr>
-            <a:lvl4pPr indent="0" algn="l">
+            <a:lvl4pPr>
               <a:buNone/>
               <a:defRPr sz="900"/>
             </a:lvl4pPr>
-            <a:lvl5pPr indent="0" algn="l">
+            <a:lvl5pPr>
               <a:buNone/>
               <a:defRPr sz="900"/>
             </a:lvl5pPr>
@@ -7968,18 +8262,18 @@
         </p:nvSpPr>
         <p:spPr>
           <a:xfrm>
-            <a:off x="3575050" y="1676400"/>
-            <a:ext cx="5111750" cy="4572000"/>
+            <a:off x="152400" y="776287"/>
+            <a:ext cx="5102352" cy="5852160"/>
           </a:xfrm>
         </p:spPr>
         <p:txBody>
-          <a:bodyPr tIns="0"/>
+          <a:bodyPr/>
           <a:lstStyle>
             <a:lvl1pPr>
-              <a:defRPr sz="2800"/>
+              <a:defRPr sz="3200"/>
             </a:lvl1pPr>
             <a:lvl2pPr>
-              <a:defRPr sz="2600"/>
+              <a:defRPr sz="2800"/>
             </a:lvl2pPr>
             <a:lvl3pPr>
               <a:defRPr sz="2400"/>
@@ -7988,7 +8282,7 @@
               <a:defRPr sz="2000"/>
             </a:lvl4pPr>
             <a:lvl5pPr>
-              <a:defRPr sz="1800"/>
+              <a:defRPr sz="2000"/>
             </a:lvl5pPr>
           </a:lstStyle>
           <a:p>
@@ -8115,7 +8409,7 @@
 </file>
 
 <file path=ppt/slideLayouts/slideLayout9.xml><?xml version="1.0" encoding="utf-8"?>
-<p:sldLayout xmlns:a="http://schemas.openxmlformats.org/drawingml/2006/main" xmlns:r="http://schemas.openxmlformats.org/officeDocument/2006/relationships" xmlns:p="http://schemas.openxmlformats.org/presentationml/2006/main" showMasterSp="0" type="picTx" preserve="1">
+<p:sldLayout xmlns:a="http://schemas.openxmlformats.org/drawingml/2006/main" xmlns:r="http://schemas.openxmlformats.org/officeDocument/2006/relationships" xmlns:p="http://schemas.openxmlformats.org/presentationml/2006/main" type="picTx" preserve="1">
   <p:cSld name="Picture with Caption">
     <p:spTree>
       <p:nvGrpSpPr>
@@ -8133,118 +8427,6 @@
       </p:grpSpPr>
       <p:sp>
         <p:nvSpPr>
-          <p:cNvPr id="9" name="Snip and Round Single Corner Rectangle 8"/>
-          <p:cNvSpPr/>
-          <p:nvPr/>
-        </p:nvSpPr>
-        <p:spPr>
-          <a:xfrm rot="420000" flipV="1">
-            <a:off x="3165753" y="1108077"/>
-            <a:ext cx="5257800" cy="4114800"/>
-          </a:xfrm>
-          <a:prstGeom prst="snipRoundRect">
-            <a:avLst>
-              <a:gd name="adj1" fmla="val 0"/>
-              <a:gd name="adj2" fmla="val 3646"/>
-            </a:avLst>
-          </a:prstGeom>
-          <a:solidFill>
-            <a:srgbClr val="FFFFFF"/>
-          </a:solidFill>
-          <a:ln w="3175" cap="rnd" cmpd="sng" algn="ctr">
-            <a:solidFill>
-              <a:srgbClr val="C0C0C0"/>
-            </a:solidFill>
-            <a:prstDash val="solid"/>
-          </a:ln>
-          <a:effectLst>
-            <a:outerShdw blurRad="63500" dist="38500" dir="7500000" sx="98500" sy="100080" kx="100000" algn="tl" rotWithShape="0">
-              <a:srgbClr val="000000">
-                <a:alpha val="25000"/>
-              </a:srgbClr>
-            </a:outerShdw>
-          </a:effectLst>
-        </p:spPr>
-        <p:style>
-          <a:lnRef idx="2">
-            <a:schemeClr val="accent1"/>
-          </a:lnRef>
-          <a:fillRef idx="1">
-            <a:schemeClr val="accent1"/>
-          </a:fillRef>
-          <a:effectRef idx="0">
-            <a:schemeClr val="accent1"/>
-          </a:effectRef>
-          <a:fontRef idx="minor">
-            <a:schemeClr val="lt1"/>
-          </a:fontRef>
-        </p:style>
-        <p:txBody>
-          <a:bodyPr rtlCol="0" anchor="ctr"/>
-          <a:lstStyle/>
-          <a:p>
-            <a:pPr algn="ctr" eaLnBrk="1" latinLnBrk="0" hangingPunct="1"/>
-            <a:endParaRPr kumimoji="0" lang="en-US"/>
-          </a:p>
-        </p:txBody>
-      </p:sp>
-      <p:sp>
-        <p:nvSpPr>
-          <p:cNvPr id="12" name="Right Triangle 11"/>
-          <p:cNvSpPr/>
-          <p:nvPr/>
-        </p:nvSpPr>
-        <p:spPr>
-          <a:xfrm rot="420000" flipV="1">
-            <a:off x="8004134" y="5359769"/>
-            <a:ext cx="155448" cy="155448"/>
-          </a:xfrm>
-          <a:prstGeom prst="rtTriangle">
-            <a:avLst/>
-          </a:prstGeom>
-          <a:solidFill>
-            <a:srgbClr val="FFFFFF"/>
-          </a:solidFill>
-          <a:ln w="12700" cap="flat" cmpd="sng" algn="ctr">
-            <a:solidFill>
-              <a:srgbClr val="FFFFFF"/>
-            </a:solidFill>
-            <a:prstDash val="solid"/>
-            <a:bevel/>
-          </a:ln>
-          <a:effectLst>
-            <a:outerShdw blurRad="19685" dist="6350" dir="12900000" algn="tl" rotWithShape="0">
-              <a:srgbClr val="000000">
-                <a:alpha val="47000"/>
-              </a:srgbClr>
-            </a:outerShdw>
-          </a:effectLst>
-        </p:spPr>
-        <p:style>
-          <a:lnRef idx="2">
-            <a:schemeClr val="accent1"/>
-          </a:lnRef>
-          <a:fillRef idx="1">
-            <a:schemeClr val="accent1"/>
-          </a:fillRef>
-          <a:effectRef idx="0">
-            <a:schemeClr val="accent1"/>
-          </a:effectRef>
-          <a:fontRef idx="minor">
-            <a:schemeClr val="lt1"/>
-          </a:fontRef>
-        </p:style>
-        <p:txBody>
-          <a:bodyPr rtlCol="0" anchor="ctr"/>
-          <a:lstStyle/>
-          <a:p>
-            <a:pPr algn="ctr" eaLnBrk="1" latinLnBrk="0" hangingPunct="1"/>
-            <a:endParaRPr kumimoji="0" lang="en-US"/>
-          </a:p>
-        </p:txBody>
-      </p:sp>
-      <p:sp>
-        <p:nvSpPr>
           <p:cNvPr id="2" name="Title 1"/>
           <p:cNvSpPr>
             <a:spLocks noGrp="1"/>
@@ -8255,20 +8437,16 @@
         </p:nvSpPr>
         <p:spPr>
           <a:xfrm>
-            <a:off x="609600" y="1176996"/>
-            <a:ext cx="2212848" cy="1582621"/>
+            <a:off x="5440434" y="1109160"/>
+            <a:ext cx="586803" cy="4681637"/>
           </a:xfrm>
         </p:spPr>
         <p:txBody>
-          <a:bodyPr vert="horz" lIns="45720" tIns="45720" rIns="45720" bIns="45720" anchor="b"/>
+          <a:bodyPr vert="vert270" lIns="45720" tIns="0" rIns="45720" anchor="t"/>
           <a:lstStyle>
-            <a:lvl1pPr algn="l">
+            <a:lvl1pPr algn="ctr">
               <a:buNone/>
-              <a:defRPr sz="2000" b="1">
-                <a:solidFill>
-                  <a:schemeClr val="tx2"/>
-                </a:solidFill>
-              </a:defRPr>
+              <a:defRPr sz="2000" b="1"/>
             </a:lvl1pPr>
           </a:lstStyle>
           <a:p>
@@ -8277,127 +8455,6 @@
               <a:t>Click to edit Master title style</a:t>
             </a:r>
             <a:endParaRPr kumimoji="0" lang="en-US"/>
-          </a:p>
-        </p:txBody>
-      </p:sp>
-      <p:sp>
-        <p:nvSpPr>
-          <p:cNvPr id="4" name="Text Placeholder 3"/>
-          <p:cNvSpPr>
-            <a:spLocks noGrp="1"/>
-          </p:cNvSpPr>
-          <p:nvPr>
-            <p:ph type="body" sz="half" idx="2"/>
-          </p:nvPr>
-        </p:nvSpPr>
-        <p:spPr>
-          <a:xfrm>
-            <a:off x="609600" y="2828785"/>
-            <a:ext cx="2209800" cy="2179320"/>
-          </a:xfrm>
-        </p:spPr>
-        <p:txBody>
-          <a:bodyPr lIns="64008" rIns="45720" bIns="45720" anchor="t"/>
-          <a:lstStyle>
-            <a:lvl1pPr marL="0" indent="0" algn="l">
-              <a:spcBef>
-                <a:spcPts val="250"/>
-              </a:spcBef>
-              <a:buFontTx/>
-              <a:buNone/>
-              <a:defRPr sz="1300"/>
-            </a:lvl1pPr>
-            <a:lvl2pPr>
-              <a:defRPr sz="1200"/>
-            </a:lvl2pPr>
-            <a:lvl3pPr>
-              <a:defRPr sz="1000"/>
-            </a:lvl3pPr>
-            <a:lvl4pPr>
-              <a:defRPr sz="900"/>
-            </a:lvl4pPr>
-            <a:lvl5pPr>
-              <a:defRPr sz="900"/>
-            </a:lvl5pPr>
-          </a:lstStyle>
-          <a:p>
-            <a:pPr lvl="0" eaLnBrk="1" latinLnBrk="0" hangingPunct="1"/>
-            <a:r>
-              <a:rPr kumimoji="0" lang="en-US" smtClean="0"/>
-              <a:t>Click to edit Master text styles</a:t>
-            </a:r>
-          </a:p>
-        </p:txBody>
-      </p:sp>
-      <p:sp>
-        <p:nvSpPr>
-          <p:cNvPr id="5" name="Date Placeholder 4"/>
-          <p:cNvSpPr>
-            <a:spLocks noGrp="1"/>
-          </p:cNvSpPr>
-          <p:nvPr>
-            <p:ph type="dt" sz="half" idx="10"/>
-          </p:nvPr>
-        </p:nvSpPr>
-        <p:spPr/>
-        <p:txBody>
-          <a:bodyPr/>
-          <a:lstStyle/>
-          <a:p>
-            <a:fld id="{F922158D-428B-4987-8B28-745A2AFA1252}" type="datetimeFigureOut">
-              <a:rPr lang="en-US" smtClean="0"/>
-              <a:pPr/>
-              <a:t>4/23/2012</a:t>
-            </a:fld>
-            <a:endParaRPr lang="en-US"/>
-          </a:p>
-        </p:txBody>
-      </p:sp>
-      <p:sp>
-        <p:nvSpPr>
-          <p:cNvPr id="6" name="Footer Placeholder 5"/>
-          <p:cNvSpPr>
-            <a:spLocks noGrp="1"/>
-          </p:cNvSpPr>
-          <p:nvPr>
-            <p:ph type="ftr" sz="quarter" idx="11"/>
-          </p:nvPr>
-        </p:nvSpPr>
-        <p:spPr/>
-        <p:txBody>
-          <a:bodyPr/>
-          <a:lstStyle/>
-          <a:p>
-            <a:endParaRPr lang="en-US"/>
-          </a:p>
-        </p:txBody>
-      </p:sp>
-      <p:sp>
-        <p:nvSpPr>
-          <p:cNvPr id="7" name="Slide Number Placeholder 6"/>
-          <p:cNvSpPr>
-            <a:spLocks noGrp="1"/>
-          </p:cNvSpPr>
-          <p:nvPr>
-            <p:ph type="sldNum" sz="quarter" idx="12"/>
-          </p:nvPr>
-        </p:nvSpPr>
-        <p:spPr>
-          <a:xfrm>
-            <a:off x="8077200" y="6356350"/>
-            <a:ext cx="609600" cy="365125"/>
-          </a:xfrm>
-        </p:spPr>
-        <p:txBody>
-          <a:bodyPr/>
-          <a:lstStyle/>
-          <a:p>
-            <a:fld id="{515FC477-0A05-4F3E-8EE9-E015C9089D56}" type="slidenum">
-              <a:rPr lang="en-US" smtClean="0"/>
-              <a:pPr/>
-              <a:t>‹#›</a:t>
-            </a:fld>
-            <a:endParaRPr lang="en-US"/>
           </a:p>
         </p:txBody>
       </p:sp>
@@ -8412,23 +8469,38 @@
           </p:nvPr>
         </p:nvSpPr>
         <p:spPr>
-          <a:xfrm rot="420000">
-            <a:off x="3485793" y="1199517"/>
-            <a:ext cx="4617720" cy="3931920"/>
+          <a:xfrm>
+            <a:off x="403671" y="1143000"/>
+            <a:ext cx="4572000" cy="4572000"/>
           </a:xfrm>
-          <a:prstGeom prst="rect">
-            <a:avLst/>
-          </a:prstGeom>
           <a:solidFill>
-            <a:schemeClr val="bg2"/>
+            <a:srgbClr val="EAEAEA"/>
           </a:solidFill>
-          <a:ln w="3000" cap="rnd">
+          <a:ln w="50800">
             <a:solidFill>
-              <a:srgbClr val="C0C0C0"/>
+              <a:srgbClr val="FFFFFF"/>
             </a:solidFill>
-            <a:round/>
+            <a:miter lim="800000"/>
           </a:ln>
-          <a:effectLst/>
+          <a:effectLst>
+            <a:outerShdw blurRad="57150" dist="31750" dir="4800000" algn="tl" rotWithShape="0">
+              <a:srgbClr val="000000">
+                <a:alpha val="25000"/>
+              </a:srgbClr>
+            </a:outerShdw>
+          </a:effectLst>
+          <a:scene3d>
+            <a:camera prst="orthographicFront"/>
+            <a:lightRig rig="twoPt" dir="t">
+              <a:rot lat="0" lon="0" rev="7200000"/>
+            </a:lightRig>
+          </a:scene3d>
+          <a:sp3d contourW="2540">
+            <a:bevelT w="25400" h="19050"/>
+            <a:contourClr>
+              <a:srgbClr val="AEAEAE"/>
+            </a:contourClr>
+          </a:sp3d>
         </p:spPr>
         <p:txBody>
           <a:bodyPr/>
@@ -8449,257 +8521,128 @@
       </p:sp>
       <p:sp>
         <p:nvSpPr>
-          <p:cNvPr id="10" name="Freeform 9"/>
+          <p:cNvPr id="4" name="Text Placeholder 3"/>
           <p:cNvSpPr>
-            <a:spLocks/>
+            <a:spLocks noGrp="1"/>
           </p:cNvSpPr>
-          <p:nvPr/>
-        </p:nvSpPr>
-        <p:spPr bwMode="auto">
-          <a:xfrm flipV="1">
-            <a:off x="-9525" y="5816600"/>
-            <a:ext cx="9163050" cy="1041400"/>
+          <p:nvPr>
+            <p:ph type="body" sz="half" idx="2"/>
+          </p:nvPr>
+        </p:nvSpPr>
+        <p:spPr>
+          <a:xfrm>
+            <a:off x="6088443" y="3274308"/>
+            <a:ext cx="2590800" cy="2516489"/>
           </a:xfrm>
-          <a:custGeom>
-            <a:avLst>
-              <a:gd name="A1" fmla="val 0"/>
-              <a:gd name="A2" fmla="val 0"/>
-              <a:gd name="A3" fmla="val 0"/>
-              <a:gd name="A4" fmla="val 0"/>
-              <a:gd name="A5" fmla="val 0"/>
-              <a:gd name="A6" fmla="val 0"/>
-              <a:gd name="A7" fmla="val 0"/>
-              <a:gd name="A8" fmla="val 0"/>
-            </a:avLst>
-            <a:gdLst/>
-            <a:ahLst/>
-            <a:cxnLst>
-              <a:cxn ang="0">
-                <a:pos x="6" y="2"/>
-              </a:cxn>
-              <a:cxn ang="0">
-                <a:pos x="2542" y="0"/>
-              </a:cxn>
-              <a:cxn ang="0">
-                <a:pos x="4374" y="367"/>
-              </a:cxn>
-              <a:cxn ang="0">
-                <a:pos x="5766" y="55"/>
-              </a:cxn>
-              <a:cxn ang="0">
-                <a:pos x="5772" y="213"/>
-              </a:cxn>
-              <a:cxn ang="0">
-                <a:pos x="4302" y="439"/>
-              </a:cxn>
-              <a:cxn ang="0">
-                <a:pos x="1488" y="201"/>
-              </a:cxn>
-              <a:cxn ang="0">
-                <a:pos x="0" y="656"/>
-              </a:cxn>
-              <a:cxn ang="0">
-                <a:pos x="6" y="2"/>
-              </a:cxn>
-            </a:cxnLst>
-            <a:rect l="0" t="0" r="0" b="0"/>
-            <a:pathLst>
-              <a:path w="5772" h="656">
-                <a:moveTo>
-                  <a:pt x="6" y="2"/>
-                </a:moveTo>
-                <a:lnTo>
-                  <a:pt x="2542" y="0"/>
-                </a:lnTo>
-                <a:cubicBezTo>
-                  <a:pt x="2746" y="101"/>
-                  <a:pt x="3828" y="367"/>
-                  <a:pt x="4374" y="367"/>
-                </a:cubicBezTo>
-                <a:cubicBezTo>
-                  <a:pt x="4920" y="367"/>
-                  <a:pt x="5526" y="152"/>
-                  <a:pt x="5766" y="55"/>
-                </a:cubicBezTo>
-                <a:lnTo>
-                  <a:pt x="5772" y="213"/>
-                </a:lnTo>
-                <a:cubicBezTo>
-                  <a:pt x="5670" y="257"/>
-                  <a:pt x="5016" y="441"/>
-                  <a:pt x="4302" y="439"/>
-                </a:cubicBezTo>
-                <a:cubicBezTo>
-                  <a:pt x="3588" y="437"/>
-                  <a:pt x="2205" y="165"/>
-                  <a:pt x="1488" y="201"/>
-                </a:cubicBezTo>
-                <a:cubicBezTo>
-                  <a:pt x="750" y="209"/>
-                  <a:pt x="270" y="482"/>
-                  <a:pt x="0" y="656"/>
-                </a:cubicBezTo>
-                <a:lnTo>
-                  <a:pt x="6" y="2"/>
-                </a:lnTo>
-                <a:close/>
-              </a:path>
-            </a:pathLst>
-          </a:custGeom>
-          <a:gradFill>
-            <a:gsLst>
-              <a:gs pos="0">
-                <a:schemeClr val="accent2">
-                  <a:shade val="50000"/>
-                  <a:alpha val="45000"/>
-                  <a:satMod val="120000"/>
-                </a:schemeClr>
-              </a:gs>
-              <a:gs pos="100000">
-                <a:schemeClr val="accent3">
-                  <a:shade val="80000"/>
-                  <a:alpha val="55000"/>
-                  <a:satMod val="155000"/>
-                </a:schemeClr>
-              </a:gs>
-            </a:gsLst>
-            <a:lin ang="5400000" scaled="1"/>
-          </a:gradFill>
-          <a:ln w="9525" cap="flat" cmpd="sng" algn="ctr">
-            <a:noFill/>
-            <a:prstDash val="solid"/>
-            <a:round/>
-            <a:headEnd type="none" w="med" len="med"/>
-            <a:tailEnd type="none" w="med" len="med"/>
-          </a:ln>
-          <a:effectLst/>
         </p:spPr>
         <p:txBody>
-          <a:bodyPr vert="horz" wrap="square" lIns="91440" tIns="45720" rIns="91440" bIns="45720" anchor="t" compatLnSpc="1"/>
+          <a:bodyPr lIns="0" tIns="0" rIns="45720" anchor="t"/>
+          <a:lstStyle>
+            <a:lvl1pPr marL="0" indent="0">
+              <a:lnSpc>
+                <a:spcPct val="100000"/>
+              </a:lnSpc>
+              <a:spcBef>
+                <a:spcPts val="0"/>
+              </a:spcBef>
+              <a:buFontTx/>
+              <a:buNone/>
+              <a:defRPr sz="1300"/>
+            </a:lvl1pPr>
+            <a:lvl2pPr>
+              <a:buFontTx/>
+              <a:buNone/>
+              <a:defRPr sz="1200"/>
+            </a:lvl2pPr>
+            <a:lvl3pPr>
+              <a:buFontTx/>
+              <a:buNone/>
+              <a:defRPr sz="1000"/>
+            </a:lvl3pPr>
+            <a:lvl4pPr>
+              <a:buFontTx/>
+              <a:buNone/>
+              <a:defRPr sz="900"/>
+            </a:lvl4pPr>
+            <a:lvl5pPr>
+              <a:buFontTx/>
+              <a:buNone/>
+              <a:defRPr sz="900"/>
+            </a:lvl5pPr>
+          </a:lstStyle>
+          <a:p>
+            <a:pPr lvl="0" eaLnBrk="1" latinLnBrk="0" hangingPunct="1"/>
+            <a:r>
+              <a:rPr kumimoji="0" lang="en-US" smtClean="0"/>
+              <a:t>Click to edit Master text styles</a:t>
+            </a:r>
+          </a:p>
+        </p:txBody>
+      </p:sp>
+      <p:sp>
+        <p:nvSpPr>
+          <p:cNvPr id="5" name="Date Placeholder 4"/>
+          <p:cNvSpPr>
+            <a:spLocks noGrp="1"/>
+          </p:cNvSpPr>
+          <p:nvPr>
+            <p:ph type="dt" sz="half" idx="10"/>
+          </p:nvPr>
+        </p:nvSpPr>
+        <p:spPr/>
+        <p:txBody>
+          <a:bodyPr/>
           <a:lstStyle/>
           <a:p>
-            <a:pPr marL="0" algn="l" rtl="0" eaLnBrk="1" latinLnBrk="0" hangingPunct="1"/>
-            <a:endParaRPr kumimoji="0" lang="en-US">
-              <a:solidFill>
-                <a:schemeClr val="tx1"/>
-              </a:solidFill>
-              <a:latin typeface="+mn-lt"/>
-              <a:ea typeface="+mn-ea"/>
-              <a:cs typeface="+mn-cs"/>
-            </a:endParaRPr>
+            <a:fld id="{F922158D-428B-4987-8B28-745A2AFA1252}" type="datetimeFigureOut">
+              <a:rPr lang="en-US" smtClean="0"/>
+              <a:pPr/>
+              <a:t>4/23/2012</a:t>
+            </a:fld>
+            <a:endParaRPr lang="en-US"/>
           </a:p>
         </p:txBody>
       </p:sp>
       <p:sp>
         <p:nvSpPr>
-          <p:cNvPr id="11" name="Freeform 10"/>
+          <p:cNvPr id="6" name="Footer Placeholder 5"/>
           <p:cNvSpPr>
-            <a:spLocks/>
+            <a:spLocks noGrp="1"/>
           </p:cNvSpPr>
-          <p:nvPr/>
-        </p:nvSpPr>
-        <p:spPr bwMode="auto">
-          <a:xfrm flipV="1">
-            <a:off x="4381500" y="6219825"/>
-            <a:ext cx="4762500" cy="638175"/>
-          </a:xfrm>
-          <a:custGeom>
-            <a:avLst>
-              <a:gd name="A1" fmla="val 0"/>
-              <a:gd name="A2" fmla="val 0"/>
-              <a:gd name="A3" fmla="val 0"/>
-              <a:gd name="A4" fmla="val 0"/>
-              <a:gd name="A5" fmla="val 0"/>
-              <a:gd name="A6" fmla="val 0"/>
-              <a:gd name="A7" fmla="val 0"/>
-              <a:gd name="A8" fmla="val 0"/>
-            </a:avLst>
-            <a:gdLst/>
-            <a:ahLst/>
-            <a:cxnLst>
-              <a:cxn ang="0">
-                <a:pos x="0" y="0"/>
-              </a:cxn>
-              <a:cxn ang="0">
-                <a:pos x="1668" y="564"/>
-              </a:cxn>
-              <a:cxn ang="0">
-                <a:pos x="3000" y="186"/>
-              </a:cxn>
-              <a:cxn ang="0">
-                <a:pos x="3000" y="6"/>
-              </a:cxn>
-              <a:cxn ang="0">
-                <a:pos x="0" y="0"/>
-              </a:cxn>
-            </a:cxnLst>
-            <a:rect l="0" t="0" r="0" b="0"/>
-            <a:pathLst>
-              <a:path w="3000" h="595">
-                <a:moveTo>
-                  <a:pt x="0" y="0"/>
-                </a:moveTo>
-                <a:cubicBezTo>
-                  <a:pt x="174" y="102"/>
-                  <a:pt x="1168" y="533"/>
-                  <a:pt x="1668" y="564"/>
-                </a:cubicBezTo>
-                <a:cubicBezTo>
-                  <a:pt x="2168" y="595"/>
-                  <a:pt x="2778" y="279"/>
-                  <a:pt x="3000" y="186"/>
-                </a:cubicBezTo>
-                <a:lnTo>
-                  <a:pt x="3000" y="6"/>
-                </a:lnTo>
-                <a:lnTo>
-                  <a:pt x="0" y="0"/>
-                </a:lnTo>
-                <a:close/>
-              </a:path>
-            </a:pathLst>
-          </a:custGeom>
-          <a:gradFill>
-            <a:gsLst>
-              <a:gs pos="0">
-                <a:schemeClr val="accent3">
-                  <a:shade val="50000"/>
-                  <a:alpha val="30000"/>
-                  <a:satMod val="130000"/>
-                </a:schemeClr>
-              </a:gs>
-              <a:gs pos="80000">
-                <a:schemeClr val="accent2">
-                  <a:shade val="75000"/>
-                  <a:alpha val="45000"/>
-                  <a:satMod val="140000"/>
-                </a:schemeClr>
-              </a:gs>
-            </a:gsLst>
-            <a:lin ang="5400000" scaled="1"/>
-          </a:gradFill>
-          <a:ln w="9525" cap="flat" cmpd="sng" algn="ctr">
-            <a:noFill/>
-            <a:prstDash val="solid"/>
-            <a:round/>
-            <a:headEnd type="none" w="med" len="med"/>
-            <a:tailEnd type="none" w="med" len="med"/>
-          </a:ln>
-          <a:effectLst/>
-        </p:spPr>
+          <p:nvPr>
+            <p:ph type="ftr" sz="quarter" idx="11"/>
+          </p:nvPr>
+        </p:nvSpPr>
+        <p:spPr/>
         <p:txBody>
-          <a:bodyPr vert="horz" wrap="square" lIns="91440" tIns="45720" rIns="91440" bIns="45720" anchor="t" compatLnSpc="1"/>
+          <a:bodyPr/>
           <a:lstStyle/>
           <a:p>
-            <a:pPr marL="0" algn="l" rtl="0" eaLnBrk="1" latinLnBrk="0" hangingPunct="1"/>
-            <a:endParaRPr kumimoji="0" lang="en-US">
-              <a:solidFill>
-                <a:schemeClr val="tx1"/>
-              </a:solidFill>
-              <a:latin typeface="+mn-lt"/>
-              <a:ea typeface="+mn-ea"/>
-              <a:cs typeface="+mn-cs"/>
-            </a:endParaRPr>
+            <a:endParaRPr lang="en-US"/>
+          </a:p>
+        </p:txBody>
+      </p:sp>
+      <p:sp>
+        <p:nvSpPr>
+          <p:cNvPr id="7" name="Slide Number Placeholder 6"/>
+          <p:cNvSpPr>
+            <a:spLocks noGrp="1"/>
+          </p:cNvSpPr>
+          <p:nvPr>
+            <p:ph type="sldNum" sz="quarter" idx="12"/>
+          </p:nvPr>
+        </p:nvSpPr>
+        <p:spPr/>
+        <p:txBody>
+          <a:bodyPr/>
+          <a:lstStyle/>
+          <a:p>
+            <a:fld id="{515FC477-0A05-4F3E-8EE9-E015C9089D56}" type="slidenum">
+              <a:rPr lang="en-US" smtClean="0"/>
+              <a:pPr/>
+              <a:t>‹#›</a:t>
+            </a:fld>
+            <a:endParaRPr lang="en-US"/>
           </a:p>
         </p:txBody>
       </p:sp>
@@ -8725,7 +8668,7 @@
 <p:sldMaster xmlns:a="http://schemas.openxmlformats.org/drawingml/2006/main" xmlns:r="http://schemas.openxmlformats.org/officeDocument/2006/relationships" xmlns:p="http://schemas.openxmlformats.org/presentationml/2006/main">
   <p:cSld>
     <p:bg>
-      <p:bgRef idx="1003">
+      <p:bgRef idx="1001">
         <a:schemeClr val="bg1"/>
       </p:bgRef>
     </p:bg>
@@ -8745,263 +8688,625 @@
       </p:grpSpPr>
       <p:sp>
         <p:nvSpPr>
-          <p:cNvPr id="7" name="Freeform 6"/>
-          <p:cNvSpPr>
-            <a:spLocks/>
-          </p:cNvSpPr>
+          <p:cNvPr id="28" name="Rectangle 27"/>
+          <p:cNvSpPr/>
           <p:nvPr/>
         </p:nvSpPr>
-        <p:spPr bwMode="auto">
+        <p:spPr>
           <a:xfrm>
-            <a:off x="-9525" y="-7144"/>
-            <a:ext cx="9163050" cy="1041400"/>
+            <a:off x="1" y="366818"/>
+            <a:ext cx="9144000" cy="84407"/>
           </a:xfrm>
-          <a:custGeom>
-            <a:avLst>
-              <a:gd name="A1" fmla="val 0"/>
-              <a:gd name="A2" fmla="val 0"/>
-              <a:gd name="A3" fmla="val 0"/>
-              <a:gd name="A4" fmla="val 0"/>
-              <a:gd name="A5" fmla="val 0"/>
-              <a:gd name="A6" fmla="val 0"/>
-              <a:gd name="A7" fmla="val 0"/>
-              <a:gd name="A8" fmla="val 0"/>
-            </a:avLst>
-            <a:gdLst/>
-            <a:ahLst/>
-            <a:cxnLst>
-              <a:cxn ang="0">
-                <a:pos x="6" y="2"/>
-              </a:cxn>
-              <a:cxn ang="0">
-                <a:pos x="2542" y="0"/>
-              </a:cxn>
-              <a:cxn ang="0">
-                <a:pos x="4374" y="367"/>
-              </a:cxn>
-              <a:cxn ang="0">
-                <a:pos x="5766" y="55"/>
-              </a:cxn>
-              <a:cxn ang="0">
-                <a:pos x="5772" y="213"/>
-              </a:cxn>
-              <a:cxn ang="0">
-                <a:pos x="4302" y="439"/>
-              </a:cxn>
-              <a:cxn ang="0">
-                <a:pos x="1488" y="201"/>
-              </a:cxn>
-              <a:cxn ang="0">
-                <a:pos x="0" y="656"/>
-              </a:cxn>
-              <a:cxn ang="0">
-                <a:pos x="6" y="2"/>
-              </a:cxn>
-            </a:cxnLst>
-            <a:rect l="0" t="0" r="0" b="0"/>
-            <a:pathLst>
-              <a:path w="5772" h="656">
-                <a:moveTo>
-                  <a:pt x="6" y="2"/>
-                </a:moveTo>
-                <a:lnTo>
-                  <a:pt x="2542" y="0"/>
-                </a:lnTo>
-                <a:cubicBezTo>
-                  <a:pt x="2746" y="101"/>
-                  <a:pt x="3828" y="367"/>
-                  <a:pt x="4374" y="367"/>
-                </a:cubicBezTo>
-                <a:cubicBezTo>
-                  <a:pt x="4920" y="367"/>
-                  <a:pt x="5526" y="152"/>
-                  <a:pt x="5766" y="55"/>
-                </a:cubicBezTo>
-                <a:lnTo>
-                  <a:pt x="5772" y="213"/>
-                </a:lnTo>
-                <a:cubicBezTo>
-                  <a:pt x="5670" y="257"/>
-                  <a:pt x="5016" y="441"/>
-                  <a:pt x="4302" y="439"/>
-                </a:cubicBezTo>
-                <a:cubicBezTo>
-                  <a:pt x="3588" y="437"/>
-                  <a:pt x="2205" y="165"/>
-                  <a:pt x="1488" y="201"/>
-                </a:cubicBezTo>
-                <a:cubicBezTo>
-                  <a:pt x="750" y="209"/>
-                  <a:pt x="270" y="482"/>
-                  <a:pt x="0" y="656"/>
-                </a:cubicBezTo>
-                <a:lnTo>
-                  <a:pt x="6" y="2"/>
-                </a:lnTo>
-                <a:close/>
-              </a:path>
-            </a:pathLst>
-          </a:custGeom>
-          <a:gradFill>
-            <a:gsLst>
-              <a:gs pos="0">
-                <a:schemeClr val="accent2">
-                  <a:shade val="50000"/>
-                  <a:alpha val="45000"/>
-                  <a:satMod val="120000"/>
-                </a:schemeClr>
-              </a:gs>
-              <a:gs pos="100000">
-                <a:schemeClr val="accent3">
-                  <a:shade val="80000"/>
-                  <a:alpha val="55000"/>
-                  <a:satMod val="155000"/>
-                </a:schemeClr>
-              </a:gs>
-            </a:gsLst>
-            <a:lin ang="5400000" scaled="1"/>
-          </a:gradFill>
-          <a:ln w="9525" cap="flat" cmpd="sng" algn="ctr">
+          <a:prstGeom prst="rect">
+            <a:avLst/>
+          </a:prstGeom>
+          <a:solidFill>
+            <a:schemeClr val="accent2">
+              <a:alpha val="50000"/>
+            </a:schemeClr>
+          </a:solidFill>
+          <a:ln w="50800" cap="rnd" cmpd="thickThin" algn="ctr">
             <a:noFill/>
             <a:prstDash val="solid"/>
-            <a:round/>
-            <a:headEnd type="none" w="med" len="med"/>
-            <a:tailEnd type="none" w="med" len="med"/>
           </a:ln>
           <a:effectLst/>
         </p:spPr>
+        <p:style>
+          <a:lnRef idx="3">
+            <a:schemeClr val="lt1"/>
+          </a:lnRef>
+          <a:fillRef idx="1">
+            <a:schemeClr val="accent1"/>
+          </a:fillRef>
+          <a:effectRef idx="1">
+            <a:schemeClr val="accent1"/>
+          </a:effectRef>
+          <a:fontRef idx="minor">
+            <a:schemeClr val="lt1"/>
+          </a:fontRef>
+        </p:style>
         <p:txBody>
-          <a:bodyPr vert="horz" wrap="square" lIns="91440" tIns="45720" rIns="91440" bIns="45720" anchor="t" compatLnSpc="1"/>
+          <a:bodyPr anchor="ctr"/>
           <a:lstStyle/>
           <a:p>
-            <a:pPr marL="0" algn="l" rtl="0" eaLnBrk="1" latinLnBrk="0" hangingPunct="1"/>
-            <a:endParaRPr kumimoji="0" lang="en-US">
-              <a:solidFill>
-                <a:schemeClr val="tx1"/>
-              </a:solidFill>
-              <a:latin typeface="+mn-lt"/>
-              <a:ea typeface="+mn-ea"/>
-              <a:cs typeface="+mn-cs"/>
-            </a:endParaRPr>
+            <a:pPr algn="ctr" eaLnBrk="1" latinLnBrk="0" hangingPunct="1"/>
+            <a:endParaRPr kumimoji="0" lang="en-US"/>
           </a:p>
         </p:txBody>
       </p:sp>
       <p:sp>
         <p:nvSpPr>
-          <p:cNvPr id="8" name="Freeform 7"/>
-          <p:cNvSpPr>
-            <a:spLocks/>
-          </p:cNvSpPr>
+          <p:cNvPr id="29" name="Rectangle 28"/>
+          <p:cNvSpPr/>
           <p:nvPr/>
         </p:nvSpPr>
-        <p:spPr bwMode="auto">
+        <p:spPr>
           <a:xfrm>
-            <a:off x="4381500" y="-7144"/>
-            <a:ext cx="4762500" cy="638175"/>
+            <a:off x="0" y="-1"/>
+            <a:ext cx="9144000" cy="310663"/>
           </a:xfrm>
-          <a:custGeom>
-            <a:avLst>
-              <a:gd name="A1" fmla="val 0"/>
-              <a:gd name="A2" fmla="val 0"/>
-              <a:gd name="A3" fmla="val 0"/>
-              <a:gd name="A4" fmla="val 0"/>
-              <a:gd name="A5" fmla="val 0"/>
-              <a:gd name="A6" fmla="val 0"/>
-              <a:gd name="A7" fmla="val 0"/>
-              <a:gd name="A8" fmla="val 0"/>
-            </a:avLst>
-            <a:gdLst/>
-            <a:ahLst/>
-            <a:cxnLst>
-              <a:cxn ang="0">
-                <a:pos x="0" y="0"/>
-              </a:cxn>
-              <a:cxn ang="0">
-                <a:pos x="1668" y="564"/>
-              </a:cxn>
-              <a:cxn ang="0">
-                <a:pos x="3000" y="186"/>
-              </a:cxn>
-              <a:cxn ang="0">
-                <a:pos x="3000" y="6"/>
-              </a:cxn>
-              <a:cxn ang="0">
-                <a:pos x="0" y="0"/>
-              </a:cxn>
-            </a:cxnLst>
-            <a:rect l="0" t="0" r="0" b="0"/>
-            <a:pathLst>
-              <a:path w="3000" h="595">
-                <a:moveTo>
-                  <a:pt x="0" y="0"/>
-                </a:moveTo>
-                <a:cubicBezTo>
-                  <a:pt x="174" y="102"/>
-                  <a:pt x="1168" y="533"/>
-                  <a:pt x="1668" y="564"/>
-                </a:cubicBezTo>
-                <a:cubicBezTo>
-                  <a:pt x="2168" y="595"/>
-                  <a:pt x="2778" y="279"/>
-                  <a:pt x="3000" y="186"/>
-                </a:cubicBezTo>
-                <a:lnTo>
-                  <a:pt x="3000" y="6"/>
-                </a:lnTo>
-                <a:lnTo>
-                  <a:pt x="0" y="0"/>
-                </a:lnTo>
-                <a:close/>
-              </a:path>
-            </a:pathLst>
-          </a:custGeom>
-          <a:gradFill>
-            <a:gsLst>
-              <a:gs pos="0">
-                <a:schemeClr val="accent3">
-                  <a:shade val="50000"/>
-                  <a:alpha val="30000"/>
-                  <a:satMod val="130000"/>
-                </a:schemeClr>
-              </a:gs>
-              <a:gs pos="80000">
-                <a:schemeClr val="accent2">
-                  <a:shade val="75000"/>
-                  <a:alpha val="45000"/>
-                  <a:satMod val="140000"/>
-                </a:schemeClr>
-              </a:gs>
-            </a:gsLst>
-            <a:lin ang="5400000" scaled="1"/>
-          </a:gradFill>
-          <a:ln w="9525" cap="flat" cmpd="sng" algn="ctr">
+          <a:prstGeom prst="rect">
+            <a:avLst/>
+          </a:prstGeom>
+          <a:solidFill>
+            <a:schemeClr val="tx2">
+              <a:alpha val="100000"/>
+            </a:schemeClr>
+          </a:solidFill>
+          <a:ln w="50800" cap="rnd" cmpd="thickThin" algn="ctr">
             <a:noFill/>
             <a:prstDash val="solid"/>
-            <a:round/>
-            <a:headEnd type="none" w="med" len="med"/>
-            <a:tailEnd type="none" w="med" len="med"/>
           </a:ln>
           <a:effectLst/>
         </p:spPr>
+        <p:style>
+          <a:lnRef idx="3">
+            <a:schemeClr val="lt1"/>
+          </a:lnRef>
+          <a:fillRef idx="1">
+            <a:schemeClr val="accent1"/>
+          </a:fillRef>
+          <a:effectRef idx="1">
+            <a:schemeClr val="accent1"/>
+          </a:effectRef>
+          <a:fontRef idx="minor">
+            <a:schemeClr val="lt1"/>
+          </a:fontRef>
+        </p:style>
         <p:txBody>
-          <a:bodyPr vert="horz" wrap="square" lIns="91440" tIns="45720" rIns="91440" bIns="45720" anchor="t" compatLnSpc="1"/>
+          <a:bodyPr anchor="ctr"/>
           <a:lstStyle/>
           <a:p>
-            <a:pPr marL="0" algn="l" rtl="0" eaLnBrk="1" latinLnBrk="0" hangingPunct="1"/>
-            <a:endParaRPr kumimoji="0" lang="en-US">
-              <a:solidFill>
-                <a:schemeClr val="tx1"/>
-              </a:solidFill>
-              <a:latin typeface="+mn-lt"/>
-              <a:ea typeface="+mn-ea"/>
-              <a:cs typeface="+mn-cs"/>
-            </a:endParaRPr>
+            <a:pPr algn="ctr" eaLnBrk="1" latinLnBrk="0" hangingPunct="1"/>
+            <a:endParaRPr kumimoji="0" lang="en-US"/>
           </a:p>
         </p:txBody>
       </p:sp>
       <p:sp>
         <p:nvSpPr>
-          <p:cNvPr id="9" name="Title Placeholder 8"/>
+          <p:cNvPr id="30" name="Rectangle 29"/>
+          <p:cNvSpPr/>
+          <p:nvPr/>
+        </p:nvSpPr>
+        <p:spPr>
+          <a:xfrm>
+            <a:off x="0" y="308276"/>
+            <a:ext cx="9144001" cy="91441"/>
+          </a:xfrm>
+          <a:prstGeom prst="rect">
+            <a:avLst/>
+          </a:prstGeom>
+          <a:solidFill>
+            <a:schemeClr val="accent2">
+              <a:alpha val="100000"/>
+            </a:schemeClr>
+          </a:solidFill>
+          <a:ln w="50800" cap="rnd" cmpd="thickThin" algn="ctr">
+            <a:noFill/>
+            <a:prstDash val="solid"/>
+          </a:ln>
+          <a:effectLst/>
+        </p:spPr>
+        <p:style>
+          <a:lnRef idx="3">
+            <a:schemeClr val="lt1"/>
+          </a:lnRef>
+          <a:fillRef idx="1">
+            <a:schemeClr val="accent1"/>
+          </a:fillRef>
+          <a:effectRef idx="1">
+            <a:schemeClr val="accent1"/>
+          </a:effectRef>
+          <a:fontRef idx="minor">
+            <a:schemeClr val="lt1"/>
+          </a:fontRef>
+        </p:style>
+        <p:txBody>
+          <a:bodyPr anchor="ctr"/>
+          <a:lstStyle/>
+          <a:p>
+            <a:pPr algn="ctr" eaLnBrk="1" latinLnBrk="0" hangingPunct="1"/>
+            <a:endParaRPr kumimoji="0" lang="en-US"/>
+          </a:p>
+        </p:txBody>
+      </p:sp>
+      <p:sp>
+        <p:nvSpPr>
+          <p:cNvPr id="31" name="Rectangle 30"/>
+          <p:cNvSpPr/>
+          <p:nvPr/>
+        </p:nvSpPr>
+        <p:spPr>
+          <a:xfrm flipV="1">
+            <a:off x="5410182" y="360246"/>
+            <a:ext cx="3733819" cy="91087"/>
+          </a:xfrm>
+          <a:prstGeom prst="rect">
+            <a:avLst/>
+          </a:prstGeom>
+          <a:solidFill>
+            <a:schemeClr val="accent2">
+              <a:alpha val="100000"/>
+            </a:schemeClr>
+          </a:solidFill>
+          <a:ln w="50800" cap="rnd" cmpd="thickThin" algn="ctr">
+            <a:noFill/>
+            <a:prstDash val="solid"/>
+          </a:ln>
+          <a:effectLst/>
+        </p:spPr>
+        <p:style>
+          <a:lnRef idx="3">
+            <a:schemeClr val="lt1"/>
+          </a:lnRef>
+          <a:fillRef idx="1">
+            <a:schemeClr val="accent1"/>
+          </a:fillRef>
+          <a:effectRef idx="1">
+            <a:schemeClr val="accent1"/>
+          </a:effectRef>
+          <a:fontRef idx="minor">
+            <a:schemeClr val="lt1"/>
+          </a:fontRef>
+        </p:style>
+        <p:txBody>
+          <a:bodyPr anchor="ctr"/>
+          <a:lstStyle/>
+          <a:p>
+            <a:pPr algn="ctr" eaLnBrk="1" latinLnBrk="0" hangingPunct="1"/>
+            <a:endParaRPr kumimoji="0" lang="en-US"/>
+          </a:p>
+        </p:txBody>
+      </p:sp>
+      <p:sp>
+        <p:nvSpPr>
+          <p:cNvPr id="32" name="Rectangle 31"/>
+          <p:cNvSpPr/>
+          <p:nvPr/>
+        </p:nvSpPr>
+        <p:spPr>
+          <a:xfrm flipV="1">
+            <a:off x="5410200" y="440112"/>
+            <a:ext cx="3733801" cy="180035"/>
+          </a:xfrm>
+          <a:prstGeom prst="rect">
+            <a:avLst/>
+          </a:prstGeom>
+          <a:solidFill>
+            <a:schemeClr val="accent2">
+              <a:alpha val="50000"/>
+            </a:schemeClr>
+          </a:solidFill>
+          <a:ln w="50800" cap="rnd" cmpd="thickThin" algn="ctr">
+            <a:noFill/>
+            <a:prstDash val="solid"/>
+          </a:ln>
+          <a:effectLst/>
+        </p:spPr>
+        <p:style>
+          <a:lnRef idx="3">
+            <a:schemeClr val="lt1"/>
+          </a:lnRef>
+          <a:fillRef idx="1">
+            <a:schemeClr val="accent1"/>
+          </a:fillRef>
+          <a:effectRef idx="1">
+            <a:schemeClr val="accent1"/>
+          </a:effectRef>
+          <a:fontRef idx="minor">
+            <a:schemeClr val="lt1"/>
+          </a:fontRef>
+        </p:style>
+        <p:txBody>
+          <a:bodyPr anchor="ctr"/>
+          <a:lstStyle/>
+          <a:p>
+            <a:pPr algn="ctr" eaLnBrk="1" latinLnBrk="0" hangingPunct="1"/>
+            <a:endParaRPr kumimoji="0" lang="en-US"/>
+          </a:p>
+        </p:txBody>
+      </p:sp>
+      <p:sp useBgFill="1">
+        <p:nvSpPr>
+          <p:cNvPr id="33" name="Rounded Rectangle 32"/>
+          <p:cNvSpPr/>
+          <p:nvPr/>
+        </p:nvSpPr>
+        <p:spPr bwMode="white">
+          <a:xfrm>
+            <a:off x="5407339" y="497504"/>
+            <a:ext cx="3063240" cy="27432"/>
+          </a:xfrm>
+          <a:prstGeom prst="roundRect">
+            <a:avLst>
+              <a:gd name="adj" fmla="val 16667"/>
+            </a:avLst>
+          </a:prstGeom>
+          <a:ln w="50800" cap="rnd" cmpd="thickThin" algn="ctr">
+            <a:noFill/>
+            <a:prstDash val="solid"/>
+          </a:ln>
+          <a:effectLst/>
+        </p:spPr>
+        <p:style>
+          <a:lnRef idx="3">
+            <a:schemeClr val="lt1"/>
+          </a:lnRef>
+          <a:fillRef idx="1">
+            <a:schemeClr val="accent1"/>
+          </a:fillRef>
+          <a:effectRef idx="1">
+            <a:schemeClr val="accent1"/>
+          </a:effectRef>
+          <a:fontRef idx="minor">
+            <a:schemeClr val="lt1"/>
+          </a:fontRef>
+        </p:style>
+        <p:txBody>
+          <a:bodyPr anchor="ctr"/>
+          <a:lstStyle/>
+          <a:p>
+            <a:pPr algn="ctr" eaLnBrk="1" latinLnBrk="0" hangingPunct="1"/>
+            <a:endParaRPr kumimoji="0" lang="en-US"/>
+          </a:p>
+        </p:txBody>
+      </p:sp>
+      <p:sp useBgFill="1">
+        <p:nvSpPr>
+          <p:cNvPr id="34" name="Rounded Rectangle 33"/>
+          <p:cNvSpPr/>
+          <p:nvPr/>
+        </p:nvSpPr>
+        <p:spPr bwMode="white">
+          <a:xfrm>
+            <a:off x="7373646" y="588943"/>
+            <a:ext cx="1600200" cy="36576"/>
+          </a:xfrm>
+          <a:prstGeom prst="roundRect">
+            <a:avLst>
+              <a:gd name="adj" fmla="val 16667"/>
+            </a:avLst>
+          </a:prstGeom>
+          <a:ln w="50800" cap="rnd" cmpd="thickThin" algn="ctr">
+            <a:noFill/>
+            <a:prstDash val="solid"/>
+          </a:ln>
+          <a:effectLst/>
+        </p:spPr>
+        <p:style>
+          <a:lnRef idx="3">
+            <a:schemeClr val="lt1"/>
+          </a:lnRef>
+          <a:fillRef idx="1">
+            <a:schemeClr val="accent1"/>
+          </a:fillRef>
+          <a:effectRef idx="1">
+            <a:schemeClr val="accent1"/>
+          </a:effectRef>
+          <a:fontRef idx="minor">
+            <a:schemeClr val="lt1"/>
+          </a:fontRef>
+        </p:style>
+        <p:txBody>
+          <a:bodyPr anchor="ctr"/>
+          <a:lstStyle/>
+          <a:p>
+            <a:pPr algn="ctr" eaLnBrk="1" latinLnBrk="0" hangingPunct="1"/>
+            <a:endParaRPr kumimoji="0" lang="en-US"/>
+          </a:p>
+        </p:txBody>
+      </p:sp>
+      <p:sp>
+        <p:nvSpPr>
+          <p:cNvPr id="35" name="Rectangle 34"/>
+          <p:cNvSpPr/>
+          <p:nvPr/>
+        </p:nvSpPr>
+        <p:spPr bwMode="invGray">
+          <a:xfrm>
+            <a:off x="9084966" y="-2001"/>
+            <a:ext cx="57626" cy="621792"/>
+          </a:xfrm>
+          <a:prstGeom prst="rect">
+            <a:avLst/>
+          </a:prstGeom>
+          <a:solidFill>
+            <a:srgbClr val="FFFFFF">
+              <a:alpha val="65098"/>
+            </a:srgbClr>
+          </a:solidFill>
+          <a:ln w="50800" cap="rnd" cmpd="thickThin" algn="ctr">
+            <a:noFill/>
+            <a:prstDash val="solid"/>
+          </a:ln>
+          <a:effectLst/>
+        </p:spPr>
+        <p:style>
+          <a:lnRef idx="3">
+            <a:schemeClr val="lt1"/>
+          </a:lnRef>
+          <a:fillRef idx="1">
+            <a:schemeClr val="accent1"/>
+          </a:fillRef>
+          <a:effectRef idx="1">
+            <a:schemeClr val="accent1"/>
+          </a:effectRef>
+          <a:fontRef idx="minor">
+            <a:schemeClr val="lt1"/>
+          </a:fontRef>
+        </p:style>
+        <p:txBody>
+          <a:bodyPr anchor="ctr"/>
+          <a:lstStyle/>
+          <a:p>
+            <a:pPr algn="ctr" eaLnBrk="1" latinLnBrk="0" hangingPunct="1"/>
+            <a:endParaRPr kumimoji="0" lang="en-US" dirty="0"/>
+          </a:p>
+        </p:txBody>
+      </p:sp>
+      <p:sp>
+        <p:nvSpPr>
+          <p:cNvPr id="36" name="Rectangle 35"/>
+          <p:cNvSpPr/>
+          <p:nvPr/>
+        </p:nvSpPr>
+        <p:spPr bwMode="invGray">
+          <a:xfrm>
+            <a:off x="9044481" y="-2001"/>
+            <a:ext cx="27432" cy="621792"/>
+          </a:xfrm>
+          <a:prstGeom prst="rect">
+            <a:avLst/>
+          </a:prstGeom>
+          <a:solidFill>
+            <a:srgbClr val="FFFFFF">
+              <a:alpha val="65098"/>
+            </a:srgbClr>
+          </a:solidFill>
+          <a:ln w="50800" cap="rnd" cmpd="thickThin" algn="ctr">
+            <a:noFill/>
+            <a:prstDash val="solid"/>
+          </a:ln>
+          <a:effectLst/>
+        </p:spPr>
+        <p:style>
+          <a:lnRef idx="3">
+            <a:schemeClr val="lt1"/>
+          </a:lnRef>
+          <a:fillRef idx="1">
+            <a:schemeClr val="accent1"/>
+          </a:fillRef>
+          <a:effectRef idx="1">
+            <a:schemeClr val="accent1"/>
+          </a:effectRef>
+          <a:fontRef idx="minor">
+            <a:schemeClr val="lt1"/>
+          </a:fontRef>
+        </p:style>
+        <p:txBody>
+          <a:bodyPr anchor="ctr"/>
+          <a:lstStyle/>
+          <a:p>
+            <a:pPr algn="ctr" eaLnBrk="1" latinLnBrk="0" hangingPunct="1"/>
+            <a:endParaRPr kumimoji="0" lang="en-US" dirty="0"/>
+          </a:p>
+        </p:txBody>
+      </p:sp>
+      <p:sp>
+        <p:nvSpPr>
+          <p:cNvPr id="37" name="Rectangle 36"/>
+          <p:cNvSpPr/>
+          <p:nvPr/>
+        </p:nvSpPr>
+        <p:spPr bwMode="invGray">
+          <a:xfrm>
+            <a:off x="9025428" y="-2001"/>
+            <a:ext cx="9144" cy="621792"/>
+          </a:xfrm>
+          <a:prstGeom prst="rect">
+            <a:avLst/>
+          </a:prstGeom>
+          <a:solidFill>
+            <a:srgbClr val="FFFFFF">
+              <a:alpha val="60000"/>
+            </a:srgbClr>
+          </a:solidFill>
+          <a:ln w="50800" cap="rnd" cmpd="thickThin" algn="ctr">
+            <a:noFill/>
+            <a:prstDash val="solid"/>
+          </a:ln>
+          <a:effectLst/>
+        </p:spPr>
+        <p:style>
+          <a:lnRef idx="3">
+            <a:schemeClr val="lt1"/>
+          </a:lnRef>
+          <a:fillRef idx="1">
+            <a:schemeClr val="accent1"/>
+          </a:fillRef>
+          <a:effectRef idx="1">
+            <a:schemeClr val="accent1"/>
+          </a:effectRef>
+          <a:fontRef idx="minor">
+            <a:schemeClr val="lt1"/>
+          </a:fontRef>
+        </p:style>
+        <p:txBody>
+          <a:bodyPr anchor="ctr"/>
+          <a:lstStyle/>
+          <a:p>
+            <a:pPr algn="ctr" eaLnBrk="1" latinLnBrk="0" hangingPunct="1"/>
+            <a:endParaRPr kumimoji="0" lang="en-US"/>
+          </a:p>
+        </p:txBody>
+      </p:sp>
+      <p:sp>
+        <p:nvSpPr>
+          <p:cNvPr id="38" name="Rectangle 37"/>
+          <p:cNvSpPr/>
+          <p:nvPr/>
+        </p:nvSpPr>
+        <p:spPr bwMode="invGray">
+          <a:xfrm>
+            <a:off x="8975423" y="-2001"/>
+            <a:ext cx="27432" cy="621792"/>
+          </a:xfrm>
+          <a:prstGeom prst="rect">
+            <a:avLst/>
+          </a:prstGeom>
+          <a:solidFill>
+            <a:srgbClr val="FFFFFF">
+              <a:alpha val="40000"/>
+            </a:srgbClr>
+          </a:solidFill>
+          <a:ln w="50800" cap="rnd" cmpd="thickThin" algn="ctr">
+            <a:noFill/>
+            <a:prstDash val="solid"/>
+          </a:ln>
+          <a:effectLst/>
+        </p:spPr>
+        <p:style>
+          <a:lnRef idx="3">
+            <a:schemeClr val="lt1"/>
+          </a:lnRef>
+          <a:fillRef idx="1">
+            <a:schemeClr val="accent1"/>
+          </a:fillRef>
+          <a:effectRef idx="1">
+            <a:schemeClr val="accent1"/>
+          </a:effectRef>
+          <a:fontRef idx="minor">
+            <a:schemeClr val="lt1"/>
+          </a:fontRef>
+        </p:style>
+        <p:txBody>
+          <a:bodyPr anchor="ctr"/>
+          <a:lstStyle/>
+          <a:p>
+            <a:pPr algn="ctr" eaLnBrk="1" latinLnBrk="0" hangingPunct="1"/>
+            <a:endParaRPr kumimoji="0" lang="en-US"/>
+          </a:p>
+        </p:txBody>
+      </p:sp>
+      <p:sp>
+        <p:nvSpPr>
+          <p:cNvPr id="39" name="Rectangle 38"/>
+          <p:cNvSpPr/>
+          <p:nvPr/>
+        </p:nvSpPr>
+        <p:spPr bwMode="invGray">
+          <a:xfrm>
+            <a:off x="8915677" y="380"/>
+            <a:ext cx="54864" cy="585216"/>
+          </a:xfrm>
+          <a:prstGeom prst="rect">
+            <a:avLst/>
+          </a:prstGeom>
+          <a:solidFill>
+            <a:srgbClr val="FFFFFF">
+              <a:alpha val="20000"/>
+            </a:srgbClr>
+          </a:solidFill>
+          <a:ln w="50800" cap="rnd" cmpd="thickThin" algn="ctr">
+            <a:noFill/>
+            <a:prstDash val="solid"/>
+          </a:ln>
+          <a:effectLst/>
+        </p:spPr>
+        <p:style>
+          <a:lnRef idx="3">
+            <a:schemeClr val="lt1"/>
+          </a:lnRef>
+          <a:fillRef idx="1">
+            <a:schemeClr val="accent1"/>
+          </a:fillRef>
+          <a:effectRef idx="1">
+            <a:schemeClr val="accent1"/>
+          </a:effectRef>
+          <a:fontRef idx="minor">
+            <a:schemeClr val="lt1"/>
+          </a:fontRef>
+        </p:style>
+        <p:txBody>
+          <a:bodyPr anchor="ctr"/>
+          <a:lstStyle/>
+          <a:p>
+            <a:pPr algn="ctr" eaLnBrk="1" latinLnBrk="0" hangingPunct="1"/>
+            <a:endParaRPr kumimoji="0" lang="en-US"/>
+          </a:p>
+        </p:txBody>
+      </p:sp>
+      <p:sp>
+        <p:nvSpPr>
+          <p:cNvPr id="40" name="Rectangle 39"/>
+          <p:cNvSpPr/>
+          <p:nvPr/>
+        </p:nvSpPr>
+        <p:spPr bwMode="invGray">
+          <a:xfrm>
+            <a:off x="8873475" y="380"/>
+            <a:ext cx="9144" cy="585216"/>
+          </a:xfrm>
+          <a:prstGeom prst="rect">
+            <a:avLst/>
+          </a:prstGeom>
+          <a:solidFill>
+            <a:srgbClr val="FFFFFF">
+              <a:alpha val="30196"/>
+            </a:srgbClr>
+          </a:solidFill>
+          <a:ln w="50800" cap="rnd" cmpd="thickThin" algn="ctr">
+            <a:noFill/>
+            <a:prstDash val="solid"/>
+          </a:ln>
+          <a:effectLst/>
+        </p:spPr>
+        <p:style>
+          <a:lnRef idx="3">
+            <a:schemeClr val="lt1"/>
+          </a:lnRef>
+          <a:fillRef idx="1">
+            <a:schemeClr val="accent1"/>
+          </a:fillRef>
+          <a:effectRef idx="1">
+            <a:schemeClr val="accent1"/>
+          </a:effectRef>
+          <a:fontRef idx="minor">
+            <a:schemeClr val="lt1"/>
+          </a:fontRef>
+        </p:style>
+        <p:txBody>
+          <a:bodyPr anchor="ctr"/>
+          <a:lstStyle/>
+          <a:p>
+            <a:pPr algn="ctr" eaLnBrk="1" latinLnBrk="0" hangingPunct="1"/>
+            <a:endParaRPr kumimoji="0" lang="en-US" dirty="0"/>
+          </a:p>
+        </p:txBody>
+      </p:sp>
+      <p:sp>
+        <p:nvSpPr>
+          <p:cNvPr id="22" name="Title Placeholder 21"/>
           <p:cNvSpPr>
             <a:spLocks noGrp="1"/>
           </p:cNvSpPr>
@@ -9011,15 +9316,15 @@
         </p:nvSpPr>
         <p:spPr>
           <a:xfrm>
-            <a:off x="457200" y="704088"/>
-            <a:ext cx="8229600" cy="1143000"/>
+            <a:off x="457200" y="1143000"/>
+            <a:ext cx="8229600" cy="1066800"/>
           </a:xfrm>
           <a:prstGeom prst="rect">
             <a:avLst/>
           </a:prstGeom>
         </p:spPr>
         <p:txBody>
-          <a:bodyPr vert="horz" lIns="0" rIns="0" bIns="0" anchor="b">
+          <a:bodyPr vert="horz" anchor="ctr">
             <a:normAutofit/>
           </a:bodyPr>
           <a:lstStyle/>
@@ -9034,7 +9339,7 @@
       </p:sp>
       <p:sp>
         <p:nvSpPr>
-          <p:cNvPr id="30" name="Text Placeholder 29"/>
+          <p:cNvPr id="13" name="Text Placeholder 12"/>
           <p:cNvSpPr>
             <a:spLocks noGrp="1"/>
           </p:cNvSpPr>
@@ -9044,8 +9349,8 @@
         </p:nvSpPr>
         <p:spPr>
           <a:xfrm>
-            <a:off x="457200" y="1935480"/>
-            <a:ext cx="8229600" cy="4389120"/>
+            <a:off x="457200" y="2249424"/>
+            <a:ext cx="8229600" cy="4325112"/>
           </a:xfrm>
           <a:prstGeom prst="rect">
             <a:avLst/>
@@ -9096,7 +9401,7 @@
       </p:sp>
       <p:sp>
         <p:nvSpPr>
-          <p:cNvPr id="10" name="Date Placeholder 9"/>
+          <p:cNvPr id="14" name="Date Placeholder 13"/>
           <p:cNvSpPr>
             <a:spLocks noGrp="1"/>
           </p:cNvSpPr>
@@ -9106,22 +9411,20 @@
         </p:nvSpPr>
         <p:spPr>
           <a:xfrm>
-            <a:off x="457200" y="6356350"/>
-            <a:ext cx="2133600" cy="365125"/>
+            <a:off x="6586536" y="612648"/>
+            <a:ext cx="957264" cy="457200"/>
           </a:xfrm>
           <a:prstGeom prst="rect">
             <a:avLst/>
           </a:prstGeom>
         </p:spPr>
         <p:txBody>
-          <a:bodyPr vert="horz" lIns="0" tIns="0" rIns="0" bIns="0" anchor="b"/>
+          <a:bodyPr vert="horz"/>
           <a:lstStyle>
             <a:lvl1pPr algn="l" eaLnBrk="1" latinLnBrk="0" hangingPunct="1">
-              <a:defRPr kumimoji="0" sz="1200">
+              <a:defRPr kumimoji="0" sz="800">
                 <a:solidFill>
-                  <a:schemeClr val="tx2">
-                    <a:shade val="90000"/>
-                  </a:schemeClr>
+                  <a:schemeClr val="accent2"/>
                 </a:solidFill>
               </a:defRPr>
             </a:lvl1pPr>
@@ -9138,7 +9441,7 @@
       </p:sp>
       <p:sp>
         <p:nvSpPr>
-          <p:cNvPr id="22" name="Footer Placeholder 21"/>
+          <p:cNvPr id="3" name="Footer Placeholder 2"/>
           <p:cNvSpPr>
             <a:spLocks noGrp="1"/>
           </p:cNvSpPr>
@@ -9148,22 +9451,20 @@
         </p:nvSpPr>
         <p:spPr>
           <a:xfrm>
-            <a:off x="2667000" y="6356350"/>
-            <a:ext cx="3352800" cy="365125"/>
+            <a:off x="5257800" y="612648"/>
+            <a:ext cx="1325880" cy="457200"/>
           </a:xfrm>
           <a:prstGeom prst="rect">
             <a:avLst/>
           </a:prstGeom>
         </p:spPr>
         <p:txBody>
-          <a:bodyPr vert="horz" lIns="0" tIns="0" rIns="0" bIns="0" anchor="b"/>
+          <a:bodyPr vert="horz"/>
           <a:lstStyle>
-            <a:lvl1pPr algn="l" eaLnBrk="1" latinLnBrk="0" hangingPunct="1">
-              <a:defRPr kumimoji="0" sz="1200">
+            <a:lvl1pPr algn="r" eaLnBrk="1" latinLnBrk="0" hangingPunct="1">
+              <a:defRPr kumimoji="0" sz="800">
                 <a:solidFill>
-                  <a:schemeClr val="tx2">
-                    <a:shade val="90000"/>
-                  </a:schemeClr>
+                  <a:schemeClr val="accent2"/>
                 </a:solidFill>
               </a:defRPr>
             </a:lvl1pPr>
@@ -9175,7 +9476,7 @@
       </p:sp>
       <p:sp>
         <p:nvSpPr>
-          <p:cNvPr id="18" name="Slide Number Placeholder 17"/>
+          <p:cNvPr id="23" name="Slide Number Placeholder 22"/>
           <p:cNvSpPr>
             <a:spLocks noGrp="1"/>
           </p:cNvSpPr>
@@ -9185,22 +9486,20 @@
         </p:nvSpPr>
         <p:spPr>
           <a:xfrm>
-            <a:off x="7924800" y="6356350"/>
-            <a:ext cx="762000" cy="365125"/>
+            <a:off x="8174736" y="2272"/>
+            <a:ext cx="762000" cy="365760"/>
           </a:xfrm>
           <a:prstGeom prst="rect">
             <a:avLst/>
           </a:prstGeom>
         </p:spPr>
         <p:txBody>
-          <a:bodyPr vert="horz" lIns="0" tIns="0" rIns="0" bIns="0" anchor="b"/>
+          <a:bodyPr vert="horz" anchor="b"/>
           <a:lstStyle>
             <a:lvl1pPr algn="r" eaLnBrk="1" latinLnBrk="0" hangingPunct="1">
-              <a:defRPr kumimoji="0" sz="1200">
+              <a:defRPr kumimoji="0" sz="1800">
                 <a:solidFill>
-                  <a:schemeClr val="tx2">
-                    <a:shade val="90000"/>
-                  </a:schemeClr>
+                  <a:srgbClr val="FFFFFF"/>
                 </a:solidFill>
               </a:defRPr>
             </a:lvl1pPr>
@@ -9215,235 +9514,21 @@
           </a:p>
         </p:txBody>
       </p:sp>
-      <p:grpSp>
-        <p:nvGrpSpPr>
-          <p:cNvPr id="2" name="Group 1"/>
-          <p:cNvGrpSpPr/>
-          <p:nvPr/>
-        </p:nvGrpSpPr>
-        <p:grpSpPr>
-          <a:xfrm>
-            <a:off x="-19017" y="202408"/>
-            <a:ext cx="9180548" cy="649224"/>
-            <a:chOff x="-19045" y="216550"/>
-            <a:chExt cx="9180548" cy="649224"/>
-          </a:xfrm>
-        </p:grpSpPr>
-        <p:sp>
-          <p:nvSpPr>
-            <p:cNvPr id="12" name="Freeform 11"/>
-            <p:cNvSpPr>
-              <a:spLocks/>
-            </p:cNvSpPr>
-            <p:nvPr/>
-          </p:nvSpPr>
-          <p:spPr bwMode="auto">
-            <a:xfrm rot="21435692">
-              <a:off x="-19045" y="216550"/>
-              <a:ext cx="9163050" cy="649224"/>
-            </a:xfrm>
-            <a:custGeom>
-              <a:avLst>
-                <a:gd name="A1" fmla="val 0"/>
-                <a:gd name="A2" fmla="val 0"/>
-                <a:gd name="A3" fmla="val 0"/>
-                <a:gd name="A4" fmla="val 0"/>
-                <a:gd name="A5" fmla="val 0"/>
-                <a:gd name="A6" fmla="val 0"/>
-                <a:gd name="A7" fmla="val 0"/>
-                <a:gd name="A8" fmla="val 0"/>
-              </a:avLst>
-              <a:gdLst/>
-              <a:ahLst/>
-              <a:cxnLst>
-                <a:cxn ang="0">
-                  <a:pos x="0" y="966"/>
-                </a:cxn>
-                <a:cxn ang="0">
-                  <a:pos x="1608" y="282"/>
-                </a:cxn>
-                <a:cxn ang="0">
-                  <a:pos x="4110" y="1008"/>
-                </a:cxn>
-                <a:cxn ang="0">
-                  <a:pos x="5772" y="0"/>
-                </a:cxn>
-              </a:cxnLst>
-              <a:rect l="0" t="0" r="0" b="0"/>
-              <a:pathLst>
-                <a:path w="5772" h="1055">
-                  <a:moveTo>
-                    <a:pt x="0" y="966"/>
-                  </a:moveTo>
-                  <a:cubicBezTo>
-                    <a:pt x="282" y="738"/>
-                    <a:pt x="923" y="275"/>
-                    <a:pt x="1608" y="282"/>
-                  </a:cubicBezTo>
-                  <a:cubicBezTo>
-                    <a:pt x="2293" y="289"/>
-                    <a:pt x="3416" y="1055"/>
-                    <a:pt x="4110" y="1008"/>
-                  </a:cubicBezTo>
-                  <a:cubicBezTo>
-                    <a:pt x="4804" y="961"/>
-                    <a:pt x="5426" y="210"/>
-                    <a:pt x="5772" y="0"/>
-                  </a:cubicBezTo>
-                </a:path>
-              </a:pathLst>
-            </a:custGeom>
-            <a:noFill/>
-            <a:ln w="10795" cap="flat" cmpd="sng" algn="ctr">
-              <a:gradFill>
-                <a:gsLst>
-                  <a:gs pos="74000">
-                    <a:schemeClr val="accent3">
-                      <a:shade val="75000"/>
-                    </a:schemeClr>
-                  </a:gs>
-                  <a:gs pos="86000">
-                    <a:schemeClr val="tx1">
-                      <a:alpha val="29000"/>
-                    </a:schemeClr>
-                  </a:gs>
-                  <a:gs pos="16000">
-                    <a:schemeClr val="accent2">
-                      <a:shade val="75000"/>
-                      <a:alpha val="56000"/>
-                    </a:schemeClr>
-                  </a:gs>
-                </a:gsLst>
-                <a:lin ang="5400000" scaled="1"/>
-              </a:gradFill>
-              <a:prstDash val="solid"/>
-              <a:round/>
-              <a:headEnd type="none" w="med" len="med"/>
-              <a:tailEnd type="none" w="med" len="med"/>
-            </a:ln>
-            <a:effectLst/>
-          </p:spPr>
-          <p:txBody>
-            <a:bodyPr vert="horz" wrap="square" lIns="91440" tIns="45720" rIns="91440" bIns="45720" anchor="t" compatLnSpc="1"/>
-            <a:lstStyle/>
-            <a:p>
-              <a:endParaRPr kumimoji="0" lang="en-US"/>
-            </a:p>
-          </p:txBody>
-        </p:sp>
-        <p:sp>
-          <p:nvSpPr>
-            <p:cNvPr id="13" name="Freeform 12"/>
-            <p:cNvSpPr>
-              <a:spLocks/>
-            </p:cNvSpPr>
-            <p:nvPr/>
-          </p:nvSpPr>
-          <p:spPr bwMode="auto">
-            <a:xfrm rot="21435692">
-              <a:off x="-14309" y="290003"/>
-              <a:ext cx="9175812" cy="530352"/>
-            </a:xfrm>
-            <a:custGeom>
-              <a:avLst>
-                <a:gd name="A1" fmla="val 0"/>
-                <a:gd name="A2" fmla="val 0"/>
-                <a:gd name="A3" fmla="val 0"/>
-                <a:gd name="A4" fmla="val 0"/>
-                <a:gd name="A5" fmla="val 0"/>
-                <a:gd name="A6" fmla="val 0"/>
-                <a:gd name="A7" fmla="val 0"/>
-                <a:gd name="A8" fmla="val 0"/>
-              </a:avLst>
-              <a:gdLst/>
-              <a:ahLst/>
-              <a:cxnLst>
-                <a:cxn ang="0">
-                  <a:pos x="0" y="732"/>
-                </a:cxn>
-                <a:cxn ang="0">
-                  <a:pos x="1638" y="228"/>
-                </a:cxn>
-                <a:cxn ang="0">
-                  <a:pos x="4122" y="816"/>
-                </a:cxn>
-                <a:cxn ang="0">
-                  <a:pos x="5766" y="0"/>
-                </a:cxn>
-              </a:cxnLst>
-              <a:rect l="0" t="0" r="0" b="0"/>
-              <a:pathLst>
-                <a:path w="5766" h="854">
-                  <a:moveTo>
-                    <a:pt x="0" y="732"/>
-                  </a:moveTo>
-                  <a:cubicBezTo>
-                    <a:pt x="273" y="647"/>
-                    <a:pt x="951" y="214"/>
-                    <a:pt x="1638" y="228"/>
-                  </a:cubicBezTo>
-                  <a:cubicBezTo>
-                    <a:pt x="2325" y="242"/>
-                    <a:pt x="3434" y="854"/>
-                    <a:pt x="4122" y="816"/>
-                  </a:cubicBezTo>
-                  <a:cubicBezTo>
-                    <a:pt x="4810" y="778"/>
-                    <a:pt x="5424" y="170"/>
-                    <a:pt x="5766" y="0"/>
-                  </a:cubicBezTo>
-                </a:path>
-              </a:pathLst>
-            </a:custGeom>
-            <a:noFill/>
-            <a:ln w="9525" cap="flat" cmpd="sng" algn="ctr">
-              <a:gradFill>
-                <a:gsLst>
-                  <a:gs pos="74000">
-                    <a:schemeClr val="accent4"/>
-                  </a:gs>
-                  <a:gs pos="44000">
-                    <a:schemeClr val="accent1"/>
-                  </a:gs>
-                  <a:gs pos="33000">
-                    <a:schemeClr val="accent2">
-                      <a:alpha val="56000"/>
-                    </a:schemeClr>
-                  </a:gs>
-                </a:gsLst>
-                <a:lin ang="5400000" scaled="1"/>
-              </a:gradFill>
-              <a:prstDash val="solid"/>
-              <a:round/>
-              <a:headEnd type="none" w="med" len="med"/>
-              <a:tailEnd type="none" w="med" len="med"/>
-            </a:ln>
-            <a:effectLst/>
-          </p:spPr>
-          <p:txBody>
-            <a:bodyPr vert="horz" wrap="square" lIns="91440" tIns="45720" rIns="91440" bIns="45720" anchor="t" compatLnSpc="1"/>
-            <a:lstStyle/>
-            <a:p>
-              <a:endParaRPr kumimoji="0" lang="en-US"/>
-            </a:p>
-          </p:txBody>
-        </p:sp>
-      </p:grpSp>
     </p:spTree>
   </p:cSld>
   <p:clrMap bg1="lt1" tx1="dk1" bg2="lt2" tx2="dk2" accent1="accent1" accent2="accent2" accent3="accent3" accent4="accent4" accent5="accent5" accent6="accent6" hlink="hlink" folHlink="folHlink"/>
   <p:sldLayoutIdLst>
-    <p:sldLayoutId id="2147483949" r:id="rId1"/>
-    <p:sldLayoutId id="2147483950" r:id="rId2"/>
-    <p:sldLayoutId id="2147483951" r:id="rId3"/>
-    <p:sldLayoutId id="2147483952" r:id="rId4"/>
-    <p:sldLayoutId id="2147483953" r:id="rId5"/>
-    <p:sldLayoutId id="2147483954" r:id="rId6"/>
-    <p:sldLayoutId id="2147483955" r:id="rId7"/>
-    <p:sldLayoutId id="2147483956" r:id="rId8"/>
-    <p:sldLayoutId id="2147483957" r:id="rId9"/>
-    <p:sldLayoutId id="2147483958" r:id="rId10"/>
-    <p:sldLayoutId id="2147483959" r:id="rId11"/>
+    <p:sldLayoutId id="2147484165" r:id="rId1"/>
+    <p:sldLayoutId id="2147484166" r:id="rId2"/>
+    <p:sldLayoutId id="2147484167" r:id="rId3"/>
+    <p:sldLayoutId id="2147484168" r:id="rId4"/>
+    <p:sldLayoutId id="2147484169" r:id="rId5"/>
+    <p:sldLayoutId id="2147484170" r:id="rId6"/>
+    <p:sldLayoutId id="2147484171" r:id="rId7"/>
+    <p:sldLayoutId id="2147484172" r:id="rId8"/>
+    <p:sldLayoutId id="2147484173" r:id="rId9"/>
+    <p:sldLayoutId id="2147484174" r:id="rId10"/>
+    <p:sldLayoutId id="2147484175" r:id="rId11"/>
   </p:sldLayoutIdLst>
   <p:transition spd="slow">
     <p:fade/>
@@ -9462,14 +9547,10 @@
           <a:spcPct val="0"/>
         </a:spcBef>
         <a:buNone/>
-        <a:defRPr kumimoji="0" sz="5000" b="0" kern="1200">
-          <a:ln>
-            <a:noFill/>
-          </a:ln>
+        <a:defRPr kumimoji="0" sz="4000" kern="1200">
           <a:solidFill>
             <a:schemeClr val="tx2"/>
           </a:solidFill>
-          <a:effectLst/>
           <a:latin typeface="+mj-lt"/>
           <a:ea typeface="+mj-ea"/>
           <a:cs typeface="+mj-cs"/>
@@ -9477,17 +9558,16 @@
       </a:lvl1pPr>
     </p:titleStyle>
     <p:bodyStyle>
-      <a:lvl1pPr marL="274320" indent="-274320" algn="l" rtl="0" eaLnBrk="1" latinLnBrk="0" hangingPunct="1">
+      <a:lvl1pPr marL="365760" indent="-256032" algn="l" rtl="0" eaLnBrk="1" latinLnBrk="0" hangingPunct="1">
         <a:spcBef>
-          <a:spcPct val="20000"/>
+          <a:spcPts val="300"/>
         </a:spcBef>
         <a:buClr>
           <a:schemeClr val="accent3"/>
         </a:buClr>
-        <a:buSzPct val="95000"/>
-        <a:buFont typeface="Wingdings 2"/>
-        <a:buChar char=""/>
-        <a:defRPr kumimoji="0" sz="2600" kern="1200">
+        <a:buFont typeface="Georgia"/>
+        <a:buChar char="•"/>
+        <a:defRPr kumimoji="0" sz="2800" kern="1200">
           <a:solidFill>
             <a:schemeClr val="tx1"/>
           </a:solidFill>
@@ -9496,149 +9576,144 @@
           <a:cs typeface="+mn-cs"/>
         </a:defRPr>
       </a:lvl1pPr>
-      <a:lvl2pPr marL="640080" indent="-246888" algn="l" rtl="0" eaLnBrk="1" latinLnBrk="0" hangingPunct="1">
+      <a:lvl2pPr marL="658368" indent="-246888" algn="l" rtl="0" eaLnBrk="1" latinLnBrk="0" hangingPunct="1">
         <a:spcBef>
-          <a:spcPct val="20000"/>
+          <a:spcPts val="300"/>
         </a:spcBef>
         <a:buClr>
-          <a:schemeClr val="accent1"/>
+          <a:schemeClr val="accent2"/>
         </a:buClr>
-        <a:buSzPct val="85000"/>
-        <a:buFont typeface="Wingdings 2"/>
-        <a:buChar char=""/>
-        <a:defRPr kumimoji="0" sz="2400" kern="1200">
+        <a:buFont typeface="Georgia"/>
+        <a:buChar char="▫"/>
+        <a:defRPr kumimoji="0" sz="2600" kern="1200">
           <a:solidFill>
-            <a:schemeClr val="tx1"/>
+            <a:schemeClr val="accent2"/>
           </a:solidFill>
           <a:latin typeface="+mn-lt"/>
           <a:ea typeface="+mn-ea"/>
           <a:cs typeface="+mn-cs"/>
         </a:defRPr>
       </a:lvl2pPr>
-      <a:lvl3pPr marL="914400" indent="-246888" algn="l" rtl="0" eaLnBrk="1" latinLnBrk="0" hangingPunct="1">
+      <a:lvl3pPr marL="923544" indent="-219456" algn="l" rtl="0" eaLnBrk="1" latinLnBrk="0" hangingPunct="1">
         <a:spcBef>
-          <a:spcPct val="20000"/>
+          <a:spcPts val="300"/>
         </a:spcBef>
         <a:buClr>
-          <a:schemeClr val="accent2"/>
+          <a:schemeClr val="accent1"/>
         </a:buClr>
-        <a:buSzPct val="70000"/>
         <a:buFont typeface="Wingdings 2"/>
-        <a:buChar char=""/>
-        <a:defRPr kumimoji="0" sz="2100" kern="1200">
+        <a:buChar char=""/>
+        <a:defRPr kumimoji="0" sz="2400" kern="1200">
           <a:solidFill>
-            <a:schemeClr val="tx1"/>
+            <a:schemeClr val="accent1"/>
           </a:solidFill>
           <a:latin typeface="+mn-lt"/>
           <a:ea typeface="+mn-ea"/>
           <a:cs typeface="+mn-cs"/>
         </a:defRPr>
       </a:lvl3pPr>
-      <a:lvl4pPr marL="1188720" indent="-210312" algn="l" rtl="0" eaLnBrk="1" latinLnBrk="0" hangingPunct="1">
+      <a:lvl4pPr marL="1179576" indent="-201168" algn="l" rtl="0" eaLnBrk="1" latinLnBrk="0" hangingPunct="1">
         <a:spcBef>
-          <a:spcPct val="20000"/>
+          <a:spcPts val="300"/>
         </a:spcBef>
         <a:buClr>
-          <a:schemeClr val="accent3"/>
+          <a:schemeClr val="accent1"/>
         </a:buClr>
-        <a:buSzPct val="65000"/>
         <a:buFont typeface="Wingdings 2"/>
-        <a:buChar char=""/>
-        <a:defRPr kumimoji="0" sz="2000" kern="1200">
+        <a:buChar char=""/>
+        <a:defRPr kumimoji="0" sz="2200" kern="1200">
           <a:solidFill>
-            <a:schemeClr val="tx1"/>
+            <a:schemeClr val="accent1"/>
           </a:solidFill>
           <a:latin typeface="+mn-lt"/>
           <a:ea typeface="+mn-ea"/>
           <a:cs typeface="+mn-cs"/>
         </a:defRPr>
       </a:lvl4pPr>
-      <a:lvl5pPr marL="1463040" indent="-210312" algn="l" rtl="0" eaLnBrk="1" latinLnBrk="0" hangingPunct="1">
+      <a:lvl5pPr marL="1389888" indent="-182880" algn="l" rtl="0" eaLnBrk="1" latinLnBrk="0" hangingPunct="1">
         <a:spcBef>
-          <a:spcPct val="20000"/>
+          <a:spcPts val="300"/>
         </a:spcBef>
         <a:buClr>
-          <a:schemeClr val="accent4"/>
+          <a:schemeClr val="accent3"/>
         </a:buClr>
-        <a:buSzPct val="65000"/>
-        <a:buFont typeface="Wingdings 2"/>
-        <a:buChar char=""/>
+        <a:buFont typeface="Georgia"/>
+        <a:buChar char="▫"/>
         <a:defRPr kumimoji="0" sz="2000" kern="1200">
           <a:solidFill>
-            <a:schemeClr val="tx1"/>
+            <a:schemeClr val="accent3"/>
           </a:solidFill>
           <a:latin typeface="+mn-lt"/>
           <a:ea typeface="+mn-ea"/>
           <a:cs typeface="+mn-cs"/>
         </a:defRPr>
       </a:lvl5pPr>
-      <a:lvl6pPr marL="1737360" indent="-210312" algn="l" rtl="0" eaLnBrk="1" latinLnBrk="0" hangingPunct="1">
+      <a:lvl6pPr marL="1609344" indent="-182880" algn="l" rtl="0" eaLnBrk="1" latinLnBrk="0" hangingPunct="1">
         <a:spcBef>
-          <a:spcPct val="20000"/>
+          <a:spcPts val="300"/>
         </a:spcBef>
         <a:buClr>
-          <a:schemeClr val="accent5"/>
+          <a:schemeClr val="accent3"/>
         </a:buClr>
-        <a:buSzPct val="80000"/>
-        <a:buFont typeface="Wingdings 2"/>
-        <a:buChar char=""/>
+        <a:buFont typeface="Georgia"/>
+        <a:buChar char="▫"/>
         <a:defRPr kumimoji="0" sz="1800" kern="1200">
           <a:solidFill>
-            <a:schemeClr val="tx1"/>
+            <a:schemeClr val="accent3"/>
           </a:solidFill>
           <a:latin typeface="+mn-lt"/>
           <a:ea typeface="+mn-ea"/>
           <a:cs typeface="+mn-cs"/>
         </a:defRPr>
       </a:lvl6pPr>
-      <a:lvl7pPr marL="1920240" indent="-182880" algn="l" rtl="0" eaLnBrk="1" latinLnBrk="0" hangingPunct="1">
+      <a:lvl7pPr marL="1828800" indent="-182880" algn="l" rtl="0" eaLnBrk="1" latinLnBrk="0" hangingPunct="1">
         <a:spcBef>
-          <a:spcPct val="20000"/>
+          <a:spcPts val="300"/>
         </a:spcBef>
         <a:buClr>
-          <a:schemeClr val="accent6"/>
+          <a:schemeClr val="accent3"/>
         </a:buClr>
-        <a:buSzPct val="80000"/>
-        <a:buFont typeface="Wingdings 2"/>
-        <a:buChar char=""/>
-        <a:defRPr kumimoji="0" sz="1600" kern="1200" baseline="0">
+        <a:buFont typeface="Georgia"/>
+        <a:buChar char="▫"/>
+        <a:defRPr kumimoji="0" sz="1600" kern="1200">
           <a:solidFill>
-            <a:schemeClr val="tx1"/>
+            <a:schemeClr val="accent3"/>
           </a:solidFill>
           <a:latin typeface="+mn-lt"/>
           <a:ea typeface="+mn-ea"/>
           <a:cs typeface="+mn-cs"/>
         </a:defRPr>
       </a:lvl7pPr>
-      <a:lvl8pPr marL="2194560" indent="-182880" algn="l" rtl="0" eaLnBrk="1" latinLnBrk="0" hangingPunct="1">
+      <a:lvl8pPr marL="2029968" indent="-182880" algn="l" rtl="0" eaLnBrk="1" latinLnBrk="0" hangingPunct="1">
         <a:spcBef>
-          <a:spcPct val="20000"/>
+          <a:spcPts val="300"/>
         </a:spcBef>
         <a:buClr>
-          <a:schemeClr val="tx2"/>
+          <a:schemeClr val="accent3"/>
         </a:buClr>
-        <a:buChar char="•"/>
-        <a:defRPr kumimoji="0" sz="1600" kern="1200">
+        <a:buFont typeface="Georgia"/>
+        <a:buChar char="◦"/>
+        <a:defRPr kumimoji="0" sz="1500" kern="1200">
           <a:solidFill>
-            <a:schemeClr val="tx1"/>
+            <a:schemeClr val="accent3"/>
           </a:solidFill>
           <a:latin typeface="+mn-lt"/>
           <a:ea typeface="+mn-ea"/>
           <a:cs typeface="+mn-cs"/>
         </a:defRPr>
       </a:lvl8pPr>
-      <a:lvl9pPr marL="2468880" indent="-182880" algn="l" rtl="0" eaLnBrk="1" latinLnBrk="0" hangingPunct="1">
+      <a:lvl9pPr marL="2240280" indent="-182880" algn="l" rtl="0" eaLnBrk="1" latinLnBrk="0" hangingPunct="1">
         <a:spcBef>
-          <a:spcPct val="20000"/>
+          <a:spcPts val="300"/>
         </a:spcBef>
         <a:buClr>
-          <a:schemeClr val="tx2"/>
+          <a:schemeClr val="accent3"/>
         </a:buClr>
-        <a:buFontTx/>
-        <a:buChar char="•"/>
+        <a:buFont typeface="Georgia"/>
+        <a:buChar char="◦"/>
         <a:defRPr kumimoji="0" sz="1400" kern="1200" baseline="0">
           <a:solidFill>
-            <a:schemeClr val="tx1"/>
+            <a:schemeClr val="accent3"/>
           </a:solidFill>
           <a:latin typeface="+mn-lt"/>
           <a:ea typeface="+mn-ea"/>
@@ -9794,7 +9869,11 @@
             </a:br>
             <a:r>
               <a:rPr lang="en-US" sz="5500" b="1" i="1" dirty="0" smtClean="0"/>
-              <a:t>Final Proposal</a:t>
+              <a:t>Final </a:t>
+            </a:r>
+            <a:r>
+              <a:rPr lang="en-US" sz="5500" b="1" i="1" dirty="0" smtClean="0"/>
+              <a:t>Presentation</a:t>
             </a:r>
             <a:endParaRPr lang="en-US" sz="5500" b="1" i="1" dirty="0"/>
           </a:p>
@@ -9869,8 +9948,9 @@
             <a:pPr algn="ctr"/>
             <a:r>
               <a:rPr lang="en-US" dirty="0" smtClean="0"/>
-              <a:t>29 Nov 2011</a:t>
-            </a:r>
+              <a:t>23 Apr 2012</a:t>
+            </a:r>
+            <a:endParaRPr lang="en-US" dirty="0" smtClean="0"/>
           </a:p>
         </p:txBody>
       </p:sp>
@@ -9922,9 +10002,16 @@
             <p:ph type="title"/>
           </p:nvPr>
         </p:nvSpPr>
-        <p:spPr/>
+        <p:spPr>
+          <a:xfrm>
+            <a:off x="5562600" y="1066800"/>
+            <a:ext cx="3383280" cy="877824"/>
+          </a:xfrm>
+        </p:spPr>
         <p:txBody>
-          <a:bodyPr/>
+          <a:bodyPr>
+            <a:normAutofit fontScale="90000"/>
+          </a:bodyPr>
           <a:lstStyle/>
           <a:p>
             <a:r>
@@ -10007,7 +10094,7 @@
           <a:blip r:embed="rId2" cstate="email">
             <a:extLst>
               <a:ext uri="{28A0092B-C50C-407E-A947-70E740481C1C}">
-                <a14:useLocalDpi xmlns:a14="http://schemas.microsoft.com/office/drawing/2010/main" xmlns="" val="0"/>
+                <a14:useLocalDpi xmlns="" xmlns:a14="http://schemas.microsoft.com/office/drawing/2010/main" val="0"/>
               </a:ext>
             </a:extLst>
           </a:blip>
@@ -10017,8 +10104,8 @@
         </p:blipFill>
         <p:spPr>
           <a:xfrm>
-            <a:off x="3505200" y="3352800"/>
-            <a:ext cx="5410200" cy="2884190"/>
+            <a:off x="228600" y="3886200"/>
+            <a:ext cx="5102225" cy="2721786"/>
           </a:xfrm>
         </p:spPr>
       </p:pic>
@@ -10034,7 +10121,7 @@
           <a:blip r:embed="rId3" cstate="email">
             <a:extLst>
               <a:ext uri="{28A0092B-C50C-407E-A947-70E740481C1C}">
-                <a14:useLocalDpi xmlns:a14="http://schemas.microsoft.com/office/drawing/2010/main" xmlns="" val="0"/>
+                <a14:useLocalDpi xmlns="" xmlns:a14="http://schemas.microsoft.com/office/drawing/2010/main" val="0"/>
               </a:ext>
             </a:extLst>
           </a:blip>
@@ -10045,7 +10132,7 @@
         </p:blipFill>
         <p:spPr bwMode="auto">
           <a:xfrm>
-            <a:off x="3505200" y="685800"/>
+            <a:off x="0" y="1066800"/>
             <a:ext cx="5410199" cy="2667000"/>
           </a:xfrm>
           <a:prstGeom prst="rect">
@@ -10058,14 +10145,14 @@
           <a:effectLst/>
           <a:extLst>
             <a:ext uri="{909E8E84-426E-40DD-AFC4-6F175D3DCCD1}">
-              <a14:hiddenFill xmlns:a14="http://schemas.microsoft.com/office/drawing/2010/main" xmlns="">
+              <a14:hiddenFill xmlns="" xmlns:a14="http://schemas.microsoft.com/office/drawing/2010/main">
                 <a:solidFill>
                   <a:schemeClr val="accent1"/>
                 </a:solidFill>
               </a14:hiddenFill>
             </a:ext>
             <a:ext uri="{91240B29-F687-4F45-9708-019B960494DF}">
-              <a14:hiddenLine xmlns:a14="http://schemas.microsoft.com/office/drawing/2010/main" xmlns="" w="9525">
+              <a14:hiddenLine xmlns="" xmlns:a14="http://schemas.microsoft.com/office/drawing/2010/main" w="9525">
                 <a:solidFill>
                   <a:schemeClr val="tx1"/>
                 </a:solidFill>
@@ -10075,7 +10162,7 @@
               </a14:hiddenLine>
             </a:ext>
             <a:ext uri="{AF507438-7753-43E0-B8FC-AC1667EBCBE1}">
-              <a14:hiddenEffects xmlns:a14="http://schemas.microsoft.com/office/drawing/2010/main" xmlns="">
+              <a14:hiddenEffects xmlns="" xmlns:a14="http://schemas.microsoft.com/office/drawing/2010/main">
                 <a:effectLst>
                   <a:outerShdw dist="35921" dir="2700000" algn="ctr" rotWithShape="0">
                     <a:schemeClr val="bg2"/>
@@ -10089,7 +10176,7 @@
     </p:spTree>
     <p:extLst>
       <p:ext uri="{BB962C8B-B14F-4D97-AF65-F5344CB8AC3E}">
-        <p14:creationId xmlns:p14="http://schemas.microsoft.com/office/powerpoint/2010/main" xmlns="" val="665117354"/>
+        <p14:creationId xmlns="" xmlns:p14="http://schemas.microsoft.com/office/powerpoint/2010/main" val="665117354"/>
       </p:ext>
     </p:extLst>
   </p:cSld>
@@ -10182,7 +10269,7 @@
     </p:spTree>
     <p:extLst>
       <p:ext uri="{BB962C8B-B14F-4D97-AF65-F5344CB8AC3E}">
-        <p14:creationId xmlns:p14="http://schemas.microsoft.com/office/powerpoint/2010/main" xmlns="" val="93215671"/>
+        <p14:creationId xmlns="" xmlns:p14="http://schemas.microsoft.com/office/powerpoint/2010/main" val="93215671"/>
       </p:ext>
     </p:extLst>
   </p:cSld>
@@ -10224,6 +10311,276 @@
         </p:nvSpPr>
         <p:spPr>
           <a:xfrm>
+            <a:off x="2971800" y="2819400"/>
+            <a:ext cx="3200400" cy="1066800"/>
+          </a:xfrm>
+        </p:spPr>
+        <p:txBody>
+          <a:bodyPr/>
+          <a:lstStyle/>
+          <a:p>
+            <a:r>
+              <a:rPr lang="en-US" dirty="0" smtClean="0"/>
+              <a:t>Video Demo!</a:t>
+            </a:r>
+            <a:endParaRPr lang="en-US" dirty="0"/>
+          </a:p>
+        </p:txBody>
+      </p:sp>
+    </p:spTree>
+  </p:cSld>
+  <p:clrMapOvr>
+    <a:masterClrMapping/>
+  </p:clrMapOvr>
+  <p:transition spd="slow">
+    <p:fade/>
+  </p:transition>
+  <p:timing>
+    <p:tnLst>
+      <p:par>
+        <p:cTn id="1" dur="indefinite" restart="never" nodeType="tmRoot"/>
+      </p:par>
+    </p:tnLst>
+  </p:timing>
+</p:sld>
+</file>
+
+<file path=ppt/slides/slide13.xml><?xml version="1.0" encoding="utf-8"?>
+<p:sld xmlns:a="http://schemas.openxmlformats.org/drawingml/2006/main" xmlns:r="http://schemas.openxmlformats.org/officeDocument/2006/relationships" xmlns:p="http://schemas.openxmlformats.org/presentationml/2006/main">
+  <p:cSld>
+    <p:spTree>
+      <p:nvGrpSpPr>
+        <p:cNvPr id="1" name=""/>
+        <p:cNvGrpSpPr/>
+        <p:nvPr/>
+      </p:nvGrpSpPr>
+      <p:grpSpPr>
+        <a:xfrm>
+          <a:off x="0" y="0"/>
+          <a:ext cx="0" cy="0"/>
+          <a:chOff x="0" y="0"/>
+          <a:chExt cx="0" cy="0"/>
+        </a:xfrm>
+      </p:grpSpPr>
+      <p:pic>
+        <p:nvPicPr>
+          <p:cNvPr id="4" name="AngryPrimsDemovid.mp4">
+            <a:hlinkClick r:id="" action="ppaction://media"/>
+          </p:cNvPr>
+          <p:cNvPicPr>
+            <a:picLocks noGrp="1" noRot="1" noChangeAspect="1"/>
+          </p:cNvPicPr>
+          <p:nvPr>
+            <p:ph idx="1"/>
+            <a:videoFile r:link="rId1"/>
+          </p:nvPr>
+        </p:nvPicPr>
+        <p:blipFill>
+          <a:blip r:embed="rId3" cstate="print"/>
+          <a:stretch>
+            <a:fillRect/>
+          </a:stretch>
+        </p:blipFill>
+        <p:spPr>
+          <a:xfrm>
+            <a:off x="152400" y="533400"/>
+            <a:ext cx="8839200" cy="6107906"/>
+          </a:xfrm>
+          <a:prstGeom prst="rect">
+            <a:avLst/>
+          </a:prstGeom>
+        </p:spPr>
+      </p:pic>
+    </p:spTree>
+  </p:cSld>
+  <p:clrMapOvr>
+    <a:masterClrMapping/>
+  </p:clrMapOvr>
+  <p:transition spd="slow">
+    <p:fade/>
+  </p:transition>
+  <p:timing>
+    <p:tnLst>
+      <p:par>
+        <p:cTn id="1" dur="indefinite" restart="never" nodeType="tmRoot">
+          <p:childTnLst>
+            <p:seq concurrent="1" nextAc="seek">
+              <p:cTn id="2" dur="indefinite" nodeType="mainSeq">
+                <p:childTnLst>
+                  <p:par>
+                    <p:cTn id="3" fill="hold">
+                      <p:stCondLst>
+                        <p:cond delay="indefinite"/>
+                        <p:cond evt="onBegin" delay="0">
+                          <p:tn val="2"/>
+                        </p:cond>
+                      </p:stCondLst>
+                      <p:childTnLst>
+                        <p:par>
+                          <p:cTn id="4" fill="hold">
+                            <p:stCondLst>
+                              <p:cond delay="0"/>
+                            </p:stCondLst>
+                            <p:childTnLst>
+                              <p:par>
+                                <p:cTn id="5" presetID="1" presetClass="mediacall" presetSubtype="0" fill="hold" nodeType="afterEffect">
+                                  <p:stCondLst>
+                                    <p:cond delay="0"/>
+                                  </p:stCondLst>
+                                  <p:childTnLst>
+                                    <p:cmd type="call" cmd="playFrom(0.0)">
+                                      <p:cBhvr>
+                                        <p:cTn id="6" dur="290923" fill="hold"/>
+                                        <p:tgtEl>
+                                          <p:spTgt spid="4"/>
+                                        </p:tgtEl>
+                                      </p:cBhvr>
+                                    </p:cmd>
+                                  </p:childTnLst>
+                                </p:cTn>
+                              </p:par>
+                            </p:childTnLst>
+                          </p:cTn>
+                        </p:par>
+                      </p:childTnLst>
+                    </p:cTn>
+                  </p:par>
+                </p:childTnLst>
+              </p:cTn>
+              <p:prevCondLst>
+                <p:cond evt="onPrev" delay="0">
+                  <p:tgtEl>
+                    <p:sldTgt/>
+                  </p:tgtEl>
+                </p:cond>
+              </p:prevCondLst>
+              <p:nextCondLst>
+                <p:cond evt="onNext" delay="0">
+                  <p:tgtEl>
+                    <p:sldTgt/>
+                  </p:tgtEl>
+                </p:cond>
+              </p:nextCondLst>
+            </p:seq>
+            <p:video>
+              <p:cMediaNode>
+                <p:cTn id="7" fill="hold" display="0">
+                  <p:stCondLst>
+                    <p:cond delay="indefinite"/>
+                  </p:stCondLst>
+                  <p:endCondLst>
+                    <p:cond evt="onNext" delay="0">
+                      <p:tgtEl>
+                        <p:sldTgt/>
+                      </p:tgtEl>
+                    </p:cond>
+                    <p:cond evt="onPrev" delay="0">
+                      <p:tgtEl>
+                        <p:sldTgt/>
+                      </p:tgtEl>
+                    </p:cond>
+                  </p:endCondLst>
+                </p:cTn>
+                <p:tgtEl>
+                  <p:spTgt spid="4"/>
+                </p:tgtEl>
+              </p:cMediaNode>
+            </p:video>
+            <p:seq concurrent="1" nextAc="seek">
+              <p:cTn id="8" restart="whenNotActive" fill="hold" evtFilter="cancelBubble" nodeType="interactiveSeq">
+                <p:stCondLst>
+                  <p:cond evt="onClick" delay="0">
+                    <p:tgtEl>
+                      <p:spTgt spid="4"/>
+                    </p:tgtEl>
+                  </p:cond>
+                </p:stCondLst>
+                <p:endSync evt="end" delay="0">
+                  <p:rtn val="all"/>
+                </p:endSync>
+                <p:childTnLst>
+                  <p:par>
+                    <p:cTn id="9" fill="hold">
+                      <p:stCondLst>
+                        <p:cond delay="0"/>
+                      </p:stCondLst>
+                      <p:childTnLst>
+                        <p:par>
+                          <p:cTn id="10" fill="hold">
+                            <p:stCondLst>
+                              <p:cond delay="0"/>
+                            </p:stCondLst>
+                            <p:childTnLst>
+                              <p:par>
+                                <p:cTn id="11" presetID="2" presetClass="mediacall" presetSubtype="0" fill="hold" nodeType="clickEffect">
+                                  <p:stCondLst>
+                                    <p:cond delay="0"/>
+                                  </p:stCondLst>
+                                  <p:childTnLst>
+                                    <p:cmd type="call" cmd="togglePause">
+                                      <p:cBhvr>
+                                        <p:cTn id="12" dur="1" fill="hold"/>
+                                        <p:tgtEl>
+                                          <p:spTgt spid="4"/>
+                                        </p:tgtEl>
+                                      </p:cBhvr>
+                                    </p:cmd>
+                                  </p:childTnLst>
+                                </p:cTn>
+                              </p:par>
+                            </p:childTnLst>
+                          </p:cTn>
+                        </p:par>
+                      </p:childTnLst>
+                    </p:cTn>
+                  </p:par>
+                </p:childTnLst>
+              </p:cTn>
+              <p:nextCondLst>
+                <p:cond evt="onClick" delay="0">
+                  <p:tgtEl>
+                    <p:spTgt spid="4"/>
+                  </p:tgtEl>
+                </p:cond>
+              </p:nextCondLst>
+            </p:seq>
+          </p:childTnLst>
+        </p:cTn>
+      </p:par>
+    </p:tnLst>
+  </p:timing>
+</p:sld>
+</file>
+
+<file path=ppt/slides/slide14.xml><?xml version="1.0" encoding="utf-8"?>
+<p:sld xmlns:a="http://schemas.openxmlformats.org/drawingml/2006/main" xmlns:r="http://schemas.openxmlformats.org/officeDocument/2006/relationships" xmlns:p="http://schemas.openxmlformats.org/presentationml/2006/main">
+  <p:cSld>
+    <p:spTree>
+      <p:nvGrpSpPr>
+        <p:cNvPr id="1" name=""/>
+        <p:cNvGrpSpPr/>
+        <p:nvPr/>
+      </p:nvGrpSpPr>
+      <p:grpSpPr>
+        <a:xfrm>
+          <a:off x="0" y="0"/>
+          <a:ext cx="0" cy="0"/>
+          <a:chOff x="0" y="0"/>
+          <a:chExt cx="0" cy="0"/>
+        </a:xfrm>
+      </p:grpSpPr>
+      <p:sp>
+        <p:nvSpPr>
+          <p:cNvPr id="2" name="Title 1"/>
+          <p:cNvSpPr>
+            <a:spLocks noGrp="1"/>
+          </p:cNvSpPr>
+          <p:nvPr>
+            <p:ph type="title"/>
+          </p:nvPr>
+        </p:nvSpPr>
+        <p:spPr>
+          <a:xfrm>
             <a:off x="381000" y="1752600"/>
             <a:ext cx="8229600" cy="2133600"/>
           </a:xfrm>
@@ -10246,7 +10603,7 @@
     </p:spTree>
     <p:extLst>
       <p:ext uri="{BB962C8B-B14F-4D97-AF65-F5344CB8AC3E}">
-        <p14:creationId xmlns:p14="http://schemas.microsoft.com/office/powerpoint/2010/main" xmlns="" val="1933149179"/>
+        <p14:creationId xmlns="" xmlns:p14="http://schemas.microsoft.com/office/powerpoint/2010/main" val="1933149179"/>
       </p:ext>
     </p:extLst>
   </p:cSld>
@@ -10320,7 +10677,9 @@
         </p:nvSpPr>
         <p:spPr/>
         <p:txBody>
-          <a:bodyPr/>
+          <a:bodyPr>
+            <a:normAutofit fontScale="92500"/>
+          </a:bodyPr>
           <a:lstStyle/>
           <a:p>
             <a:r>
@@ -10405,7 +10764,7 @@
     </p:spTree>
     <p:extLst>
       <p:ext uri="{BB962C8B-B14F-4D97-AF65-F5344CB8AC3E}">
-        <p14:creationId xmlns:p14="http://schemas.microsoft.com/office/powerpoint/2010/main" xmlns="" val="3818610722"/>
+        <p14:creationId xmlns="" xmlns:p14="http://schemas.microsoft.com/office/powerpoint/2010/main" val="3818610722"/>
       </p:ext>
     </p:extLst>
   </p:cSld>
@@ -10455,7 +10814,7 @@
         <p:spPr>
           <a:xfrm>
             <a:off x="457200" y="762000"/>
-            <a:ext cx="6096000" cy="914400"/>
+            <a:ext cx="7391400" cy="914400"/>
           </a:xfrm>
         </p:spPr>
         <p:txBody>
@@ -10536,7 +10895,7 @@
           <a:blip r:embed="rId4" cstate="email">
             <a:extLst>
               <a:ext uri="{28A0092B-C50C-407E-A947-70E740481C1C}">
-                <a14:useLocalDpi xmlns:a14="http://schemas.microsoft.com/office/drawing/2010/main" xmlns="" val="0"/>
+                <a14:useLocalDpi xmlns="" xmlns:a14="http://schemas.microsoft.com/office/drawing/2010/main" val="0"/>
               </a:ext>
             </a:extLst>
           </a:blip>
@@ -10556,7 +10915,7 @@
           <a:noFill/>
           <a:extLst>
             <a:ext uri="{909E8E84-426E-40DD-AFC4-6F175D3DCCD1}">
-              <a14:hiddenFill xmlns:a14="http://schemas.microsoft.com/office/drawing/2010/main" xmlns="">
+              <a14:hiddenFill xmlns="" xmlns:a14="http://schemas.microsoft.com/office/drawing/2010/main">
                 <a:solidFill>
                   <a:srgbClr val="FFFFFF"/>
                 </a:solidFill>
@@ -10649,7 +11008,7 @@
             </p:custDataLst>
             <p:extLst>
               <p:ext uri="{D42A27DB-BD31-4B8C-83A1-F6EECF244321}">
-                <p14:modId xmlns:p14="http://schemas.microsoft.com/office/powerpoint/2010/main" xmlns="" val="712544266"/>
+                <p14:modId xmlns="" xmlns:p14="http://schemas.microsoft.com/office/powerpoint/2010/main" val="712544266"/>
               </p:ext>
             </p:extLst>
           </p:nvPr>
@@ -10909,7 +11268,7 @@
         </p:spPr>
         <p:txBody>
           <a:bodyPr>
-            <a:normAutofit fontScale="92500"/>
+            <a:normAutofit fontScale="92500" lnSpcReduction="20000"/>
           </a:bodyPr>
           <a:lstStyle/>
           <a:p>
@@ -10975,11 +11334,11 @@
             </a:pPr>
             <a:r>
               <a:rPr lang="en-US" dirty="0" smtClean="0"/>
-              <a:t>Need to develop the </a:t>
+              <a:t>Develop </a:t>
             </a:r>
             <a:r>
               <a:rPr lang="en-US" dirty="0" smtClean="0"/>
-              <a:t>game “Maps” </a:t>
+              <a:t>the game “Maps” </a:t>
             </a:r>
           </a:p>
           <a:p>
@@ -10990,11 +11349,7 @@
             </a:pPr>
             <a:r>
               <a:rPr lang="en-US" dirty="0" smtClean="0"/>
-              <a:t>Need to </a:t>
-            </a:r>
-            <a:r>
-              <a:rPr lang="en-US" dirty="0" smtClean="0"/>
-              <a:t>develop </a:t>
+              <a:t>Develop </a:t>
             </a:r>
             <a:r>
               <a:rPr lang="en-US" dirty="0" smtClean="0"/>
@@ -11117,7 +11472,7 @@
         </p:spPr>
         <p:txBody>
           <a:bodyPr>
-            <a:normAutofit fontScale="92500" lnSpcReduction="20000"/>
+            <a:normAutofit fontScale="85000" lnSpcReduction="20000"/>
           </a:bodyPr>
           <a:lstStyle/>
           <a:p>
@@ -11151,7 +11506,6 @@
               <a:rPr lang="en-US" dirty="0" smtClean="0"/>
               <a:t>., Map Design </a:t>
             </a:r>
-            <a:endParaRPr lang="en-US" dirty="0" smtClean="0"/>
           </a:p>
           <a:p>
             <a:pPr>
@@ -11179,7 +11533,11 @@
             </a:pPr>
             <a:r>
               <a:rPr lang="en-US" dirty="0" smtClean="0"/>
-              <a:t>HUD Design, Projectile and Cannon</a:t>
+              <a:t>HUD Design, Projectile and </a:t>
+            </a:r>
+            <a:r>
+              <a:rPr lang="en-US" dirty="0" smtClean="0"/>
+              <a:t>Cannon</a:t>
             </a:r>
             <a:endParaRPr lang="en-US" dirty="0" smtClean="0"/>
           </a:p>
@@ -11239,7 +11597,7 @@
           <a:blip r:embed="rId5" cstate="print">
             <a:extLst>
               <a:ext uri="{28A0092B-C50C-407E-A947-70E740481C1C}">
-                <a14:useLocalDpi xmlns:a14="http://schemas.microsoft.com/office/drawing/2010/main" xmlns="" val="0"/>
+                <a14:useLocalDpi xmlns="" xmlns:a14="http://schemas.microsoft.com/office/drawing/2010/main" val="0"/>
               </a:ext>
             </a:extLst>
           </a:blip>
@@ -11259,7 +11617,7 @@
           <a:noFill/>
           <a:extLst>
             <a:ext uri="{909E8E84-426E-40DD-AFC4-6F175D3DCCD1}">
-              <a14:hiddenFill xmlns:a14="http://schemas.microsoft.com/office/drawing/2010/main" xmlns="">
+              <a14:hiddenFill xmlns="" xmlns:a14="http://schemas.microsoft.com/office/drawing/2010/main">
                 <a:solidFill>
                   <a:srgbClr val="FFFFFF"/>
                 </a:solidFill>
@@ -11349,15 +11707,14 @@
         </p:nvPicPr>
         <p:blipFill>
           <a:blip r:embed="rId2" cstate="print"/>
-          <a:srcRect/>
           <a:stretch>
             <a:fillRect/>
           </a:stretch>
         </p:blipFill>
         <p:spPr bwMode="auto">
           <a:xfrm>
-            <a:off x="3733800" y="2133600"/>
-            <a:ext cx="5257800" cy="4107180"/>
+            <a:off x="3143250" y="3411538"/>
+            <a:ext cx="2857500" cy="2000250"/>
           </a:xfrm>
           <a:prstGeom prst="rect">
             <a:avLst/>
@@ -11545,6 +11902,43 @@
           <a:chExt cx="0" cy="0"/>
         </a:xfrm>
       </p:grpSpPr>
+      <p:sp>
+        <p:nvSpPr>
+          <p:cNvPr id="2" name="Title 1"/>
+          <p:cNvSpPr>
+            <a:spLocks noGrp="1"/>
+          </p:cNvSpPr>
+          <p:nvPr>
+            <p:ph type="title"/>
+          </p:nvPr>
+        </p:nvSpPr>
+        <p:spPr>
+          <a:xfrm>
+            <a:off x="990600" y="838200"/>
+            <a:ext cx="7239000" cy="1143000"/>
+          </a:xfrm>
+        </p:spPr>
+        <p:txBody>
+          <a:bodyPr>
+            <a:normAutofit fontScale="90000"/>
+          </a:bodyPr>
+          <a:lstStyle/>
+          <a:p>
+            <a:r>
+              <a:rPr lang="en-US" dirty="0" smtClean="0"/>
+              <a:t>Trajectory, Physics, </a:t>
+            </a:r>
+            <a:br>
+              <a:rPr lang="en-US" dirty="0" smtClean="0"/>
+            </a:br>
+            <a:r>
+              <a:rPr lang="en-US" dirty="0" smtClean="0"/>
+              <a:t>Collision</a:t>
+            </a:r>
+            <a:endParaRPr lang="en-US" dirty="0"/>
+          </a:p>
+        </p:txBody>
+      </p:sp>
       <p:pic>
         <p:nvPicPr>
           <p:cNvPr id="2050" name="Picture 2"/>
@@ -11557,15 +11951,14 @@
         </p:nvPicPr>
         <p:blipFill>
           <a:blip r:embed="rId2" cstate="print"/>
-          <a:srcRect/>
           <a:stretch>
             <a:fillRect/>
           </a:stretch>
         </p:blipFill>
         <p:spPr bwMode="auto">
           <a:xfrm>
-            <a:off x="1295400" y="2057400"/>
-            <a:ext cx="6743700" cy="4495800"/>
+            <a:off x="2286000" y="2887663"/>
+            <a:ext cx="4572000" cy="3048000"/>
           </a:xfrm>
           <a:prstGeom prst="rect">
             <a:avLst/>
@@ -11579,43 +11972,6 @@
           </a:ln>
         </p:spPr>
       </p:pic>
-      <p:sp>
-        <p:nvSpPr>
-          <p:cNvPr id="2" name="Title 1"/>
-          <p:cNvSpPr>
-            <a:spLocks noGrp="1"/>
-          </p:cNvSpPr>
-          <p:nvPr>
-            <p:ph type="title"/>
-          </p:nvPr>
-        </p:nvSpPr>
-        <p:spPr>
-          <a:xfrm>
-            <a:off x="990600" y="838200"/>
-            <a:ext cx="7239000" cy="1143000"/>
-          </a:xfrm>
-        </p:spPr>
-        <p:txBody>
-          <a:bodyPr>
-            <a:normAutofit fontScale="90000"/>
-          </a:bodyPr>
-          <a:lstStyle/>
-          <a:p>
-            <a:r>
-              <a:rPr lang="en-US" dirty="0" smtClean="0"/>
-              <a:t>Trajectory, Physics, </a:t>
-            </a:r>
-            <a:br>
-              <a:rPr lang="en-US" dirty="0" smtClean="0"/>
-            </a:br>
-            <a:r>
-              <a:rPr lang="en-US" dirty="0" smtClean="0"/>
-              <a:t>Collision, and Animation</a:t>
-            </a:r>
-            <a:endParaRPr lang="en-US" dirty="0"/>
-          </a:p>
-        </p:txBody>
-      </p:sp>
       <p:sp>
         <p:nvSpPr>
           <p:cNvPr id="5" name="TextBox 4"/>
@@ -11662,8 +12018,8 @@
         </p:nvSpPr>
         <p:spPr>
           <a:xfrm>
-            <a:off x="6172200" y="3200400"/>
-            <a:ext cx="1295400" cy="646331"/>
+            <a:off x="6172200" y="3352800"/>
+            <a:ext cx="1752600" cy="646331"/>
           </a:xfrm>
           <a:prstGeom prst="rect">
             <a:avLst/>
@@ -11721,44 +12077,6 @@
                 </a:solidFill>
               </a:rPr>
               <a:t>Physics</a:t>
-            </a:r>
-            <a:endParaRPr lang="en-US" b="1" dirty="0">
-              <a:solidFill>
-                <a:srgbClr val="FF0000"/>
-              </a:solidFill>
-            </a:endParaRPr>
-          </a:p>
-        </p:txBody>
-      </p:sp>
-      <p:sp>
-        <p:nvSpPr>
-          <p:cNvPr id="10" name="TextBox 9"/>
-          <p:cNvSpPr txBox="1"/>
-          <p:nvPr/>
-        </p:nvSpPr>
-        <p:spPr>
-          <a:xfrm>
-            <a:off x="2438400" y="3733800"/>
-            <a:ext cx="1371600" cy="369332"/>
-          </a:xfrm>
-          <a:prstGeom prst="rect">
-            <a:avLst/>
-          </a:prstGeom>
-          <a:noFill/>
-        </p:spPr>
-        <p:txBody>
-          <a:bodyPr wrap="square" rtlCol="0">
-            <a:spAutoFit/>
-          </a:bodyPr>
-          <a:lstStyle/>
-          <a:p>
-            <a:r>
-              <a:rPr lang="en-US" b="1" dirty="0" smtClean="0">
-                <a:solidFill>
-                  <a:srgbClr val="FF0000"/>
-                </a:solidFill>
-              </a:rPr>
-              <a:t>Animation</a:t>
             </a:r>
             <a:endParaRPr lang="en-US" b="1" dirty="0">
               <a:solidFill>
@@ -11839,22 +12157,17 @@
         <p:spPr/>
         <p:txBody>
           <a:bodyPr>
-            <a:normAutofit fontScale="92500" lnSpcReduction="20000"/>
+            <a:normAutofit lnSpcReduction="10000"/>
           </a:bodyPr>
           <a:lstStyle/>
           <a:p>
             <a:r>
               <a:rPr lang="en-US" dirty="0" smtClean="0"/>
-              <a:t>Obstacle and target locations will be a fixed point.</a:t>
-            </a:r>
-          </a:p>
-          <a:p>
-            <a:endParaRPr lang="en-US" dirty="0" smtClean="0"/>
-          </a:p>
-          <a:p>
+              <a:t>The </a:t>
+            </a:r>
             <a:r>
               <a:rPr lang="en-US" dirty="0" smtClean="0"/>
-              <a:t>The game stages will be limited unless it is possible to generate objects randomly.</a:t>
+              <a:t>game stages will be limited unless it is possible to generate objects randomly.</a:t>
             </a:r>
           </a:p>
           <a:p>
@@ -11968,9 +12281,9 @@
 </file>
 
 <file path=ppt/theme/theme1.xml><?xml version="1.0" encoding="utf-8"?>
-<a:theme xmlns:a="http://schemas.openxmlformats.org/drawingml/2006/main" name="Flow">
+<a:theme xmlns:a="http://schemas.openxmlformats.org/drawingml/2006/main" name="Urban">
   <a:themeElements>
-    <a:clrScheme name="Flow">
+    <a:clrScheme name="Urban">
       <a:dk1>
         <a:sysClr val="windowText" lastClr="000000"/>
       </a:dk1>
@@ -11978,46 +12291,46 @@
         <a:sysClr val="window" lastClr="FFFFFF"/>
       </a:lt1>
       <a:dk2>
-        <a:srgbClr val="04617B"/>
+        <a:srgbClr val="424456"/>
       </a:dk2>
       <a:lt2>
-        <a:srgbClr val="DBF5F9"/>
+        <a:srgbClr val="DEDEDE"/>
       </a:lt2>
       <a:accent1>
-        <a:srgbClr val="0F6FC6"/>
+        <a:srgbClr val="53548A"/>
       </a:accent1>
       <a:accent2>
-        <a:srgbClr val="009DD9"/>
+        <a:srgbClr val="438086"/>
       </a:accent2>
       <a:accent3>
-        <a:srgbClr val="0BD0D9"/>
+        <a:srgbClr val="A04DA3"/>
       </a:accent3>
       <a:accent4>
-        <a:srgbClr val="10CF9B"/>
+        <a:srgbClr val="C4652D"/>
       </a:accent4>
       <a:accent5>
-        <a:srgbClr val="7CCA62"/>
+        <a:srgbClr val="8B5D3D"/>
       </a:accent5>
       <a:accent6>
-        <a:srgbClr val="A5C249"/>
+        <a:srgbClr val="5C92B5"/>
       </a:accent6>
       <a:hlink>
-        <a:srgbClr val="E2D700"/>
+        <a:srgbClr val="67AFBD"/>
       </a:hlink>
       <a:folHlink>
-        <a:srgbClr val="85DFD0"/>
+        <a:srgbClr val="C2A874"/>
       </a:folHlink>
     </a:clrScheme>
-    <a:fontScheme name="Flow">
+    <a:fontScheme name="Urban">
       <a:majorFont>
-        <a:latin typeface="Calibri"/>
+        <a:latin typeface="Trebuchet MS"/>
         <a:ea typeface=""/>
         <a:cs typeface=""/>
-        <a:font script="Jpan" typeface="ＭＳ Ｐゴシック"/>
-        <a:font script="Hang" typeface="HY중고딕"/>
-        <a:font script="Hans" typeface="隶书"/>
+        <a:font script="Jpan" typeface="HGｺﾞｼｯｸM"/>
+        <a:font script="Hang" typeface="맑은 고딕"/>
+        <a:font script="Hans" typeface="方正姚体"/>
         <a:font script="Hant" typeface="微軟正黑體"/>
-        <a:font script="Arab" typeface="Traditional Arabic"/>
+        <a:font script="Arab" typeface="Tahoma"/>
         <a:font script="Hebr" typeface="Arial"/>
         <a:font script="Thai" typeface="Cordia New"/>
         <a:font script="Ethi" typeface="Nyala"/>
@@ -12040,20 +12353,20 @@
         <a:font script="Laoo" typeface="DokChampa"/>
         <a:font script="Sinh" typeface="Iskoola Pota"/>
         <a:font script="Mong" typeface="Mongolian Baiti"/>
-        <a:font script="Viet" typeface="Arial"/>
+        <a:font script="Viet" typeface="Tahoma"/>
         <a:font script="Uigh" typeface="Microsoft Uighur"/>
       </a:majorFont>
       <a:minorFont>
-        <a:latin typeface="Constantia"/>
+        <a:latin typeface="Georgia"/>
         <a:ea typeface=""/>
         <a:cs typeface=""/>
-        <a:font script="Jpan" typeface="HGP明朝E"/>
-        <a:font script="Hang" typeface="HY신명조"/>
+        <a:font script="Jpan" typeface="HG明朝B"/>
+        <a:font script="Hang" typeface="맑은 고딕"/>
         <a:font script="Hans" typeface="宋体"/>
         <a:font script="Hant" typeface="新細明體"/>
-        <a:font script="Arab" typeface="Majalla UI"/>
-        <a:font script="Hebr" typeface="David"/>
-        <a:font script="Thai" typeface="Browallia New"/>
+        <a:font script="Arab" typeface="Arial"/>
+        <a:font script="Hebr" typeface="Times New Roman"/>
+        <a:font script="Thai" typeface="Angsana New"/>
         <a:font script="Ethi" typeface="Nyala"/>
         <a:font script="Beng" typeface="Vrinda"/>
         <a:font script="Gujr" typeface="Shruti"/>
@@ -12078,7 +12391,7 @@
         <a:font script="Uigh" typeface="Microsoft Uighur"/>
       </a:minorFont>
     </a:fontScheme>
-    <a:fmtScheme name="Flow">
+    <a:fmtScheme name="Urban">
       <a:fillStyleLst>
         <a:solidFill>
           <a:schemeClr val="phClr"/>
@@ -12087,77 +12400,66 @@
           <a:gsLst>
             <a:gs pos="0">
               <a:schemeClr val="phClr">
-                <a:tint val="70000"/>
-                <a:satMod val="130000"/>
+                <a:tint val="1000"/>
+                <a:satMod val="255000"/>
               </a:schemeClr>
             </a:gs>
-            <a:gs pos="43000">
+            <a:gs pos="55000">
               <a:schemeClr val="phClr">
-                <a:tint val="44000"/>
-                <a:satMod val="165000"/>
-              </a:schemeClr>
-            </a:gs>
-            <a:gs pos="93000">
-              <a:schemeClr val="phClr">
-                <a:tint val="15000"/>
-                <a:satMod val="165000"/>
+                <a:tint val="12000"/>
+                <a:satMod val="255000"/>
               </a:schemeClr>
             </a:gs>
             <a:gs pos="100000">
               <a:schemeClr val="phClr">
-                <a:tint val="5000"/>
+                <a:tint val="45000"/>
                 <a:satMod val="250000"/>
               </a:schemeClr>
             </a:gs>
           </a:gsLst>
           <a:path path="circle">
-            <a:fillToRect l="50000" t="130000" r="50000" b="-30000"/>
+            <a:fillToRect l="-40000" t="-90000" r="140000" b="190000"/>
           </a:path>
         </a:gradFill>
         <a:gradFill rotWithShape="1">
           <a:gsLst>
             <a:gs pos="0">
               <a:schemeClr val="phClr">
-                <a:tint val="98000"/>
-                <a:shade val="25000"/>
-                <a:satMod val="250000"/>
+                <a:tint val="43000"/>
+                <a:satMod val="165000"/>
               </a:schemeClr>
             </a:gs>
-            <a:gs pos="68000">
+            <a:gs pos="55000">
               <a:schemeClr val="phClr">
-                <a:tint val="86000"/>
-                <a:satMod val="115000"/>
+                <a:tint val="83000"/>
+                <a:satMod val="155000"/>
               </a:schemeClr>
             </a:gs>
             <a:gs pos="100000">
               <a:schemeClr val="phClr">
-                <a:tint val="50000"/>
-                <a:satMod val="150000"/>
+                <a:shade val="85000"/>
               </a:schemeClr>
             </a:gs>
           </a:gsLst>
           <a:path path="circle">
-            <a:fillToRect l="50000" t="130000" r="50000" b="-30000"/>
+            <a:fillToRect l="-40000" t="-90000" r="140000" b="190000"/>
           </a:path>
         </a:gradFill>
       </a:fillStyleLst>
       <a:lnStyleLst>
         <a:ln w="9525" cap="flat" cmpd="sng" algn="ctr">
           <a:solidFill>
-            <a:schemeClr val="phClr">
-              <a:shade val="50000"/>
-              <a:satMod val="103000"/>
-            </a:schemeClr>
+            <a:schemeClr val="phClr"/>
           </a:solidFill>
           <a:prstDash val="solid"/>
         </a:ln>
-        <a:ln w="25400" cap="flat" cmpd="sng" algn="ctr">
+        <a:ln w="19050" cap="flat" cmpd="sng" algn="ctr">
           <a:solidFill>
             <a:schemeClr val="phClr"/>
           </a:solidFill>
           <a:prstDash val="solid"/>
         </a:ln>
-        <a:ln w="38100" cap="flat" cmpd="sng" algn="ctr">
+        <a:ln w="31750" cap="flat" cmpd="sng" algn="ctr">
           <a:solidFill>
             <a:schemeClr val="phClr"/>
           </a:solidFill>
@@ -12167,46 +12469,45 @@
       <a:effectStyleLst>
         <a:effectStyle>
           <a:effectLst>
-            <a:outerShdw blurRad="57150" dist="38100" dir="5400000" algn="ctr" rotWithShape="0">
-              <a:schemeClr val="phClr">
-                <a:shade val="9000"/>
-                <a:satMod val="105000"/>
-                <a:alpha val="48000"/>
-              </a:schemeClr>
+            <a:outerShdw blurRad="51500" dist="25400" dir="5400000" rotWithShape="0">
+              <a:srgbClr val="000000">
+                <a:alpha val="40000"/>
+              </a:srgbClr>
             </a:outerShdw>
           </a:effectLst>
         </a:effectStyle>
         <a:effectStyle>
           <a:effectLst>
-            <a:outerShdw blurRad="57150" dist="38100" dir="5400000" algn="ctr" rotWithShape="0">
-              <a:schemeClr val="phClr">
-                <a:shade val="9000"/>
-                <a:satMod val="105000"/>
-                <a:alpha val="48000"/>
-              </a:schemeClr>
+            <a:outerShdw blurRad="50800" dist="25400" dir="5400000" rotWithShape="0">
+              <a:srgbClr val="000000">
+                <a:alpha val="45000"/>
+              </a:srgbClr>
             </a:outerShdw>
           </a:effectLst>
         </a:effectStyle>
         <a:effectStyle>
           <a:effectLst>
-            <a:outerShdw blurRad="57150" dist="38100" dir="5400000" algn="ctr" rotWithShape="0">
-              <a:schemeClr val="phClr">
-                <a:shade val="9000"/>
-                <a:satMod val="105000"/>
-                <a:alpha val="48000"/>
-              </a:schemeClr>
+            <a:outerShdw blurRad="50800" dist="25400" dir="5400000" rotWithShape="0">
+              <a:srgbClr val="000000">
+                <a:alpha val="45000"/>
+              </a:srgbClr>
             </a:outerShdw>
           </a:effectLst>
           <a:scene3d>
             <a:camera prst="orthographicFront" fov="0">
               <a:rot lat="0" lon="0" rev="0"/>
             </a:camera>
-            <a:lightRig rig="glow" dir="tl">
-              <a:rot lat="0" lon="0" rev="900000"/>
+            <a:lightRig rig="flat" dir="t">
+              <a:rot lat="0" lon="0" rev="20040000"/>
             </a:lightRig>
           </a:scene3d>
-          <a:sp3d prstMaterial="powder">
-            <a:bevelT w="25400" h="38100"/>
+          <a:sp3d contourW="12700" prstMaterial="dkEdge">
+            <a:bevelT w="25400" h="38100" prst="convex"/>
+            <a:contourClr>
+              <a:schemeClr val="phClr">
+                <a:satMod val="115000"/>
+              </a:schemeClr>
+            </a:contourClr>
           </a:sp3d>
         </a:effectStyle>
       </a:effectStyleLst>
@@ -12216,43 +12517,40 @@
         </a:solidFill>
         <a:gradFill rotWithShape="1">
           <a:gsLst>
+            <a:gs pos="100000">
+              <a:schemeClr val="phClr">
+                <a:tint val="80000"/>
+                <a:satMod val="250000"/>
+              </a:schemeClr>
+            </a:gs>
+            <a:gs pos="60000">
+              <a:schemeClr val="phClr">
+                <a:shade val="38000"/>
+                <a:satMod val="175000"/>
+              </a:schemeClr>
+            </a:gs>
             <a:gs pos="0">
               <a:schemeClr val="phClr">
-                <a:tint val="80000"/>
-                <a:satMod val="400000"/>
-              </a:schemeClr>
-            </a:gs>
-            <a:gs pos="25000">
-              <a:schemeClr val="phClr">
-                <a:tint val="83000"/>
-                <a:satMod val="320000"/>
-              </a:schemeClr>
-            </a:gs>
-            <a:gs pos="100000">
-              <a:schemeClr val="phClr">
-                <a:shade val="15000"/>
-                <a:satMod val="320000"/>
+                <a:shade val="30000"/>
+                <a:satMod val="175000"/>
               </a:schemeClr>
             </a:gs>
           </a:gsLst>
-          <a:path path="circle">
-            <a:fillToRect l="10000" t="110000" r="10000" b="100000"/>
-          </a:path>
+          <a:lin ang="5400000" scaled="0"/>
         </a:gradFill>
         <a:blipFill>
           <a:blip xmlns:r="http://schemas.openxmlformats.org/officeDocument/2006/relationships" r:embed="rId1">
             <a:duotone>
               <a:schemeClr val="phClr">
-                <a:shade val="90000"/>
-                <a:satMod val="150000"/>
+                <a:shade val="48000"/>
               </a:schemeClr>
               <a:schemeClr val="phClr">
-                <a:tint val="88000"/>
+                <a:tint val="96000"/>
                 <a:satMod val="150000"/>
               </a:schemeClr>
             </a:duotone>
           </a:blip>
-          <a:tile tx="0" ty="0" sx="65000" sy="65000" flip="none" algn="tl"/>
+          <a:tile tx="0" ty="0" sx="80000" sy="80000" flip="none" algn="tl"/>
         </a:blipFill>
       </a:bgFillStyleLst>
     </a:fmtScheme>

--- a/ kinect-virtual-world --username c.c.williams55@gmail.com/Final Presentation/Angry_Prims_Final_Presentation.pptx
+++ b/ kinect-virtual-world --username c.c.williams55@gmail.com/Final Presentation/Angry_Prims_Final_Presentation.pptx
@@ -10186,6 +10186,13 @@
   <p:transition spd="slow">
     <p:fade/>
   </p:transition>
+  <p:timing>
+    <p:tnLst>
+      <p:par>
+        <p:cTn id="1" dur="indefinite" restart="never" nodeType="tmRoot"/>
+      </p:par>
+    </p:tnLst>
+  </p:timing>
 </p:sld>
 </file>
 
@@ -10279,6 +10286,13 @@
   <p:transition spd="slow">
     <p:fade/>
   </p:transition>
+  <p:timing>
+    <p:tnLst>
+      <p:par>
+        <p:cTn id="1" dur="indefinite" restart="never" nodeType="tmRoot"/>
+      </p:par>
+    </p:tnLst>
+  </p:timing>
 </p:sld>
 </file>
 
@@ -10906,8 +10920,8 @@
         </p:blipFill>
         <p:spPr bwMode="auto">
           <a:xfrm>
-            <a:off x="6553200" y="4726214"/>
-            <a:ext cx="2272553" cy="1839686"/>
+            <a:off x="6858000" y="4972956"/>
+            <a:ext cx="1967753" cy="1592943"/>
           </a:xfrm>
           <a:prstGeom prst="rect">
             <a:avLst/>
@@ -11334,7 +11348,7 @@
             </a:pPr>
             <a:r>
               <a:rPr lang="en-US" dirty="0" smtClean="0"/>
-              <a:t>Develop </a:t>
+              <a:t>Developed </a:t>
             </a:r>
             <a:r>
               <a:rPr lang="en-US" dirty="0" smtClean="0"/>
@@ -11349,7 +11363,7 @@
             </a:pPr>
             <a:r>
               <a:rPr lang="en-US" dirty="0" smtClean="0"/>
-              <a:t>Develop </a:t>
+              <a:t>Developed </a:t>
             </a:r>
             <a:r>
               <a:rPr lang="en-US" dirty="0" smtClean="0"/>
@@ -11472,7 +11486,7 @@
         </p:spPr>
         <p:txBody>
           <a:bodyPr>
-            <a:normAutofit fontScale="85000" lnSpcReduction="20000"/>
+            <a:normAutofit fontScale="77500" lnSpcReduction="20000"/>
           </a:bodyPr>
           <a:lstStyle/>
           <a:p>
@@ -11537,7 +11551,7 @@
             </a:r>
             <a:r>
               <a:rPr lang="en-US" dirty="0" smtClean="0"/>
-              <a:t>Cannon</a:t>
+              <a:t>Cannon, Map Design</a:t>
             </a:r>
             <a:endParaRPr lang="en-US" dirty="0" smtClean="0"/>
           </a:p>
@@ -11570,8 +11584,13 @@
             </a:r>
             <a:r>
               <a:rPr lang="en-US" dirty="0"/>
-              <a:t>and voice control</a:t>
-            </a:r>
+              <a:t>and voice </a:t>
+            </a:r>
+            <a:r>
+              <a:rPr lang="en-US" dirty="0" smtClean="0"/>
+              <a:t>control, Map Design</a:t>
+            </a:r>
+            <a:endParaRPr lang="en-US" dirty="0"/>
           </a:p>
           <a:p>
             <a:pPr marL="514350" indent="-514350">

--- a/ kinect-virtual-world --username c.c.williams55@gmail.com/Final Presentation/Angry_Prims_Final_Presentation.pptx
+++ b/ kinect-virtual-world --username c.c.williams55@gmail.com/Final Presentation/Angry_Prims_Final_Presentation.pptx
@@ -16,7 +16,7 @@
     <p:sldId id="267" r:id="rId7"/>
     <p:sldId id="271" r:id="rId8"/>
     <p:sldId id="272" r:id="rId9"/>
-    <p:sldId id="274" r:id="rId10"/>
+    <p:sldId id="279" r:id="rId10"/>
     <p:sldId id="275" r:id="rId11"/>
     <p:sldId id="276" r:id="rId12"/>
     <p:sldId id="278" r:id="rId13"/>
@@ -12150,14 +12150,209 @@
             <p:ph type="title"/>
           </p:nvPr>
         </p:nvSpPr>
-        <p:spPr/>
+        <p:spPr>
+          <a:xfrm>
+            <a:off x="152400" y="533400"/>
+            <a:ext cx="8229600" cy="1066800"/>
+          </a:xfrm>
+        </p:spPr>
         <p:txBody>
           <a:bodyPr/>
           <a:lstStyle/>
           <a:p>
             <a:r>
               <a:rPr lang="en-US" dirty="0" smtClean="0"/>
-              <a:t>Game Limitations</a:t>
+              <a:t>Development Screenshots</a:t>
+            </a:r>
+            <a:endParaRPr lang="en-US" dirty="0"/>
+          </a:p>
+        </p:txBody>
+      </p:sp>
+      <p:pic>
+        <p:nvPicPr>
+          <p:cNvPr id="2050" name="Picture 2"/>
+          <p:cNvPicPr>
+            <a:picLocks noChangeAspect="1" noChangeArrowheads="1"/>
+          </p:cNvPicPr>
+          <p:nvPr/>
+        </p:nvPicPr>
+        <p:blipFill>
+          <a:blip r:embed="rId2" cstate="print"/>
+          <a:srcRect/>
+          <a:stretch>
+            <a:fillRect/>
+          </a:stretch>
+        </p:blipFill>
+        <p:spPr bwMode="auto">
+          <a:xfrm>
+            <a:off x="4800600" y="1828800"/>
+            <a:ext cx="3895941" cy="2240265"/>
+          </a:xfrm>
+          <a:prstGeom prst="rect">
+            <a:avLst/>
+          </a:prstGeom>
+          <a:noFill/>
+          <a:ln w="9525">
+            <a:noFill/>
+            <a:miter lim="800000"/>
+            <a:headEnd/>
+            <a:tailEnd/>
+          </a:ln>
+        </p:spPr>
+      </p:pic>
+      <p:pic>
+        <p:nvPicPr>
+          <p:cNvPr id="2051" name="Picture 3"/>
+          <p:cNvPicPr>
+            <a:picLocks noChangeAspect="1" noChangeArrowheads="1"/>
+          </p:cNvPicPr>
+          <p:nvPr/>
+        </p:nvPicPr>
+        <p:blipFill>
+          <a:blip r:embed="rId3" cstate="print"/>
+          <a:srcRect/>
+          <a:stretch>
+            <a:fillRect/>
+          </a:stretch>
+        </p:blipFill>
+        <p:spPr bwMode="auto">
+          <a:xfrm>
+            <a:off x="381000" y="1828800"/>
+            <a:ext cx="3765141" cy="2238070"/>
+          </a:xfrm>
+          <a:prstGeom prst="rect">
+            <a:avLst/>
+          </a:prstGeom>
+          <a:noFill/>
+          <a:ln w="9525">
+            <a:noFill/>
+            <a:miter lim="800000"/>
+            <a:headEnd/>
+            <a:tailEnd/>
+          </a:ln>
+        </p:spPr>
+      </p:pic>
+      <p:pic>
+        <p:nvPicPr>
+          <p:cNvPr id="2052" name="Picture 4"/>
+          <p:cNvPicPr>
+            <a:picLocks noChangeAspect="1" noChangeArrowheads="1"/>
+          </p:cNvPicPr>
+          <p:nvPr/>
+        </p:nvPicPr>
+        <p:blipFill>
+          <a:blip r:embed="rId4" cstate="print"/>
+          <a:srcRect/>
+          <a:stretch>
+            <a:fillRect/>
+          </a:stretch>
+        </p:blipFill>
+        <p:spPr bwMode="auto">
+          <a:xfrm>
+            <a:off x="533400" y="5105400"/>
+            <a:ext cx="1989852" cy="1524000"/>
+          </a:xfrm>
+          <a:prstGeom prst="rect">
+            <a:avLst/>
+          </a:prstGeom>
+          <a:noFill/>
+          <a:ln w="9525">
+            <a:noFill/>
+            <a:miter lim="800000"/>
+            <a:headEnd/>
+            <a:tailEnd/>
+          </a:ln>
+        </p:spPr>
+      </p:pic>
+      <p:pic>
+        <p:nvPicPr>
+          <p:cNvPr id="2053" name="Picture 5"/>
+          <p:cNvPicPr>
+            <a:picLocks noChangeAspect="1" noChangeArrowheads="1"/>
+          </p:cNvPicPr>
+          <p:nvPr/>
+        </p:nvPicPr>
+        <p:blipFill>
+          <a:blip r:embed="rId5" cstate="print"/>
+          <a:srcRect/>
+          <a:stretch>
+            <a:fillRect/>
+          </a:stretch>
+        </p:blipFill>
+        <p:spPr bwMode="auto">
+          <a:xfrm>
+            <a:off x="2514600" y="5105400"/>
+            <a:ext cx="1981200" cy="1526258"/>
+          </a:xfrm>
+          <a:prstGeom prst="rect">
+            <a:avLst/>
+          </a:prstGeom>
+          <a:noFill/>
+          <a:ln w="9525">
+            <a:noFill/>
+            <a:miter lim="800000"/>
+            <a:headEnd/>
+            <a:tailEnd/>
+          </a:ln>
+        </p:spPr>
+      </p:pic>
+      <p:pic>
+        <p:nvPicPr>
+          <p:cNvPr id="2054" name="Picture 6"/>
+          <p:cNvPicPr>
+            <a:picLocks noChangeAspect="1" noChangeArrowheads="1"/>
+          </p:cNvPicPr>
+          <p:nvPr/>
+        </p:nvPicPr>
+        <p:blipFill>
+          <a:blip r:embed="rId6" cstate="print"/>
+          <a:srcRect/>
+          <a:stretch>
+            <a:fillRect/>
+          </a:stretch>
+        </p:blipFill>
+        <p:spPr bwMode="auto">
+          <a:xfrm>
+            <a:off x="4495801" y="5105400"/>
+            <a:ext cx="1600200" cy="1524000"/>
+          </a:xfrm>
+          <a:prstGeom prst="rect">
+            <a:avLst/>
+          </a:prstGeom>
+          <a:noFill/>
+          <a:ln w="9525">
+            <a:noFill/>
+            <a:miter lim="800000"/>
+            <a:headEnd/>
+            <a:tailEnd/>
+          </a:ln>
+        </p:spPr>
+      </p:pic>
+      <p:sp>
+        <p:nvSpPr>
+          <p:cNvPr id="9" name="TextBox 8"/>
+          <p:cNvSpPr txBox="1"/>
+          <p:nvPr/>
+        </p:nvSpPr>
+        <p:spPr>
+          <a:xfrm>
+            <a:off x="381000" y="1447800"/>
+            <a:ext cx="2209800" cy="369332"/>
+          </a:xfrm>
+          <a:prstGeom prst="rect">
+            <a:avLst/>
+          </a:prstGeom>
+          <a:noFill/>
+        </p:spPr>
+        <p:txBody>
+          <a:bodyPr wrap="square" rtlCol="0">
+            <a:spAutoFit/>
+          </a:bodyPr>
+          <a:lstStyle/>
+          <a:p>
+            <a:r>
+              <a:rPr lang="en-US" dirty="0" smtClean="0"/>
+              <a:t>HUD Design</a:t>
             </a:r>
             <a:endParaRPr lang="en-US" dirty="0"/>
           </a:p>
@@ -12165,50 +12360,96 @@
       </p:sp>
       <p:sp>
         <p:nvSpPr>
-          <p:cNvPr id="3" name="Content Placeholder 2"/>
-          <p:cNvSpPr>
-            <a:spLocks noGrp="1"/>
-          </p:cNvSpPr>
-          <p:nvPr>
-            <p:ph idx="1"/>
-          </p:nvPr>
+          <p:cNvPr id="10" name="TextBox 9"/>
+          <p:cNvSpPr txBox="1"/>
+          <p:nvPr/>
         </p:nvSpPr>
-        <p:spPr/>
+        <p:spPr>
+          <a:xfrm>
+            <a:off x="4800600" y="1447800"/>
+            <a:ext cx="2971800" cy="369332"/>
+          </a:xfrm>
+          <a:prstGeom prst="rect">
+            <a:avLst/>
+          </a:prstGeom>
+          <a:noFill/>
+        </p:spPr>
         <p:txBody>
-          <a:bodyPr>
-            <a:normAutofit lnSpcReduction="10000"/>
+          <a:bodyPr wrap="square" rtlCol="0">
+            <a:spAutoFit/>
           </a:bodyPr>
           <a:lstStyle/>
           <a:p>
             <a:r>
               <a:rPr lang="en-US" dirty="0" smtClean="0"/>
-              <a:t>The </a:t>
-            </a:r>
-            <a:r>
-              <a:rPr lang="en-US" dirty="0" smtClean="0"/>
-              <a:t>game stages will be limited unless it is possible to generate objects randomly.</a:t>
-            </a:r>
-          </a:p>
-          <a:p>
-            <a:endParaRPr lang="en-US" dirty="0" smtClean="0"/>
-          </a:p>
-          <a:p>
-            <a:r>
-              <a:rPr lang="en-US" dirty="0" smtClean="0"/>
-              <a:t>Game reset will require all objects to return to their previous states, therefore there must be a way to remember previous locations.</a:t>
-            </a:r>
-          </a:p>
-          <a:p>
-            <a:endParaRPr lang="en-US" dirty="0" smtClean="0"/>
-          </a:p>
-          <a:p>
-            <a:r>
-              <a:rPr lang="en-US" dirty="0" smtClean="0"/>
-              <a:t>The game must be in a state such that game conditions are known or could receive messages from the server about game conditions.</a:t>
-            </a:r>
+              <a:t>Cannon and Bullets</a:t>
+            </a:r>
+            <a:endParaRPr lang="en-US" dirty="0"/>
           </a:p>
         </p:txBody>
       </p:sp>
+      <p:sp>
+        <p:nvSpPr>
+          <p:cNvPr id="11" name="TextBox 10"/>
+          <p:cNvSpPr txBox="1"/>
+          <p:nvPr/>
+        </p:nvSpPr>
+        <p:spPr>
+          <a:xfrm>
+            <a:off x="533400" y="4648200"/>
+            <a:ext cx="2667000" cy="369332"/>
+          </a:xfrm>
+          <a:prstGeom prst="rect">
+            <a:avLst/>
+          </a:prstGeom>
+          <a:noFill/>
+        </p:spPr>
+        <p:txBody>
+          <a:bodyPr wrap="square" rtlCol="0">
+            <a:spAutoFit/>
+          </a:bodyPr>
+          <a:lstStyle/>
+          <a:p>
+            <a:r>
+              <a:rPr lang="en-US" dirty="0" smtClean="0"/>
+              <a:t>Dynamic Map Creation</a:t>
+            </a:r>
+            <a:endParaRPr lang="en-US" dirty="0"/>
+          </a:p>
+        </p:txBody>
+      </p:sp>
+      <p:pic>
+        <p:nvPicPr>
+          <p:cNvPr id="2055" name="Picture 7"/>
+          <p:cNvPicPr>
+            <a:picLocks noChangeAspect="1" noChangeArrowheads="1"/>
+          </p:cNvPicPr>
+          <p:nvPr/>
+        </p:nvPicPr>
+        <p:blipFill>
+          <a:blip r:embed="rId7" cstate="print"/>
+          <a:srcRect/>
+          <a:stretch>
+            <a:fillRect/>
+          </a:stretch>
+        </p:blipFill>
+        <p:spPr bwMode="auto">
+          <a:xfrm>
+            <a:off x="6096000" y="5105401"/>
+            <a:ext cx="2113009" cy="1527048"/>
+          </a:xfrm>
+          <a:prstGeom prst="rect">
+            <a:avLst/>
+          </a:prstGeom>
+          <a:noFill/>
+          <a:ln w="9525">
+            <a:noFill/>
+            <a:miter lim="800000"/>
+            <a:headEnd/>
+            <a:tailEnd/>
+          </a:ln>
+        </p:spPr>
+      </p:pic>
     </p:spTree>
   </p:cSld>
   <p:clrMapOvr>

--- a/ kinect-virtual-world --username c.c.williams55@gmail.com/Final Presentation/Angry_Prims_Final_Presentation.pptx
+++ b/ kinect-virtual-world --username c.c.williams55@gmail.com/Final Presentation/Angry_Prims_Final_Presentation.pptx
@@ -5,7 +5,7 @@
     <p:sldMasterId id="2147484164" r:id="rId1"/>
   </p:sldMasterIdLst>
   <p:notesMasterIdLst>
-    <p:notesMasterId r:id="rId16"/>
+    <p:notesMasterId r:id="rId15"/>
   </p:notesMasterIdLst>
   <p:sldIdLst>
     <p:sldId id="259" r:id="rId2"/>
@@ -20,8 +20,7 @@
     <p:sldId id="275" r:id="rId11"/>
     <p:sldId id="276" r:id="rId12"/>
     <p:sldId id="278" r:id="rId13"/>
-    <p:sldId id="277" r:id="rId14"/>
-    <p:sldId id="269" r:id="rId15"/>
+    <p:sldId id="269" r:id="rId14"/>
   </p:sldIdLst>
   <p:sldSz cx="9144000" cy="6858000" type="screen4x3"/>
   <p:notesSz cx="6858000" cy="9144000"/>
@@ -4037,7 +4036,7 @@
             <a:fld id="{724506C0-3FFE-45A5-803D-9F4FC5464A70}" type="datetimeFigureOut">
               <a:rPr lang="en-US" smtClean="0"/>
               <a:pPr/>
-              <a:t>4/23/2012</a:t>
+              <a:t>4/24/2012</a:t>
             </a:fld>
             <a:endParaRPr lang="en-US"/>
           </a:p>
@@ -5543,7 +5542,7 @@
             <a:fld id="{F922158D-428B-4987-8B28-745A2AFA1252}" type="datetimeFigureOut">
               <a:rPr lang="en-US" smtClean="0"/>
               <a:pPr/>
-              <a:t>4/23/2012</a:t>
+              <a:t>4/24/2012</a:t>
             </a:fld>
             <a:endParaRPr lang="en-US"/>
           </a:p>
@@ -6291,7 +6290,7 @@
             <a:fld id="{F922158D-428B-4987-8B28-745A2AFA1252}" type="datetimeFigureOut">
               <a:rPr lang="en-US" smtClean="0"/>
               <a:pPr/>
-              <a:t>4/23/2012</a:t>
+              <a:t>4/24/2012</a:t>
             </a:fld>
             <a:endParaRPr lang="en-US"/>
           </a:p>
@@ -6478,7 +6477,7 @@
             <a:fld id="{F922158D-428B-4987-8B28-745A2AFA1252}" type="datetimeFigureOut">
               <a:rPr lang="en-US" smtClean="0"/>
               <a:pPr/>
-              <a:t>4/23/2012</a:t>
+              <a:t>4/24/2012</a:t>
             </a:fld>
             <a:endParaRPr lang="en-US"/>
           </a:p>
@@ -6655,7 +6654,7 @@
             <a:fld id="{F922158D-428B-4987-8B28-745A2AFA1252}" type="datetimeFigureOut">
               <a:rPr lang="en-US" smtClean="0"/>
               <a:pPr/>
-              <a:t>4/23/2012</a:t>
+              <a:t>4/24/2012</a:t>
             </a:fld>
             <a:endParaRPr lang="en-US"/>
           </a:p>
@@ -6888,7 +6887,7 @@
             <a:fld id="{F922158D-428B-4987-8B28-745A2AFA1252}" type="datetimeFigureOut">
               <a:rPr lang="en-US" smtClean="0"/>
               <a:pPr/>
-              <a:t>4/23/2012</a:t>
+              <a:t>4/24/2012</a:t>
             </a:fld>
             <a:endParaRPr lang="en-US"/>
           </a:p>
@@ -7413,7 +7412,7 @@
             <a:fld id="{F922158D-428B-4987-8B28-745A2AFA1252}" type="datetimeFigureOut">
               <a:rPr lang="en-US" smtClean="0"/>
               <a:pPr/>
-              <a:t>4/23/2012</a:t>
+              <a:t>4/24/2012</a:t>
             </a:fld>
             <a:endParaRPr lang="en-US"/>
           </a:p>
@@ -7829,7 +7828,7 @@
             <a:fld id="{F922158D-428B-4987-8B28-745A2AFA1252}" type="datetimeFigureOut">
               <a:rPr lang="en-US" smtClean="0"/>
               <a:pPr/>
-              <a:t>4/23/2012</a:t>
+              <a:t>4/24/2012</a:t>
             </a:fld>
             <a:endParaRPr lang="en-US"/>
           </a:p>
@@ -7972,7 +7971,7 @@
             <a:fld id="{F922158D-428B-4987-8B28-745A2AFA1252}" type="datetimeFigureOut">
               <a:rPr lang="en-US" smtClean="0"/>
               <a:pPr/>
-              <a:t>4/23/2012</a:t>
+              <a:t>4/24/2012</a:t>
             </a:fld>
             <a:endParaRPr lang="en-US"/>
           </a:p>
@@ -8084,7 +8083,7 @@
             <a:fld id="{F922158D-428B-4987-8B28-745A2AFA1252}" type="datetimeFigureOut">
               <a:rPr lang="en-US" smtClean="0"/>
               <a:pPr/>
-              <a:t>4/23/2012</a:t>
+              <a:t>4/24/2012</a:t>
             </a:fld>
             <a:endParaRPr lang="en-US"/>
           </a:p>
@@ -8341,7 +8340,7 @@
             <a:fld id="{F922158D-428B-4987-8B28-745A2AFA1252}" type="datetimeFigureOut">
               <a:rPr lang="en-US" smtClean="0"/>
               <a:pPr/>
-              <a:t>4/23/2012</a:t>
+              <a:t>4/24/2012</a:t>
             </a:fld>
             <a:endParaRPr lang="en-US"/>
           </a:p>
@@ -8597,7 +8596,7 @@
             <a:fld id="{F922158D-428B-4987-8B28-745A2AFA1252}" type="datetimeFigureOut">
               <a:rPr lang="en-US" smtClean="0"/>
               <a:pPr/>
-              <a:t>4/23/2012</a:t>
+              <a:t>4/24/2012</a:t>
             </a:fld>
             <a:endParaRPr lang="en-US"/>
           </a:p>
@@ -9433,7 +9432,7 @@
             <a:fld id="{F922158D-428B-4987-8B28-745A2AFA1252}" type="datetimeFigureOut">
               <a:rPr lang="en-US" smtClean="0"/>
               <a:pPr/>
-              <a:t>4/23/2012</a:t>
+              <a:t>4/24/2012</a:t>
             </a:fld>
             <a:endParaRPr lang="en-US"/>
           </a:p>
@@ -9869,11 +9868,7 @@
             </a:br>
             <a:r>
               <a:rPr lang="en-US" sz="5500" b="1" i="1" dirty="0" smtClean="0"/>
-              <a:t>Final </a:t>
-            </a:r>
-            <a:r>
-              <a:rPr lang="en-US" sz="5500" b="1" i="1" dirty="0" smtClean="0"/>
-              <a:t>Presentation</a:t>
+              <a:t>Final Presentation</a:t>
             </a:r>
             <a:endParaRPr lang="en-US" sz="5500" b="1" i="1" dirty="0"/>
           </a:p>
@@ -9950,7 +9945,6 @@
               <a:rPr lang="en-US" dirty="0" smtClean="0"/>
               <a:t>23 Apr 2012</a:t>
             </a:r>
-            <a:endParaRPr lang="en-US" dirty="0" smtClean="0"/>
           </a:p>
         </p:txBody>
       </p:sp>
@@ -10325,17 +10319,56 @@
         </p:nvSpPr>
         <p:spPr>
           <a:xfrm>
-            <a:off x="2971800" y="2819400"/>
-            <a:ext cx="3200400" cy="1066800"/>
+            <a:off x="2971800" y="2590800"/>
+            <a:ext cx="3200400" cy="914400"/>
           </a:xfrm>
         </p:spPr>
         <p:txBody>
-          <a:bodyPr/>
+          <a:bodyPr>
+            <a:normAutofit fontScale="90000"/>
+          </a:bodyPr>
           <a:lstStyle/>
           <a:p>
             <a:r>
               <a:rPr lang="en-US" dirty="0" smtClean="0"/>
-              <a:t>Video Demo!</a:t>
+              <a:t>Video Demo</a:t>
+            </a:r>
+            <a:r>
+              <a:rPr lang="en-US" dirty="0" smtClean="0"/>
+              <a:t>!</a:t>
+            </a:r>
+            <a:br>
+              <a:rPr lang="en-US" dirty="0" smtClean="0"/>
+            </a:br>
+            <a:endParaRPr lang="en-US" dirty="0"/>
+          </a:p>
+        </p:txBody>
+      </p:sp>
+      <p:sp>
+        <p:nvSpPr>
+          <p:cNvPr id="4" name="TextBox 3"/>
+          <p:cNvSpPr txBox="1"/>
+          <p:nvPr/>
+        </p:nvSpPr>
+        <p:spPr>
+          <a:xfrm>
+            <a:off x="2514600" y="4267200"/>
+            <a:ext cx="3365024" cy="369332"/>
+          </a:xfrm>
+          <a:prstGeom prst="rect">
+            <a:avLst/>
+          </a:prstGeom>
+          <a:noFill/>
+        </p:spPr>
+        <p:txBody>
+          <a:bodyPr wrap="none" rtlCol="0">
+            <a:spAutoFit/>
+          </a:bodyPr>
+          <a:lstStyle/>
+          <a:p>
+            <a:r>
+              <a:rPr lang="en-US" dirty="0" smtClean="0"/>
+              <a:t>http://youtu.be/whAKcBiZxNI</a:t>
             </a:r>
             <a:endParaRPr lang="en-US" dirty="0"/>
           </a:p>
@@ -10360,213 +10393,6 @@
 </file>
 
 <file path=ppt/slides/slide13.xml><?xml version="1.0" encoding="utf-8"?>
-<p:sld xmlns:a="http://schemas.openxmlformats.org/drawingml/2006/main" xmlns:r="http://schemas.openxmlformats.org/officeDocument/2006/relationships" xmlns:p="http://schemas.openxmlformats.org/presentationml/2006/main">
-  <p:cSld>
-    <p:spTree>
-      <p:nvGrpSpPr>
-        <p:cNvPr id="1" name=""/>
-        <p:cNvGrpSpPr/>
-        <p:nvPr/>
-      </p:nvGrpSpPr>
-      <p:grpSpPr>
-        <a:xfrm>
-          <a:off x="0" y="0"/>
-          <a:ext cx="0" cy="0"/>
-          <a:chOff x="0" y="0"/>
-          <a:chExt cx="0" cy="0"/>
-        </a:xfrm>
-      </p:grpSpPr>
-      <p:pic>
-        <p:nvPicPr>
-          <p:cNvPr id="4" name="AngryPrimsDemovid.mp4">
-            <a:hlinkClick r:id="" action="ppaction://media"/>
-          </p:cNvPr>
-          <p:cNvPicPr>
-            <a:picLocks noGrp="1" noRot="1" noChangeAspect="1"/>
-          </p:cNvPicPr>
-          <p:nvPr>
-            <p:ph idx="1"/>
-            <a:videoFile r:link="rId1"/>
-          </p:nvPr>
-        </p:nvPicPr>
-        <p:blipFill>
-          <a:blip r:embed="rId3" cstate="print"/>
-          <a:stretch>
-            <a:fillRect/>
-          </a:stretch>
-        </p:blipFill>
-        <p:spPr>
-          <a:xfrm>
-            <a:off x="152400" y="533400"/>
-            <a:ext cx="8839200" cy="6107906"/>
-          </a:xfrm>
-          <a:prstGeom prst="rect">
-            <a:avLst/>
-          </a:prstGeom>
-        </p:spPr>
-      </p:pic>
-    </p:spTree>
-  </p:cSld>
-  <p:clrMapOvr>
-    <a:masterClrMapping/>
-  </p:clrMapOvr>
-  <p:transition spd="slow">
-    <p:fade/>
-  </p:transition>
-  <p:timing>
-    <p:tnLst>
-      <p:par>
-        <p:cTn id="1" dur="indefinite" restart="never" nodeType="tmRoot">
-          <p:childTnLst>
-            <p:seq concurrent="1" nextAc="seek">
-              <p:cTn id="2" dur="indefinite" nodeType="mainSeq">
-                <p:childTnLst>
-                  <p:par>
-                    <p:cTn id="3" fill="hold">
-                      <p:stCondLst>
-                        <p:cond delay="indefinite"/>
-                        <p:cond evt="onBegin" delay="0">
-                          <p:tn val="2"/>
-                        </p:cond>
-                      </p:stCondLst>
-                      <p:childTnLst>
-                        <p:par>
-                          <p:cTn id="4" fill="hold">
-                            <p:stCondLst>
-                              <p:cond delay="0"/>
-                            </p:stCondLst>
-                            <p:childTnLst>
-                              <p:par>
-                                <p:cTn id="5" presetID="1" presetClass="mediacall" presetSubtype="0" fill="hold" nodeType="afterEffect">
-                                  <p:stCondLst>
-                                    <p:cond delay="0"/>
-                                  </p:stCondLst>
-                                  <p:childTnLst>
-                                    <p:cmd type="call" cmd="playFrom(0.0)">
-                                      <p:cBhvr>
-                                        <p:cTn id="6" dur="290923" fill="hold"/>
-                                        <p:tgtEl>
-                                          <p:spTgt spid="4"/>
-                                        </p:tgtEl>
-                                      </p:cBhvr>
-                                    </p:cmd>
-                                  </p:childTnLst>
-                                </p:cTn>
-                              </p:par>
-                            </p:childTnLst>
-                          </p:cTn>
-                        </p:par>
-                      </p:childTnLst>
-                    </p:cTn>
-                  </p:par>
-                </p:childTnLst>
-              </p:cTn>
-              <p:prevCondLst>
-                <p:cond evt="onPrev" delay="0">
-                  <p:tgtEl>
-                    <p:sldTgt/>
-                  </p:tgtEl>
-                </p:cond>
-              </p:prevCondLst>
-              <p:nextCondLst>
-                <p:cond evt="onNext" delay="0">
-                  <p:tgtEl>
-                    <p:sldTgt/>
-                  </p:tgtEl>
-                </p:cond>
-              </p:nextCondLst>
-            </p:seq>
-            <p:video>
-              <p:cMediaNode>
-                <p:cTn id="7" fill="hold" display="0">
-                  <p:stCondLst>
-                    <p:cond delay="indefinite"/>
-                  </p:stCondLst>
-                  <p:endCondLst>
-                    <p:cond evt="onNext" delay="0">
-                      <p:tgtEl>
-                        <p:sldTgt/>
-                      </p:tgtEl>
-                    </p:cond>
-                    <p:cond evt="onPrev" delay="0">
-                      <p:tgtEl>
-                        <p:sldTgt/>
-                      </p:tgtEl>
-                    </p:cond>
-                  </p:endCondLst>
-                </p:cTn>
-                <p:tgtEl>
-                  <p:spTgt spid="4"/>
-                </p:tgtEl>
-              </p:cMediaNode>
-            </p:video>
-            <p:seq concurrent="1" nextAc="seek">
-              <p:cTn id="8" restart="whenNotActive" fill="hold" evtFilter="cancelBubble" nodeType="interactiveSeq">
-                <p:stCondLst>
-                  <p:cond evt="onClick" delay="0">
-                    <p:tgtEl>
-                      <p:spTgt spid="4"/>
-                    </p:tgtEl>
-                  </p:cond>
-                </p:stCondLst>
-                <p:endSync evt="end" delay="0">
-                  <p:rtn val="all"/>
-                </p:endSync>
-                <p:childTnLst>
-                  <p:par>
-                    <p:cTn id="9" fill="hold">
-                      <p:stCondLst>
-                        <p:cond delay="0"/>
-                      </p:stCondLst>
-                      <p:childTnLst>
-                        <p:par>
-                          <p:cTn id="10" fill="hold">
-                            <p:stCondLst>
-                              <p:cond delay="0"/>
-                            </p:stCondLst>
-                            <p:childTnLst>
-                              <p:par>
-                                <p:cTn id="11" presetID="2" presetClass="mediacall" presetSubtype="0" fill="hold" nodeType="clickEffect">
-                                  <p:stCondLst>
-                                    <p:cond delay="0"/>
-                                  </p:stCondLst>
-                                  <p:childTnLst>
-                                    <p:cmd type="call" cmd="togglePause">
-                                      <p:cBhvr>
-                                        <p:cTn id="12" dur="1" fill="hold"/>
-                                        <p:tgtEl>
-                                          <p:spTgt spid="4"/>
-                                        </p:tgtEl>
-                                      </p:cBhvr>
-                                    </p:cmd>
-                                  </p:childTnLst>
-                                </p:cTn>
-                              </p:par>
-                            </p:childTnLst>
-                          </p:cTn>
-                        </p:par>
-                      </p:childTnLst>
-                    </p:cTn>
-                  </p:par>
-                </p:childTnLst>
-              </p:cTn>
-              <p:nextCondLst>
-                <p:cond evt="onClick" delay="0">
-                  <p:tgtEl>
-                    <p:spTgt spid="4"/>
-                  </p:tgtEl>
-                </p:cond>
-              </p:nextCondLst>
-            </p:seq>
-          </p:childTnLst>
-        </p:cTn>
-      </p:par>
-    </p:tnLst>
-  </p:timing>
-</p:sld>
-</file>
-
-<file path=ppt/slides/slide14.xml><?xml version="1.0" encoding="utf-8"?>
 <p:sld xmlns:a="http://schemas.openxmlformats.org/drawingml/2006/main" xmlns:r="http://schemas.openxmlformats.org/officeDocument/2006/relationships" xmlns:p="http://schemas.openxmlformats.org/presentationml/2006/main">
   <p:cSld>
     <p:spTree>
@@ -11348,11 +11174,7 @@
             </a:pPr>
             <a:r>
               <a:rPr lang="en-US" dirty="0" smtClean="0"/>
-              <a:t>Developed </a:t>
-            </a:r>
-            <a:r>
-              <a:rPr lang="en-US" dirty="0" smtClean="0"/>
-              <a:t>the game “Maps” </a:t>
+              <a:t>Developed the game “Maps” </a:t>
             </a:r>
           </a:p>
           <a:p>
@@ -11363,11 +11185,7 @@
             </a:pPr>
             <a:r>
               <a:rPr lang="en-US" dirty="0" smtClean="0"/>
-              <a:t>Developed </a:t>
-            </a:r>
-            <a:r>
-              <a:rPr lang="en-US" dirty="0" smtClean="0"/>
-              <a:t>complex gestures </a:t>
+              <a:t>Developed complex gestures </a:t>
             </a:r>
           </a:p>
           <a:p>
@@ -11547,13 +11365,8 @@
             </a:pPr>
             <a:r>
               <a:rPr lang="en-US" dirty="0" smtClean="0"/>
-              <a:t>HUD Design, Projectile and </a:t>
-            </a:r>
-            <a:r>
-              <a:rPr lang="en-US" dirty="0" smtClean="0"/>
-              <a:t>Cannon, Map Design</a:t>
-            </a:r>
-            <a:endParaRPr lang="en-US" dirty="0" smtClean="0"/>
+              <a:t>HUD Design, Projectile and Cannon, Map Design</a:t>
+            </a:r>
           </a:p>
           <a:p>
             <a:pPr>
